--- a/Entrega_2/00.REPORTE/Reporte_Grupo5_def.pptx
+++ b/Entrega_2/00.REPORTE/Reporte_Grupo5_def.pptx
@@ -27,37 +27,37 @@
   <p:notesSz cx="6858000" cy="9144000"/>
   <p:embeddedFontLst>
     <p:embeddedFont>
+      <p:font typeface="等线" panose="020B0503020204020204" pitchFamily="2" charset="-122"/>
+      <p:regular r:id="rId17"/>
+      <p:bold r:id="rId18"/>
+    </p:embeddedFont>
+    <p:embeddedFont>
       <p:font typeface="Arial Black" panose="020B0A04020102020204" pitchFamily="34" charset="0"/>
-      <p:bold r:id="rId17"/>
+      <p:bold r:id="rId19"/>
     </p:embeddedFont>
     <p:embeddedFont>
       <p:font typeface="Didact Gothic" panose="00000500000000000000" pitchFamily="2" charset="0"/>
-      <p:regular r:id="rId18"/>
+      <p:regular r:id="rId20"/>
     </p:embeddedFont>
     <p:embeddedFont>
       <p:font typeface="Libre Franklin" pitchFamily="2" charset="0"/>
-      <p:regular r:id="rId19"/>
-      <p:bold r:id="rId20"/>
-      <p:italic r:id="rId21"/>
-      <p:boldItalic r:id="rId22"/>
+      <p:regular r:id="rId21"/>
+      <p:bold r:id="rId22"/>
+      <p:italic r:id="rId23"/>
+      <p:boldItalic r:id="rId24"/>
     </p:embeddedFont>
     <p:embeddedFont>
       <p:font typeface="Lucida Console" panose="020B0609040504020204" pitchFamily="49" charset="0"/>
-      <p:regular r:id="rId23"/>
+      <p:regular r:id="rId25"/>
     </p:embeddedFont>
     <p:embeddedFont>
       <p:font typeface="Poppins" panose="00000500000000000000" pitchFamily="2" charset="0"/>
-      <p:regular r:id="rId24"/>
-      <p:bold r:id="rId25"/>
+      <p:regular r:id="rId26"/>
+      <p:bold r:id="rId27"/>
     </p:embeddedFont>
     <p:embeddedFont>
       <p:font typeface="Roboto" panose="02000000000000000000" pitchFamily="2" charset="0"/>
-      <p:regular r:id="rId26"/>
-    </p:embeddedFont>
-    <p:embeddedFont>
-      <p:font typeface="等线" panose="02010600030101010101" pitchFamily="2" charset="-122"/>
-      <p:regular r:id="rId27"/>
-      <p:bold r:id="rId28"/>
+      <p:regular r:id="rId28"/>
     </p:embeddedFont>
   </p:embeddedFontLst>
   <p:defaultTextStyle>
@@ -316,7 +316,7 @@
   <pc:docChgLst>
     <pc:chgData name="Mario Aragón Valderrama" userId="ab42593c9091a3c7" providerId="LiveId" clId="{A94EC9C8-FC2E-45B4-829C-AEB6B286F687}"/>
     <pc:docChg chg="custSel addSld delSld modSld">
-      <pc:chgData name="Mario Aragón Valderrama" userId="ab42593c9091a3c7" providerId="LiveId" clId="{A94EC9C8-FC2E-45B4-829C-AEB6B286F687}" dt="2025-12-17T22:24:16.669" v="1685"/>
+      <pc:chgData name="Mario Aragón Valderrama" userId="ab42593c9091a3c7" providerId="LiveId" clId="{A94EC9C8-FC2E-45B4-829C-AEB6B286F687}" dt="2025-12-18T09:16:15.642" v="1708" actId="20577"/>
       <pc:docMkLst>
         <pc:docMk/>
       </pc:docMkLst>
@@ -782,12 +782,28 @@
           </ac:spMkLst>
         </pc:spChg>
       </pc:sldChg>
-      <pc:sldChg chg="add">
-        <pc:chgData name="Mario Aragón Valderrama" userId="ab42593c9091a3c7" providerId="LiveId" clId="{A94EC9C8-FC2E-45B4-829C-AEB6B286F687}" dt="2025-12-17T21:53:11.533" v="1636"/>
+      <pc:sldChg chg="modSp add mod">
+        <pc:chgData name="Mario Aragón Valderrama" userId="ab42593c9091a3c7" providerId="LiveId" clId="{A94EC9C8-FC2E-45B4-829C-AEB6B286F687}" dt="2025-12-18T09:16:15.642" v="1708" actId="20577"/>
         <pc:sldMkLst>
           <pc:docMk/>
           <pc:sldMk cId="3136901332" sldId="309"/>
         </pc:sldMkLst>
+        <pc:spChg chg="mod">
+          <ac:chgData name="Mario Aragón Valderrama" userId="ab42593c9091a3c7" providerId="LiveId" clId="{A94EC9C8-FC2E-45B4-829C-AEB6B286F687}" dt="2025-12-18T09:16:15.642" v="1708" actId="20577"/>
+          <ac:spMkLst>
+            <pc:docMk/>
+            <pc:sldMk cId="3136901332" sldId="309"/>
+            <ac:spMk id="3" creationId="{73C1DC1A-CA01-DFFD-E4A1-D67322F05FC4}"/>
+          </ac:spMkLst>
+        </pc:spChg>
+        <pc:spChg chg="mod">
+          <ac:chgData name="Mario Aragón Valderrama" userId="ab42593c9091a3c7" providerId="LiveId" clId="{A94EC9C8-FC2E-45B4-829C-AEB6B286F687}" dt="2025-12-18T09:16:12.671" v="1707" actId="20577"/>
+          <ac:spMkLst>
+            <pc:docMk/>
+            <pc:sldMk cId="3136901332" sldId="309"/>
+            <ac:spMk id="7" creationId="{55E8F95C-A3E1-0BA0-CC97-91F9F0882BF3}"/>
+          </ac:spMkLst>
+        </pc:spChg>
       </pc:sldChg>
     </pc:docChg>
   </pc:docChgLst>
@@ -18095,8 +18111,13 @@
             </a:r>
             <a:r>
               <a:rPr lang="es-ES" dirty="0"/>
-              <a:t>: Pérdida de información y relaciones en los datos imputados artificialmente</a:t>
-            </a:r>
+              <a:t>: Pérdida de información y relaciones en los datos </a:t>
+            </a:r>
+            <a:r>
+              <a:rPr lang="es-ES"/>
+              <a:t>imputados artificialmente.</a:t>
+            </a:r>
+            <a:endParaRPr lang="es-ES" dirty="0"/>
           </a:p>
           <a:p>
             <a:endParaRPr lang="es-ES" dirty="0"/>
@@ -18211,7 +18232,7 @@
           <a:p>
             <a:r>
               <a:rPr lang="es-ES" dirty="0"/>
-              <a:t>Únicamente 7000 datos para entrenar y validar. Entrenamiento con el 70% de los datos (4900) filas. Posible vía de mejora</a:t>
+              <a:t>Únicamente 7000 datos para entrenar y validar. Entrenamiento con el 70% de los datos (4900) filas. Posible vía de mejora: aumentar la muestra.</a:t>
             </a:r>
           </a:p>
           <a:p>

--- a/Entrega_2/00.REPORTE/Reporte_Grupo5_def.pptx
+++ b/Entrega_2/00.REPORTE/Reporte_Grupo5_def.pptx
@@ -27,7 +27,7 @@
   <p:notesSz cx="6858000" cy="9144000"/>
   <p:embeddedFontLst>
     <p:embeddedFont>
-      <p:font typeface="等线" panose="020B0503020204020204" pitchFamily="2" charset="-122"/>
+      <p:font typeface="等线" panose="02010600030101010101" pitchFamily="2" charset="-122"/>
       <p:regular r:id="rId17"/>
       <p:bold r:id="rId18"/>
     </p:embeddedFont>
@@ -315,13 +315,13 @@
 <pc:chgInfo xmlns:a="http://schemas.openxmlformats.org/drawingml/2006/main" xmlns:r="http://schemas.openxmlformats.org/officeDocument/2006/relationships" xmlns:ac="http://schemas.microsoft.com/office/drawing/2013/main/command" xmlns:pc="http://schemas.microsoft.com/office/powerpoint/2013/main/command">
   <pc:docChgLst>
     <pc:chgData name="Mario Aragón Valderrama" userId="ab42593c9091a3c7" providerId="LiveId" clId="{A94EC9C8-FC2E-45B4-829C-AEB6B286F687}"/>
-    <pc:docChg chg="custSel addSld delSld modSld">
-      <pc:chgData name="Mario Aragón Valderrama" userId="ab42593c9091a3c7" providerId="LiveId" clId="{A94EC9C8-FC2E-45B4-829C-AEB6B286F687}" dt="2025-12-18T09:16:15.642" v="1708" actId="20577"/>
+    <pc:docChg chg="undo custSel addSld delSld modSld">
+      <pc:chgData name="Mario Aragón Valderrama" userId="ab42593c9091a3c7" providerId="LiveId" clId="{A94EC9C8-FC2E-45B4-829C-AEB6B286F687}" dt="2025-12-18T09:45:12.469" v="1717" actId="20577"/>
       <pc:docMkLst>
         <pc:docMk/>
       </pc:docMkLst>
       <pc:sldChg chg="addSp delSp modSp add mod">
-        <pc:chgData name="Mario Aragón Valderrama" userId="ab42593c9091a3c7" providerId="LiveId" clId="{A94EC9C8-FC2E-45B4-829C-AEB6B286F687}" dt="2025-12-17T18:30:30.702" v="1633" actId="404"/>
+        <pc:chgData name="Mario Aragón Valderrama" userId="ab42593c9091a3c7" providerId="LiveId" clId="{A94EC9C8-FC2E-45B4-829C-AEB6B286F687}" dt="2025-12-18T09:45:12.469" v="1717" actId="20577"/>
         <pc:sldMkLst>
           <pc:docMk/>
           <pc:sldMk cId="0" sldId="269"/>
@@ -415,7 +415,7 @@
           </ac:spMkLst>
         </pc:spChg>
         <pc:spChg chg="add mod">
-          <ac:chgData name="Mario Aragón Valderrama" userId="ab42593c9091a3c7" providerId="LiveId" clId="{A94EC9C8-FC2E-45B4-829C-AEB6B286F687}" dt="2025-12-17T18:30:30.702" v="1633" actId="404"/>
+          <ac:chgData name="Mario Aragón Valderrama" userId="ab42593c9091a3c7" providerId="LiveId" clId="{A94EC9C8-FC2E-45B4-829C-AEB6B286F687}" dt="2025-12-18T09:45:12.469" v="1717" actId="20577"/>
           <ac:spMkLst>
             <pc:docMk/>
             <pc:sldMk cId="0" sldId="269"/>
@@ -753,12 +753,28 @@
           </ac:spMkLst>
         </pc:spChg>
       </pc:sldChg>
-      <pc:sldChg chg="add">
-        <pc:chgData name="Mario Aragón Valderrama" userId="ab42593c9091a3c7" providerId="LiveId" clId="{A94EC9C8-FC2E-45B4-829C-AEB6B286F687}" dt="2025-12-17T22:24:16.669" v="1685"/>
+      <pc:sldChg chg="modSp add mod">
+        <pc:chgData name="Mario Aragón Valderrama" userId="ab42593c9091a3c7" providerId="LiveId" clId="{A94EC9C8-FC2E-45B4-829C-AEB6B286F687}" dt="2025-12-18T09:37:12.095" v="1712" actId="1076"/>
         <pc:sldMkLst>
           <pc:docMk/>
           <pc:sldMk cId="4126854353" sldId="307"/>
         </pc:sldMkLst>
+        <pc:spChg chg="mod">
+          <ac:chgData name="Mario Aragón Valderrama" userId="ab42593c9091a3c7" providerId="LiveId" clId="{A94EC9C8-FC2E-45B4-829C-AEB6B286F687}" dt="2025-12-18T09:18:40.748" v="1711" actId="5793"/>
+          <ac:spMkLst>
+            <pc:docMk/>
+            <pc:sldMk cId="4126854353" sldId="307"/>
+            <ac:spMk id="3" creationId="{FF4F94B9-F1EB-A09C-2069-F6656171DE38}"/>
+          </ac:spMkLst>
+        </pc:spChg>
+        <pc:picChg chg="mod">
+          <ac:chgData name="Mario Aragón Valderrama" userId="ab42593c9091a3c7" providerId="LiveId" clId="{A94EC9C8-FC2E-45B4-829C-AEB6B286F687}" dt="2025-12-18T09:37:12.095" v="1712" actId="1076"/>
+          <ac:picMkLst>
+            <pc:docMk/>
+            <pc:sldMk cId="4126854353" sldId="307"/>
+            <ac:picMk id="14" creationId="{EACF4514-2DC9-8FB5-C156-484DCACBCED3}"/>
+          </ac:picMkLst>
+        </pc:picChg>
       </pc:sldChg>
       <pc:sldChg chg="add">
         <pc:chgData name="Mario Aragón Valderrama" userId="ab42593c9091a3c7" providerId="LiveId" clId="{A94EC9C8-FC2E-45B4-829C-AEB6B286F687}" dt="2025-12-17T21:52:57.376" v="1634"/>
@@ -19420,7 +19436,7 @@
         <p:spPr>
           <a:xfrm>
             <a:off x="645458" y="715075"/>
-            <a:ext cx="7272170" cy="1169551"/>
+            <a:ext cx="7272170" cy="1384995"/>
           </a:xfrm>
           <a:prstGeom prst="rect">
             <a:avLst/>
@@ -19468,10 +19484,6 @@
             </a:r>
           </a:p>
           <a:p>
-            <a:pPr marL="285750" indent="-285750">
-              <a:buFont typeface="Wingdings" panose="05000000000000000000" pitchFamily="2" charset="2"/>
-              <a:buChar char="q"/>
-            </a:pPr>
             <a:endParaRPr lang="es-ES" dirty="0"/>
           </a:p>
           <a:p>
@@ -19483,6 +19495,13 @@
               <a:rPr lang="es-ES" dirty="0"/>
               <a:t>Búsqueda de duplicados: NO se encuentran duplicados</a:t>
             </a:r>
+          </a:p>
+          <a:p>
+            <a:pPr marL="285750" indent="-285750">
+              <a:buFont typeface="Wingdings" panose="05000000000000000000" pitchFamily="2" charset="2"/>
+              <a:buChar char="q"/>
+            </a:pPr>
+            <a:endParaRPr lang="es-ES" dirty="0"/>
           </a:p>
         </p:txBody>
       </p:sp>
@@ -19794,7 +19813,7 @@
         </p:blipFill>
         <p:spPr>
           <a:xfrm>
-            <a:off x="3288748" y="2539024"/>
+            <a:off x="3248025" y="2541333"/>
             <a:ext cx="2790875" cy="1917976"/>
           </a:xfrm>
           <a:prstGeom prst="rect">
@@ -21896,8 +21915,13 @@
             </a:r>
             <a:r>
               <a:rPr lang="ca-ES" sz="1200" dirty="0"/>
-              <a:t>) en traint</a:t>
-            </a:r>
+              <a:t>) en </a:t>
+            </a:r>
+            <a:r>
+              <a:rPr lang="ca-ES" sz="1200"/>
+              <a:t>train</a:t>
+            </a:r>
+            <a:endParaRPr lang="ca-ES" sz="1200" dirty="0"/>
           </a:p>
           <a:p>
             <a:pPr algn="just"/>

--- a/Entrega_2/00.REPORTE/Reporte_Grupo5_def.pptx
+++ b/Entrega_2/00.REPORTE/Reporte_Grupo5_def.pptx
@@ -316,7 +316,7 @@
   <pc:docChgLst>
     <pc:chgData name="Mario Aragón Valderrama" userId="ab42593c9091a3c7" providerId="LiveId" clId="{A94EC9C8-FC2E-45B4-829C-AEB6B286F687}"/>
     <pc:docChg chg="undo custSel addSld delSld modSld">
-      <pc:chgData name="Mario Aragón Valderrama" userId="ab42593c9091a3c7" providerId="LiveId" clId="{A94EC9C8-FC2E-45B4-829C-AEB6B286F687}" dt="2025-12-18T09:45:12.469" v="1717" actId="20577"/>
+      <pc:chgData name="Mario Aragón Valderrama" userId="ab42593c9091a3c7" providerId="LiveId" clId="{A94EC9C8-FC2E-45B4-829C-AEB6B286F687}" dt="2025-12-18T10:02:53.154" v="1719" actId="20577"/>
       <pc:docMkLst>
         <pc:docMk/>
       </pc:docMkLst>
@@ -689,6 +689,21 @@
             <pc:docMk/>
             <pc:sldMk cId="0" sldId="296"/>
             <ac:spMk id="3" creationId="{70E38204-24A2-51F6-9008-1CAD6727006D}"/>
+          </ac:spMkLst>
+        </pc:spChg>
+      </pc:sldChg>
+      <pc:sldChg chg="modSp mod">
+        <pc:chgData name="Mario Aragón Valderrama" userId="ab42593c9091a3c7" providerId="LiveId" clId="{A94EC9C8-FC2E-45B4-829C-AEB6B286F687}" dt="2025-12-18T10:02:53.154" v="1719" actId="20577"/>
+        <pc:sldMkLst>
+          <pc:docMk/>
+          <pc:sldMk cId="0" sldId="303"/>
+        </pc:sldMkLst>
+        <pc:spChg chg="mod">
+          <ac:chgData name="Mario Aragón Valderrama" userId="ab42593c9091a3c7" providerId="LiveId" clId="{A94EC9C8-FC2E-45B4-829C-AEB6B286F687}" dt="2025-12-18T10:02:53.154" v="1719" actId="20577"/>
+          <ac:spMkLst>
+            <pc:docMk/>
+            <pc:sldMk cId="0" sldId="303"/>
+            <ac:spMk id="3" creationId="{00000000-0000-0000-0000-000000000000}"/>
           </ac:spMkLst>
         </pc:spChg>
       </pc:sldChg>
@@ -14346,7 +14361,7 @@
             </a:r>
             <a:r>
               <a:rPr lang="es-ES" dirty="0" err="1"/>
-              <a:t>Overffit</a:t>
+              <a:t>Overfit</a:t>
             </a:r>
             <a:endParaRPr lang="es-ES" dirty="0"/>
           </a:p>
@@ -14457,19 +14472,7 @@
               <a:rPr lang="en-US" dirty="0">
                 <a:latin typeface="+mn-lt"/>
               </a:rPr>
-              <a:t> </a:t>
-            </a:r>
-            <a:r>
-              <a:rPr lang="en-US" dirty="0" err="1">
-                <a:latin typeface="+mn-lt"/>
-              </a:rPr>
-              <a:t>tunig</a:t>
-            </a:r>
-            <a:r>
-              <a:rPr lang="en-US" dirty="0">
-                <a:latin typeface="+mn-lt"/>
-              </a:rPr>
-              <a:t>: Best gamma 0.02 </a:t>
+              <a:t> tuning: Best gamma 0.02 </a:t>
             </a:r>
             <a:r>
               <a:rPr lang="en-US" dirty="0" err="1">
@@ -21918,7 +21921,7 @@
               <a:t>) en </a:t>
             </a:r>
             <a:r>
-              <a:rPr lang="ca-ES" sz="1200"/>
+              <a:rPr lang="ca-ES" sz="1200" dirty="0" err="1"/>
               <a:t>train</a:t>
             </a:r>
             <a:endParaRPr lang="ca-ES" sz="1200" dirty="0"/>

--- a/Entrega_2/00.REPORTE/Reporte_Grupo5_def.pptx
+++ b/Entrega_2/00.REPORTE/Reporte_Grupo5_def.pptx
@@ -16,9 +16,9 @@
     <p:sldId id="293" r:id="rId7"/>
     <p:sldId id="299" r:id="rId8"/>
     <p:sldId id="301" r:id="rId9"/>
-    <p:sldId id="296" r:id="rId10"/>
+    <p:sldId id="310" r:id="rId10"/>
     <p:sldId id="302" r:id="rId11"/>
-    <p:sldId id="303" r:id="rId12"/>
+    <p:sldId id="311" r:id="rId12"/>
     <p:sldId id="308" r:id="rId13"/>
     <p:sldId id="305" r:id="rId14"/>
     <p:sldId id="309" r:id="rId15"/>
@@ -27,37 +27,37 @@
   <p:notesSz cx="6858000" cy="9144000"/>
   <p:embeddedFontLst>
     <p:embeddedFont>
+      <p:font typeface="等线" panose="02010600030101010101" pitchFamily="2" charset="-122"/>
+      <p:regular r:id="rId17"/>
+      <p:bold r:id="rId18"/>
+    </p:embeddedFont>
+    <p:embeddedFont>
       <p:font typeface="Arial Black" panose="020B0A04020102020204" pitchFamily="34" charset="0"/>
-      <p:bold r:id="rId17"/>
+      <p:bold r:id="rId19"/>
     </p:embeddedFont>
     <p:embeddedFont>
       <p:font typeface="Didact Gothic" panose="00000500000000000000" pitchFamily="2" charset="0"/>
-      <p:regular r:id="rId18"/>
+      <p:regular r:id="rId20"/>
     </p:embeddedFont>
     <p:embeddedFont>
       <p:font typeface="Libre Franklin" pitchFamily="2" charset="0"/>
-      <p:regular r:id="rId19"/>
-      <p:bold r:id="rId20"/>
-      <p:italic r:id="rId21"/>
-      <p:boldItalic r:id="rId22"/>
+      <p:regular r:id="rId21"/>
+      <p:bold r:id="rId22"/>
+      <p:italic r:id="rId23"/>
+      <p:boldItalic r:id="rId24"/>
     </p:embeddedFont>
     <p:embeddedFont>
       <p:font typeface="Lucida Console" panose="020B0609040504020204" pitchFamily="49" charset="0"/>
-      <p:regular r:id="rId23"/>
+      <p:regular r:id="rId25"/>
     </p:embeddedFont>
     <p:embeddedFont>
       <p:font typeface="Poppins" panose="00000500000000000000" pitchFamily="2" charset="0"/>
-      <p:regular r:id="rId24"/>
-      <p:bold r:id="rId25"/>
+      <p:regular r:id="rId26"/>
+      <p:bold r:id="rId27"/>
     </p:embeddedFont>
     <p:embeddedFont>
       <p:font typeface="Roboto" panose="02000000000000000000" pitchFamily="2" charset="0"/>
-      <p:regular r:id="rId26"/>
-    </p:embeddedFont>
-    <p:embeddedFont>
-      <p:font typeface="等线" panose="02010600030101010101" pitchFamily="2" charset="-122"/>
-      <p:regular r:id="rId27"/>
-      <p:bold r:id="rId28"/>
+      <p:regular r:id="rId28"/>
     </p:embeddedFont>
   </p:embeddedFontLst>
   <p:defaultTextStyle>
@@ -792,45 +792,6 @@
     </pc:docChg>
   </pc:docChgLst>
   <pc:docChgLst>
-    <pc:chgData name="Siling G" userId="c2e56b80bdc69756" providerId="LiveId" clId="{47448ACE-6296-4994-8716-CD6C05950C66}"/>
-    <pc:docChg chg="addSld delSld modSld">
-      <pc:chgData name="Siling G" userId="c2e56b80bdc69756" providerId="LiveId" clId="{47448ACE-6296-4994-8716-CD6C05950C66}" dt="2025-12-18T00:19:21.893" v="3" actId="14100"/>
-      <pc:docMkLst>
-        <pc:docMk/>
-      </pc:docMkLst>
-      <pc:sldChg chg="add del">
-        <pc:chgData name="Siling G" userId="c2e56b80bdc69756" providerId="LiveId" clId="{47448ACE-6296-4994-8716-CD6C05950C66}" dt="2025-12-18T00:19:03.699" v="1"/>
-        <pc:sldMkLst>
-          <pc:docMk/>
-          <pc:sldMk cId="0" sldId="305"/>
-        </pc:sldMkLst>
-      </pc:sldChg>
-      <pc:sldChg chg="modSp mod">
-        <pc:chgData name="Siling G" userId="c2e56b80bdc69756" providerId="LiveId" clId="{47448ACE-6296-4994-8716-CD6C05950C66}" dt="2025-12-18T00:19:21.893" v="3" actId="14100"/>
-        <pc:sldMkLst>
-          <pc:docMk/>
-          <pc:sldMk cId="0" sldId="308"/>
-        </pc:sldMkLst>
-        <pc:picChg chg="mod">
-          <ac:chgData name="Siling G" userId="c2e56b80bdc69756" providerId="LiveId" clId="{47448ACE-6296-4994-8716-CD6C05950C66}" dt="2025-12-18T00:19:21.893" v="3" actId="14100"/>
-          <ac:picMkLst>
-            <pc:docMk/>
-            <pc:sldMk cId="0" sldId="308"/>
-            <ac:picMk id="12" creationId="{679F0633-3CE4-ABF2-A4A9-A1B8440369AC}"/>
-          </ac:picMkLst>
-        </pc:picChg>
-        <pc:picChg chg="mod">
-          <ac:chgData name="Siling G" userId="c2e56b80bdc69756" providerId="LiveId" clId="{47448ACE-6296-4994-8716-CD6C05950C66}" dt="2025-12-18T00:19:11.656" v="2" actId="14100"/>
-          <ac:picMkLst>
-            <pc:docMk/>
-            <pc:sldMk cId="0" sldId="308"/>
-            <ac:picMk id="14" creationId="{6A9DE666-AD88-7D6F-9EC7-8D174610DD8B}"/>
-          </ac:picMkLst>
-        </pc:picChg>
-      </pc:sldChg>
-    </pc:docChg>
-  </pc:docChgLst>
-  <pc:docChgLst>
     <pc:chgData name="Antonio Polonio Martinez" userId="c7f805dacea241c7" providerId="LiveId" clId="{45294F24-7BEA-49DD-8500-31D67A0AADF9}"/>
     <pc:docChg chg="custSel modSld">
       <pc:chgData name="Antonio Polonio Martinez" userId="c7f805dacea241c7" providerId="LiveId" clId="{45294F24-7BEA-49DD-8500-31D67A0AADF9}" dt="2025-12-18T00:05:30.928" v="351" actId="1036"/>
@@ -961,6 +922,45 @@
             <pc:docMk/>
             <pc:sldMk cId="4126854353" sldId="307"/>
             <ac:picMk id="28" creationId="{E8CBDA51-99C1-1CBB-938D-31784722A370}"/>
+          </ac:picMkLst>
+        </pc:picChg>
+      </pc:sldChg>
+    </pc:docChg>
+  </pc:docChgLst>
+  <pc:docChgLst>
+    <pc:chgData name="Siling G" userId="c2e56b80bdc69756" providerId="LiveId" clId="{47448ACE-6296-4994-8716-CD6C05950C66}"/>
+    <pc:docChg chg="addSld delSld modSld">
+      <pc:chgData name="Siling G" userId="c2e56b80bdc69756" providerId="LiveId" clId="{47448ACE-6296-4994-8716-CD6C05950C66}" dt="2025-12-18T00:19:21.893" v="3" actId="14100"/>
+      <pc:docMkLst>
+        <pc:docMk/>
+      </pc:docMkLst>
+      <pc:sldChg chg="add del">
+        <pc:chgData name="Siling G" userId="c2e56b80bdc69756" providerId="LiveId" clId="{47448ACE-6296-4994-8716-CD6C05950C66}" dt="2025-12-18T00:19:03.699" v="1"/>
+        <pc:sldMkLst>
+          <pc:docMk/>
+          <pc:sldMk cId="0" sldId="305"/>
+        </pc:sldMkLst>
+      </pc:sldChg>
+      <pc:sldChg chg="modSp mod">
+        <pc:chgData name="Siling G" userId="c2e56b80bdc69756" providerId="LiveId" clId="{47448ACE-6296-4994-8716-CD6C05950C66}" dt="2025-12-18T00:19:21.893" v="3" actId="14100"/>
+        <pc:sldMkLst>
+          <pc:docMk/>
+          <pc:sldMk cId="0" sldId="308"/>
+        </pc:sldMkLst>
+        <pc:picChg chg="mod">
+          <ac:chgData name="Siling G" userId="c2e56b80bdc69756" providerId="LiveId" clId="{47448ACE-6296-4994-8716-CD6C05950C66}" dt="2025-12-18T00:19:21.893" v="3" actId="14100"/>
+          <ac:picMkLst>
+            <pc:docMk/>
+            <pc:sldMk cId="0" sldId="308"/>
+            <ac:picMk id="12" creationId="{679F0633-3CE4-ABF2-A4A9-A1B8440369AC}"/>
+          </ac:picMkLst>
+        </pc:picChg>
+        <pc:picChg chg="mod">
+          <ac:chgData name="Siling G" userId="c2e56b80bdc69756" providerId="LiveId" clId="{47448ACE-6296-4994-8716-CD6C05950C66}" dt="2025-12-18T00:19:11.656" v="2" actId="14100"/>
+          <ac:picMkLst>
+            <pc:docMk/>
+            <pc:sldMk cId="0" sldId="308"/>
+            <ac:picMk id="14" creationId="{6A9DE666-AD88-7D6F-9EC7-8D174610DD8B}"/>
           </ac:picMkLst>
         </pc:picChg>
       </pc:sldChg>
@@ -14271,7 +14271,7 @@
         <p:spPr>
           <a:xfrm>
             <a:off x="1214863" y="1112200"/>
-            <a:ext cx="7343995" cy="2246769"/>
+            <a:ext cx="7343995" cy="2677656"/>
           </a:xfrm>
           <a:prstGeom prst="rect">
             <a:avLst/>
@@ -14347,7 +14347,35 @@
             </a:r>
             <a:r>
               <a:rPr lang="es-ES" dirty="0"/>
-              <a:t>               1:3      </a:t>
+              <a:t>               1:3     </a:t>
+            </a:r>
+          </a:p>
+          <a:p>
+            <a:pPr marL="285750" indent="-285750">
+              <a:buClr>
+                <a:srgbClr val="00B050"/>
+              </a:buClr>
+              <a:buSzPct val="150000"/>
+              <a:buFont typeface="Wingdings" panose="05000000000000000000" pitchFamily="2" charset="2"/>
+              <a:buChar char="ü"/>
+            </a:pPr>
+            <a:r>
+              <a:rPr lang="es-ES" dirty="0"/>
+              <a:t>Radial</a:t>
+            </a:r>
+          </a:p>
+          <a:p>
+            <a:pPr marL="285750" indent="-285750">
+              <a:buClr>
+                <a:srgbClr val="FF0000"/>
+              </a:buClr>
+              <a:buSzPct val="150000"/>
+              <a:buFont typeface="Arial" panose="020B0604020202020204" pitchFamily="34" charset="0"/>
+              <a:buChar char="×"/>
+            </a:pPr>
+            <a:r>
+              <a:rPr lang="es-ES" dirty="0"/>
+              <a:t>Lineal i Polinomial </a:t>
             </a:r>
           </a:p>
           <a:p>
@@ -14574,7 +14602,7 @@
         </p:nvSpPr>
         <p:spPr>
           <a:xfrm>
-            <a:off x="992551" y="3476730"/>
+            <a:off x="992551" y="3993882"/>
             <a:ext cx="7566307" cy="738664"/>
           </a:xfrm>
           <a:prstGeom prst="rect">
@@ -24064,8 +24092,8 @@
         </p:nvSpPr>
         <p:spPr>
           <a:xfrm>
-            <a:off x="1258229" y="1154252"/>
-            <a:ext cx="6627541" cy="3139321"/>
+            <a:off x="875944" y="1112200"/>
+            <a:ext cx="7580971" cy="3139321"/>
           </a:xfrm>
           <a:prstGeom prst="rect">
             <a:avLst/>
@@ -24190,7 +24218,7 @@
             </a:r>
             <a:r>
               <a:rPr lang="es-ES" dirty="0" err="1"/>
-              <a:t>HasBalace</a:t>
+              <a:t>HasBalance</a:t>
             </a:r>
             <a:endParaRPr lang="es-ES" dirty="0"/>
           </a:p>
@@ -24205,7 +24233,7 @@
             </a:pPr>
             <a:r>
               <a:rPr lang="es-ES" dirty="0"/>
-              <a:t>Otras variables creadas como</a:t>
+              <a:t>Otras variables creadas como Age categorizada y diversas combinaciones de variables.</a:t>
             </a:r>
           </a:p>
           <a:p>
@@ -24221,19 +24249,22 @@
               <a:rPr lang="es-ES" dirty="0" err="1"/>
               <a:t>ClassWeights</a:t>
             </a:r>
-            <a:endParaRPr lang="es-ES" dirty="0"/>
+            <a:r>
+              <a:rPr lang="es-ES" dirty="0"/>
+              <a:t> 1:4</a:t>
+            </a:r>
           </a:p>
           <a:p>
             <a:endParaRPr lang="es-ES" dirty="0"/>
           </a:p>
           <a:p>
             <a:r>
-              <a:rPr lang="es-ES" sz="1600" dirty="0" err="1"/>
+              <a:rPr lang="es-ES" sz="1600" b="1" dirty="0" err="1"/>
               <a:t>Caracteristicas</a:t>
             </a:r>
             <a:r>
-              <a:rPr lang="es-ES" sz="1600" dirty="0"/>
-              <a:t> del mejor: </a:t>
+              <a:rPr lang="es-ES" sz="1600" b="1" dirty="0"/>
+              <a:t>: </a:t>
             </a:r>
           </a:p>
           <a:p>
@@ -24347,8 +24378,8 @@
         </p:nvSpPr>
         <p:spPr>
           <a:xfrm>
-            <a:off x="2329029" y="4115279"/>
-            <a:ext cx="4485939" cy="738664"/>
+            <a:off x="1176671" y="4108191"/>
+            <a:ext cx="7091385" cy="738664"/>
           </a:xfrm>
           <a:prstGeom prst="rect">
             <a:avLst/>
@@ -24377,21 +24408,37 @@
             <a:pPr latinLnBrk="1"/>
             <a:r>
               <a:rPr lang="en-US" dirty="0"/>
-              <a:t> Dataset  Accuracy Precision    Recall  F1_Score</a:t>
+              <a:t> Dataset  </a:t>
+            </a:r>
+            <a:r>
+              <a:rPr lang="en-US" dirty="0" err="1"/>
+              <a:t>Error_rate</a:t>
+            </a:r>
+            <a:r>
+              <a:rPr lang="en-US" dirty="0"/>
+              <a:t>   Accuracy    Precision    </a:t>
+            </a:r>
+            <a:r>
+              <a:rPr lang="en-US" dirty="0" err="1"/>
+              <a:t>Recall_Sensitivity</a:t>
+            </a:r>
+            <a:r>
+              <a:rPr lang="en-US" dirty="0"/>
+              <a:t> Specificity   F1_Score</a:t>
             </a:r>
           </a:p>
           <a:p>
             <a:pPr latinLnBrk="1"/>
             <a:r>
               <a:rPr lang="en-US" dirty="0"/>
-              <a:t>1  Train2 0.7224490 0.3984632 0.7333333 0.5163585</a:t>
+              <a:t>1  Train2  0.2775510  0.7224490  0.3984632          0.7333333    0.7196931  0.5163585</a:t>
             </a:r>
           </a:p>
           <a:p>
             <a:pPr latinLnBrk="1"/>
             <a:r>
               <a:rPr lang="en-US" dirty="0"/>
-              <a:t>2   Test2 0.7085714 0.4025641 0.6826087 0.5064516</a:t>
+              <a:t>2   Test2  0.2914286  0.7085714  0.4025641          0.6826087    0.7158537  0.5064516</a:t>
             </a:r>
           </a:p>
         </p:txBody>
@@ -24410,7 +24457,7 @@
         </p:nvSpPr>
         <p:spPr>
           <a:xfrm>
-            <a:off x="6269162" y="2055251"/>
+            <a:off x="6467637" y="2550108"/>
             <a:ext cx="2321943" cy="1360969"/>
           </a:xfrm>
           <a:prstGeom prst="roundRect">

--- a/Entrega_2/00.REPORTE/Reporte_Grupo5_def.pptx
+++ b/Entrega_2/00.REPORTE/Reporte_Grupo5_def.pptx
@@ -14640,7 +14640,7 @@
             </a:r>
             <a:r>
               <a:rPr lang="en-US" dirty="0"/>
-              <a:t>  Accuracy Precision </a:t>
+              <a:t>   Accuracy   Precision    </a:t>
             </a:r>
             <a:r>
               <a:rPr lang="en-US" dirty="0" err="1"/>
@@ -14648,21 +14648,21 @@
             </a:r>
             <a:r>
               <a:rPr lang="en-US" dirty="0"/>
-              <a:t> Specificity  F1_Score</a:t>
+              <a:t>     Specificity   F1_Score</a:t>
             </a:r>
           </a:p>
           <a:p>
             <a:pPr latinLnBrk="1"/>
             <a:r>
               <a:rPr lang="en-US" dirty="0"/>
-              <a:t>1  Train2  0.2793878 0.7206122 0.3940120          0.6482759   0.7395109 0.4901304</a:t>
+              <a:t>1  Train2  0.2793878 0.7206122 0.3940120          0.6482759        0.7395109 0.4901304</a:t>
             </a:r>
           </a:p>
           <a:p>
             <a:pPr latinLnBrk="1"/>
             <a:r>
               <a:rPr lang="en-US" dirty="0"/>
-              <a:t>2   Test2  0.2900000 0.7100000 0.3788301          0.6252874   0.7321321 0.4718127</a:t>
+              <a:t>2   Test2  0.2900000 0.7100000 0.3788301          0.6252874        0.7321321 0.4718127</a:t>
             </a:r>
           </a:p>
         </p:txBody>

--- a/Entrega_2/00.REPORTE/Reporte_Grupo5_def.pptx
+++ b/Entrega_2/00.REPORTE/Reporte_Grupo5_def.pptx
@@ -18239,7 +18239,7 @@
           <a:p>
             <a:r>
               <a:rPr lang="es-ES" dirty="0"/>
-              <a:t>Únicamente 7000 datos para entrenar y validar. Entrenamiento con el 70% de los datos (4900) filas. Posible vía de mejora</a:t>
+              <a:t>Únicamente 7000 datos para entrenar y validar. Entrenamiento con el 70% de los datos (4900) filas.</a:t>
             </a:r>
           </a:p>
           <a:p>
@@ -24352,7 +24352,7 @@
             </a:pPr>
             <a:r>
               <a:rPr lang="es-ES" dirty="0"/>
-              <a:t>Métricas obtenidas con p=0.47.</a:t>
+              <a:t>Métricas obtenidas con p=0.52.</a:t>
             </a:r>
           </a:p>
           <a:p>
@@ -24361,85 +24361,6 @@
               <a:buChar char="ü"/>
             </a:pPr>
             <a:endParaRPr lang="es-ES" dirty="0"/>
-          </a:p>
-        </p:txBody>
-      </p:sp>
-      <p:sp>
-        <p:nvSpPr>
-          <p:cNvPr id="3" name="CuadroTexto 2">
-            <a:extLst>
-              <a:ext uri="{FF2B5EF4-FFF2-40B4-BE49-F238E27FC236}">
-                <a16:creationId xmlns:a16="http://schemas.microsoft.com/office/drawing/2014/main" id="{70E38204-24A2-51F6-9008-1CAD6727006D}"/>
-              </a:ext>
-            </a:extLst>
-          </p:cNvPr>
-          <p:cNvSpPr txBox="1"/>
-          <p:nvPr/>
-        </p:nvSpPr>
-        <p:spPr>
-          <a:xfrm>
-            <a:off x="1176671" y="4108191"/>
-            <a:ext cx="7091385" cy="738664"/>
-          </a:xfrm>
-          <a:prstGeom prst="rect">
-            <a:avLst/>
-          </a:prstGeom>
-        </p:spPr>
-        <p:style>
-          <a:lnRef idx="1">
-            <a:schemeClr val="accent2"/>
-          </a:lnRef>
-          <a:fillRef idx="2">
-            <a:schemeClr val="accent2"/>
-          </a:fillRef>
-          <a:effectRef idx="1">
-            <a:schemeClr val="accent2"/>
-          </a:effectRef>
-          <a:fontRef idx="minor">
-            <a:schemeClr val="dk1"/>
-          </a:fontRef>
-        </p:style>
-        <p:txBody>
-          <a:bodyPr wrap="square" rtlCol="0">
-            <a:spAutoFit/>
-          </a:bodyPr>
-          <a:lstStyle/>
-          <a:p>
-            <a:pPr latinLnBrk="1"/>
-            <a:r>
-              <a:rPr lang="en-US" dirty="0"/>
-              <a:t> Dataset  </a:t>
-            </a:r>
-            <a:r>
-              <a:rPr lang="en-US" dirty="0" err="1"/>
-              <a:t>Error_rate</a:t>
-            </a:r>
-            <a:r>
-              <a:rPr lang="en-US" dirty="0"/>
-              <a:t>   Accuracy    Precision    </a:t>
-            </a:r>
-            <a:r>
-              <a:rPr lang="en-US" dirty="0" err="1"/>
-              <a:t>Recall_Sensitivity</a:t>
-            </a:r>
-            <a:r>
-              <a:rPr lang="en-US" dirty="0"/>
-              <a:t> Specificity   F1_Score</a:t>
-            </a:r>
-          </a:p>
-          <a:p>
-            <a:pPr latinLnBrk="1"/>
-            <a:r>
-              <a:rPr lang="en-US" dirty="0"/>
-              <a:t>1  Train2  0.2775510  0.7224490  0.3984632          0.7333333    0.7196931  0.5163585</a:t>
-            </a:r>
-          </a:p>
-          <a:p>
-            <a:pPr latinLnBrk="1"/>
-            <a:r>
-              <a:rPr lang="en-US" dirty="0"/>
-              <a:t>2   Test2  0.2914286  0.7085714  0.4025641          0.6826087    0.7158537  0.5064516</a:t>
-            </a:r>
           </a:p>
         </p:txBody>
       </p:sp>
@@ -24541,11 +24462,421 @@
           </a:p>
         </p:txBody>
       </p:sp>
+      <p:sp>
+        <p:nvSpPr>
+          <p:cNvPr id="5" name="CuadroTexto 4">
+            <a:extLst>
+              <a:ext uri="{FF2B5EF4-FFF2-40B4-BE49-F238E27FC236}">
+                <a16:creationId xmlns:a16="http://schemas.microsoft.com/office/drawing/2014/main" id="{4A5074BF-9E07-DBDF-60C6-F4DC50D14036}"/>
+              </a:ext>
+            </a:extLst>
+          </p:cNvPr>
+          <p:cNvSpPr txBox="1"/>
+          <p:nvPr/>
+        </p:nvSpPr>
+        <p:spPr>
+          <a:xfrm>
+            <a:off x="1120736" y="4085557"/>
+            <a:ext cx="7091385" cy="738664"/>
+          </a:xfrm>
+          <a:prstGeom prst="rect">
+            <a:avLst/>
+          </a:prstGeom>
+        </p:spPr>
+        <p:style>
+          <a:lnRef idx="1">
+            <a:schemeClr val="accent2"/>
+          </a:lnRef>
+          <a:fillRef idx="2">
+            <a:schemeClr val="accent2"/>
+          </a:fillRef>
+          <a:effectRef idx="1">
+            <a:schemeClr val="accent2"/>
+          </a:effectRef>
+          <a:fontRef idx="minor">
+            <a:schemeClr val="dk1"/>
+          </a:fontRef>
+        </p:style>
+        <p:txBody>
+          <a:bodyPr wrap="square" rtlCol="0">
+            <a:spAutoFit/>
+          </a:bodyPr>
+          <a:lstStyle/>
+          <a:p>
+            <a:pPr latinLnBrk="1"/>
+            <a:r>
+              <a:rPr lang="en-US" dirty="0"/>
+              <a:t>Dataset    </a:t>
+            </a:r>
+            <a:r>
+              <a:rPr lang="en-US" dirty="0" err="1"/>
+              <a:t>Error_rate</a:t>
+            </a:r>
+            <a:r>
+              <a:rPr lang="en-US" dirty="0"/>
+              <a:t>  Accuracy   Precision   </a:t>
+            </a:r>
+            <a:r>
+              <a:rPr lang="en-US" dirty="0" err="1"/>
+              <a:t>Recall_Sensitivity</a:t>
+            </a:r>
+            <a:r>
+              <a:rPr lang="en-US" dirty="0"/>
+              <a:t> Specificity   F1_Score</a:t>
+            </a:r>
+          </a:p>
+          <a:p>
+            <a:pPr latinLnBrk="1"/>
+            <a:r>
+              <a:rPr lang="en-US" dirty="0"/>
+              <a:t>1  Train2  0.2328571 0.7671429 0.4483231          0.6616162    0.7938619 0.5344757</a:t>
+            </a:r>
+          </a:p>
+          <a:p>
+            <a:pPr latinLnBrk="1"/>
+            <a:r>
+              <a:rPr lang="en-US" dirty="0"/>
+              <a:t>2   Test2  0.2428571 0.7571429 0.4606918          0.6369565    0.7908537 0.5346715</a:t>
+            </a:r>
+          </a:p>
+        </p:txBody>
+      </p:sp>
+      <p:sp>
+        <p:nvSpPr>
+          <p:cNvPr id="7" name="CuadroTexto 6">
+            <a:extLst>
+              <a:ext uri="{FF2B5EF4-FFF2-40B4-BE49-F238E27FC236}">
+                <a16:creationId xmlns:a16="http://schemas.microsoft.com/office/drawing/2014/main" id="{1A11E12C-10DE-3A1A-8458-5A6C0DE32879}"/>
+              </a:ext>
+            </a:extLst>
+          </p:cNvPr>
+          <p:cNvSpPr txBox="1"/>
+          <p:nvPr/>
+        </p:nvSpPr>
+        <p:spPr>
+          <a:xfrm>
+            <a:off x="333155" y="4349132"/>
+            <a:ext cx="765544" cy="307777"/>
+          </a:xfrm>
+          <a:prstGeom prst="rect">
+            <a:avLst/>
+          </a:prstGeom>
+          <a:noFill/>
+        </p:spPr>
+        <p:txBody>
+          <a:bodyPr wrap="square" rtlCol="0">
+            <a:spAutoFit/>
+          </a:bodyPr>
+          <a:lstStyle/>
+          <a:p>
+            <a:r>
+              <a:rPr lang="es-ES" dirty="0"/>
+              <a:t>p=0.47</a:t>
+            </a:r>
+          </a:p>
+        </p:txBody>
+      </p:sp>
+      <p:sp>
+        <p:nvSpPr>
+          <p:cNvPr id="3" name="CuadroTexto 2">
+            <a:extLst>
+              <a:ext uri="{FF2B5EF4-FFF2-40B4-BE49-F238E27FC236}">
+                <a16:creationId xmlns:a16="http://schemas.microsoft.com/office/drawing/2014/main" id="{70E38204-24A2-51F6-9008-1CAD6727006D}"/>
+              </a:ext>
+            </a:extLst>
+          </p:cNvPr>
+          <p:cNvSpPr txBox="1"/>
+          <p:nvPr/>
+        </p:nvSpPr>
+        <p:spPr>
+          <a:xfrm>
+            <a:off x="1120736" y="4085557"/>
+            <a:ext cx="7091385" cy="738664"/>
+          </a:xfrm>
+          <a:prstGeom prst="rect">
+            <a:avLst/>
+          </a:prstGeom>
+        </p:spPr>
+        <p:style>
+          <a:lnRef idx="1">
+            <a:schemeClr val="accent2"/>
+          </a:lnRef>
+          <a:fillRef idx="2">
+            <a:schemeClr val="accent2"/>
+          </a:fillRef>
+          <a:effectRef idx="1">
+            <a:schemeClr val="accent2"/>
+          </a:effectRef>
+          <a:fontRef idx="minor">
+            <a:schemeClr val="dk1"/>
+          </a:fontRef>
+        </p:style>
+        <p:txBody>
+          <a:bodyPr wrap="square" rtlCol="0">
+            <a:spAutoFit/>
+          </a:bodyPr>
+          <a:lstStyle/>
+          <a:p>
+            <a:pPr latinLnBrk="1"/>
+            <a:r>
+              <a:rPr lang="en-US" dirty="0"/>
+              <a:t> Dataset  </a:t>
+            </a:r>
+            <a:r>
+              <a:rPr lang="en-US" dirty="0" err="1"/>
+              <a:t>Error_rate</a:t>
+            </a:r>
+            <a:r>
+              <a:rPr lang="en-US" dirty="0"/>
+              <a:t>   Accuracy    Precision    </a:t>
+            </a:r>
+            <a:r>
+              <a:rPr lang="en-US" dirty="0" err="1"/>
+              <a:t>Recall_Sensitivity</a:t>
+            </a:r>
+            <a:r>
+              <a:rPr lang="en-US" dirty="0"/>
+              <a:t> Specificity   F1_Score</a:t>
+            </a:r>
+          </a:p>
+          <a:p>
+            <a:pPr latinLnBrk="1"/>
+            <a:r>
+              <a:rPr lang="en-US" dirty="0"/>
+              <a:t>1  Train2  0.2775510  0.7224490  0.3984632          0.7333333    0.7196931  0.5163585</a:t>
+            </a:r>
+          </a:p>
+          <a:p>
+            <a:pPr latinLnBrk="1"/>
+            <a:r>
+              <a:rPr lang="en-US" dirty="0"/>
+              <a:t>2   Test2  0.2914286  0.7085714  0.4025641          0.6826087    0.7158537  0.5064516</a:t>
+            </a:r>
+          </a:p>
+        </p:txBody>
+      </p:sp>
     </p:spTree>
   </p:cSld>
   <p:clrMapOvr>
     <a:masterClrMapping/>
   </p:clrMapOvr>
+  <p:timing>
+    <p:tnLst>
+      <p:par>
+        <p:cTn id="1" dur="indefinite" restart="never" nodeType="tmRoot">
+          <p:childTnLst>
+            <p:seq concurrent="1" nextAc="seek">
+              <p:cTn id="2" dur="indefinite" nodeType="mainSeq">
+                <p:childTnLst>
+                  <p:par>
+                    <p:cTn id="3" fill="hold">
+                      <p:stCondLst>
+                        <p:cond delay="indefinite"/>
+                        <p:cond evt="onBegin" delay="0">
+                          <p:tn val="2"/>
+                        </p:cond>
+                      </p:stCondLst>
+                      <p:childTnLst>
+                        <p:par>
+                          <p:cTn id="4" fill="hold">
+                            <p:stCondLst>
+                              <p:cond delay="0"/>
+                            </p:stCondLst>
+                            <p:childTnLst>
+                              <p:par>
+                                <p:cTn id="5" presetID="42" presetClass="entr" presetSubtype="0" fill="hold" grpId="0" nodeType="withEffect">
+                                  <p:stCondLst>
+                                    <p:cond delay="0"/>
+                                  </p:stCondLst>
+                                  <p:childTnLst>
+                                    <p:set>
+                                      <p:cBhvr>
+                                        <p:cTn id="6" dur="1" fill="hold">
+                                          <p:stCondLst>
+                                            <p:cond delay="0"/>
+                                          </p:stCondLst>
+                                        </p:cTn>
+                                        <p:tgtEl>
+                                          <p:spTgt spid="7"/>
+                                        </p:tgtEl>
+                                        <p:attrNameLst>
+                                          <p:attrName>style.visibility</p:attrName>
+                                        </p:attrNameLst>
+                                      </p:cBhvr>
+                                      <p:to>
+                                        <p:strVal val="visible"/>
+                                      </p:to>
+                                    </p:set>
+                                    <p:animEffect transition="in" filter="fade">
+                                      <p:cBhvr>
+                                        <p:cTn id="7" dur="1000"/>
+                                        <p:tgtEl>
+                                          <p:spTgt spid="7"/>
+                                        </p:tgtEl>
+                                      </p:cBhvr>
+                                    </p:animEffect>
+                                    <p:anim calcmode="lin" valueType="num">
+                                      <p:cBhvr>
+                                        <p:cTn id="8" dur="1000" fill="hold"/>
+                                        <p:tgtEl>
+                                          <p:spTgt spid="7"/>
+                                        </p:tgtEl>
+                                        <p:attrNameLst>
+                                          <p:attrName>ppt_x</p:attrName>
+                                        </p:attrNameLst>
+                                      </p:cBhvr>
+                                      <p:tavLst>
+                                        <p:tav tm="0">
+                                          <p:val>
+                                            <p:strVal val="#ppt_x"/>
+                                          </p:val>
+                                        </p:tav>
+                                        <p:tav tm="100000">
+                                          <p:val>
+                                            <p:strVal val="#ppt_x"/>
+                                          </p:val>
+                                        </p:tav>
+                                      </p:tavLst>
+                                    </p:anim>
+                                    <p:anim calcmode="lin" valueType="num">
+                                      <p:cBhvr>
+                                        <p:cTn id="9" dur="1000" fill="hold"/>
+                                        <p:tgtEl>
+                                          <p:spTgt spid="7"/>
+                                        </p:tgtEl>
+                                        <p:attrNameLst>
+                                          <p:attrName>ppt_y</p:attrName>
+                                        </p:attrNameLst>
+                                      </p:cBhvr>
+                                      <p:tavLst>
+                                        <p:tav tm="0">
+                                          <p:val>
+                                            <p:strVal val="#ppt_y+.1"/>
+                                          </p:val>
+                                        </p:tav>
+                                        <p:tav tm="100000">
+                                          <p:val>
+                                            <p:strVal val="#ppt_y"/>
+                                          </p:val>
+                                        </p:tav>
+                                      </p:tavLst>
+                                    </p:anim>
+                                  </p:childTnLst>
+                                </p:cTn>
+                              </p:par>
+                              <p:par>
+                                <p:cTn id="10" presetID="42" presetClass="entr" presetSubtype="0" fill="hold" grpId="0" nodeType="withEffect">
+                                  <p:stCondLst>
+                                    <p:cond delay="0"/>
+                                  </p:stCondLst>
+                                  <p:childTnLst>
+                                    <p:set>
+                                      <p:cBhvr>
+                                        <p:cTn id="11" dur="1" fill="hold">
+                                          <p:stCondLst>
+                                            <p:cond delay="0"/>
+                                          </p:stCondLst>
+                                        </p:cTn>
+                                        <p:tgtEl>
+                                          <p:spTgt spid="3"/>
+                                        </p:tgtEl>
+                                        <p:attrNameLst>
+                                          <p:attrName>style.visibility</p:attrName>
+                                        </p:attrNameLst>
+                                      </p:cBhvr>
+                                      <p:to>
+                                        <p:strVal val="visible"/>
+                                      </p:to>
+                                    </p:set>
+                                    <p:animEffect transition="in" filter="fade">
+                                      <p:cBhvr>
+                                        <p:cTn id="12" dur="1000"/>
+                                        <p:tgtEl>
+                                          <p:spTgt spid="3"/>
+                                        </p:tgtEl>
+                                      </p:cBhvr>
+                                    </p:animEffect>
+                                    <p:anim calcmode="lin" valueType="num">
+                                      <p:cBhvr>
+                                        <p:cTn id="13" dur="1000" fill="hold"/>
+                                        <p:tgtEl>
+                                          <p:spTgt spid="3"/>
+                                        </p:tgtEl>
+                                        <p:attrNameLst>
+                                          <p:attrName>ppt_x</p:attrName>
+                                        </p:attrNameLst>
+                                      </p:cBhvr>
+                                      <p:tavLst>
+                                        <p:tav tm="0">
+                                          <p:val>
+                                            <p:strVal val="#ppt_x"/>
+                                          </p:val>
+                                        </p:tav>
+                                        <p:tav tm="100000">
+                                          <p:val>
+                                            <p:strVal val="#ppt_x"/>
+                                          </p:val>
+                                        </p:tav>
+                                      </p:tavLst>
+                                    </p:anim>
+                                    <p:anim calcmode="lin" valueType="num">
+                                      <p:cBhvr>
+                                        <p:cTn id="14" dur="1000" fill="hold"/>
+                                        <p:tgtEl>
+                                          <p:spTgt spid="3"/>
+                                        </p:tgtEl>
+                                        <p:attrNameLst>
+                                          <p:attrName>ppt_y</p:attrName>
+                                        </p:attrNameLst>
+                                      </p:cBhvr>
+                                      <p:tavLst>
+                                        <p:tav tm="0">
+                                          <p:val>
+                                            <p:strVal val="#ppt_y+.1"/>
+                                          </p:val>
+                                        </p:tav>
+                                        <p:tav tm="100000">
+                                          <p:val>
+                                            <p:strVal val="#ppt_y"/>
+                                          </p:val>
+                                        </p:tav>
+                                      </p:tavLst>
+                                    </p:anim>
+                                  </p:childTnLst>
+                                </p:cTn>
+                              </p:par>
+                            </p:childTnLst>
+                          </p:cTn>
+                        </p:par>
+                      </p:childTnLst>
+                    </p:cTn>
+                  </p:par>
+                </p:childTnLst>
+              </p:cTn>
+              <p:prevCondLst>
+                <p:cond evt="onPrev" delay="0">
+                  <p:tgtEl>
+                    <p:sldTgt/>
+                  </p:tgtEl>
+                </p:cond>
+              </p:prevCondLst>
+              <p:nextCondLst>
+                <p:cond evt="onNext" delay="0">
+                  <p:tgtEl>
+                    <p:sldTgt/>
+                  </p:tgtEl>
+                </p:cond>
+              </p:nextCondLst>
+            </p:seq>
+          </p:childTnLst>
+        </p:cTn>
+      </p:par>
+    </p:tnLst>
+    <p:bldLst>
+      <p:bldP spid="7" grpId="0"/>
+      <p:bldP spid="3" grpId="0" animBg="1"/>
+    </p:bldLst>
+  </p:timing>
 </p:sld>
 </file>
 

--- a/Entrega_2/00.REPORTE/Reporte_Grupo5_def.pptx
+++ b/Entrega_2/00.REPORTE/Reporte_Grupo5_def.pptx
@@ -5,7 +5,7 @@
     <p:sldMasterId id="2147483648" r:id="rId1"/>
   </p:sldMasterIdLst>
   <p:notesMasterIdLst>
-    <p:notesMasterId r:id="rId16"/>
+    <p:notesMasterId r:id="rId17"/>
   </p:notesMasterIdLst>
   <p:sldIdLst>
     <p:sldId id="285" r:id="rId2"/>
@@ -13,51 +13,52 @@
     <p:sldId id="272" r:id="rId4"/>
     <p:sldId id="307" r:id="rId5"/>
     <p:sldId id="269" r:id="rId6"/>
-    <p:sldId id="293" r:id="rId7"/>
-    <p:sldId id="299" r:id="rId8"/>
-    <p:sldId id="301" r:id="rId9"/>
-    <p:sldId id="310" r:id="rId10"/>
-    <p:sldId id="302" r:id="rId11"/>
-    <p:sldId id="311" r:id="rId12"/>
-    <p:sldId id="308" r:id="rId13"/>
-    <p:sldId id="305" r:id="rId14"/>
-    <p:sldId id="309" r:id="rId15"/>
+    <p:sldId id="292" r:id="rId7"/>
+    <p:sldId id="293" r:id="rId8"/>
+    <p:sldId id="299" r:id="rId9"/>
+    <p:sldId id="301" r:id="rId10"/>
+    <p:sldId id="310" r:id="rId11"/>
+    <p:sldId id="302" r:id="rId12"/>
+    <p:sldId id="311" r:id="rId13"/>
+    <p:sldId id="308" r:id="rId14"/>
+    <p:sldId id="305" r:id="rId15"/>
+    <p:sldId id="309" r:id="rId16"/>
   </p:sldIdLst>
   <p:sldSz cx="9144000" cy="5143500" type="screen16x9"/>
   <p:notesSz cx="6858000" cy="9144000"/>
   <p:embeddedFontLst>
     <p:embeddedFont>
-      <p:font typeface="等线" panose="02010600030101010101" pitchFamily="2" charset="-122"/>
-      <p:regular r:id="rId17"/>
+      <p:font typeface="Arial Black" panose="020B0A04020102020204" pitchFamily="34" charset="0"/>
       <p:bold r:id="rId18"/>
     </p:embeddedFont>
     <p:embeddedFont>
-      <p:font typeface="Arial Black" panose="020B0A04020102020204" pitchFamily="34" charset="0"/>
-      <p:bold r:id="rId19"/>
-    </p:embeddedFont>
-    <p:embeddedFont>
       <p:font typeface="Didact Gothic" panose="00000500000000000000" pitchFamily="2" charset="0"/>
-      <p:regular r:id="rId20"/>
+      <p:regular r:id="rId19"/>
     </p:embeddedFont>
     <p:embeddedFont>
       <p:font typeface="Libre Franklin" pitchFamily="2" charset="0"/>
-      <p:regular r:id="rId21"/>
-      <p:bold r:id="rId22"/>
-      <p:italic r:id="rId23"/>
-      <p:boldItalic r:id="rId24"/>
+      <p:regular r:id="rId20"/>
+      <p:bold r:id="rId21"/>
+      <p:italic r:id="rId22"/>
+      <p:boldItalic r:id="rId23"/>
     </p:embeddedFont>
     <p:embeddedFont>
       <p:font typeface="Lucida Console" panose="020B0609040504020204" pitchFamily="49" charset="0"/>
-      <p:regular r:id="rId25"/>
+      <p:regular r:id="rId24"/>
     </p:embeddedFont>
     <p:embeddedFont>
       <p:font typeface="Poppins" panose="00000500000000000000" pitchFamily="2" charset="0"/>
-      <p:regular r:id="rId26"/>
-      <p:bold r:id="rId27"/>
+      <p:regular r:id="rId25"/>
+      <p:bold r:id="rId26"/>
     </p:embeddedFont>
     <p:embeddedFont>
       <p:font typeface="Roboto" panose="02000000000000000000" pitchFamily="2" charset="0"/>
+      <p:regular r:id="rId27"/>
+    </p:embeddedFont>
+    <p:embeddedFont>
+      <p:font typeface="等线" panose="02010600030101010101" pitchFamily="2" charset="-122"/>
       <p:regular r:id="rId28"/>
+      <p:bold r:id="rId29"/>
     </p:embeddedFont>
   </p:embeddedFontLst>
   <p:defaultTextStyle>
@@ -792,6 +793,67 @@
     </pc:docChg>
   </pc:docChgLst>
   <pc:docChgLst>
+    <pc:chgData name="Siling G" userId="c2e56b80bdc69756" providerId="LiveId" clId="{47448ACE-6296-4994-8716-CD6C05950C66}"/>
+    <pc:docChg chg="custSel addSld delSld modSld">
+      <pc:chgData name="Siling G" userId="c2e56b80bdc69756" providerId="LiveId" clId="{47448ACE-6296-4994-8716-CD6C05950C66}" dt="2025-12-18T17:30:12.561" v="5"/>
+      <pc:docMkLst>
+        <pc:docMk/>
+      </pc:docMkLst>
+      <pc:sldChg chg="add">
+        <pc:chgData name="Siling G" userId="c2e56b80bdc69756" providerId="LiveId" clId="{47448ACE-6296-4994-8716-CD6C05950C66}" dt="2025-12-18T17:30:12.561" v="5"/>
+        <pc:sldMkLst>
+          <pc:docMk/>
+          <pc:sldMk cId="0" sldId="292"/>
+        </pc:sldMkLst>
+      </pc:sldChg>
+      <pc:sldChg chg="modSp mod">
+        <pc:chgData name="Siling G" userId="c2e56b80bdc69756" providerId="LiveId" clId="{47448ACE-6296-4994-8716-CD6C05950C66}" dt="2025-12-18T15:55:53.047" v="4" actId="313"/>
+        <pc:sldMkLst>
+          <pc:docMk/>
+          <pc:sldMk cId="0" sldId="293"/>
+        </pc:sldMkLst>
+        <pc:spChg chg="mod">
+          <ac:chgData name="Siling G" userId="c2e56b80bdc69756" providerId="LiveId" clId="{47448ACE-6296-4994-8716-CD6C05950C66}" dt="2025-12-18T15:55:53.047" v="4" actId="313"/>
+          <ac:spMkLst>
+            <pc:docMk/>
+            <pc:sldMk cId="0" sldId="293"/>
+            <ac:spMk id="2" creationId="{00000000-0000-0000-0000-000000000000}"/>
+          </ac:spMkLst>
+        </pc:spChg>
+      </pc:sldChg>
+      <pc:sldChg chg="add del">
+        <pc:chgData name="Siling G" userId="c2e56b80bdc69756" providerId="LiveId" clId="{47448ACE-6296-4994-8716-CD6C05950C66}" dt="2025-12-18T00:19:03.699" v="1"/>
+        <pc:sldMkLst>
+          <pc:docMk/>
+          <pc:sldMk cId="0" sldId="305"/>
+        </pc:sldMkLst>
+      </pc:sldChg>
+      <pc:sldChg chg="modSp mod">
+        <pc:chgData name="Siling G" userId="c2e56b80bdc69756" providerId="LiveId" clId="{47448ACE-6296-4994-8716-CD6C05950C66}" dt="2025-12-18T00:19:21.893" v="3" actId="14100"/>
+        <pc:sldMkLst>
+          <pc:docMk/>
+          <pc:sldMk cId="0" sldId="308"/>
+        </pc:sldMkLst>
+        <pc:picChg chg="mod">
+          <ac:chgData name="Siling G" userId="c2e56b80bdc69756" providerId="LiveId" clId="{47448ACE-6296-4994-8716-CD6C05950C66}" dt="2025-12-18T00:19:21.893" v="3" actId="14100"/>
+          <ac:picMkLst>
+            <pc:docMk/>
+            <pc:sldMk cId="0" sldId="308"/>
+            <ac:picMk id="12" creationId="{679F0633-3CE4-ABF2-A4A9-A1B8440369AC}"/>
+          </ac:picMkLst>
+        </pc:picChg>
+        <pc:picChg chg="mod">
+          <ac:chgData name="Siling G" userId="c2e56b80bdc69756" providerId="LiveId" clId="{47448ACE-6296-4994-8716-CD6C05950C66}" dt="2025-12-18T00:19:11.656" v="2" actId="14100"/>
+          <ac:picMkLst>
+            <pc:docMk/>
+            <pc:sldMk cId="0" sldId="308"/>
+            <ac:picMk id="14" creationId="{6A9DE666-AD88-7D6F-9EC7-8D174610DD8B}"/>
+          </ac:picMkLst>
+        </pc:picChg>
+      </pc:sldChg>
+    </pc:docChg>
+  </pc:docChgLst>
+  <pc:docChgLst>
     <pc:chgData name="Antonio Polonio Martinez" userId="c7f805dacea241c7" providerId="LiveId" clId="{45294F24-7BEA-49DD-8500-31D67A0AADF9}"/>
     <pc:docChg chg="custSel modSld">
       <pc:chgData name="Antonio Polonio Martinez" userId="c7f805dacea241c7" providerId="LiveId" clId="{45294F24-7BEA-49DD-8500-31D67A0AADF9}" dt="2025-12-18T00:05:30.928" v="351" actId="1036"/>
@@ -927,45 +989,6 @@
       </pc:sldChg>
     </pc:docChg>
   </pc:docChgLst>
-  <pc:docChgLst>
-    <pc:chgData name="Siling G" userId="c2e56b80bdc69756" providerId="LiveId" clId="{47448ACE-6296-4994-8716-CD6C05950C66}"/>
-    <pc:docChg chg="addSld delSld modSld">
-      <pc:chgData name="Siling G" userId="c2e56b80bdc69756" providerId="LiveId" clId="{47448ACE-6296-4994-8716-CD6C05950C66}" dt="2025-12-18T00:19:21.893" v="3" actId="14100"/>
-      <pc:docMkLst>
-        <pc:docMk/>
-      </pc:docMkLst>
-      <pc:sldChg chg="add del">
-        <pc:chgData name="Siling G" userId="c2e56b80bdc69756" providerId="LiveId" clId="{47448ACE-6296-4994-8716-CD6C05950C66}" dt="2025-12-18T00:19:03.699" v="1"/>
-        <pc:sldMkLst>
-          <pc:docMk/>
-          <pc:sldMk cId="0" sldId="305"/>
-        </pc:sldMkLst>
-      </pc:sldChg>
-      <pc:sldChg chg="modSp mod">
-        <pc:chgData name="Siling G" userId="c2e56b80bdc69756" providerId="LiveId" clId="{47448ACE-6296-4994-8716-CD6C05950C66}" dt="2025-12-18T00:19:21.893" v="3" actId="14100"/>
-        <pc:sldMkLst>
-          <pc:docMk/>
-          <pc:sldMk cId="0" sldId="308"/>
-        </pc:sldMkLst>
-        <pc:picChg chg="mod">
-          <ac:chgData name="Siling G" userId="c2e56b80bdc69756" providerId="LiveId" clId="{47448ACE-6296-4994-8716-CD6C05950C66}" dt="2025-12-18T00:19:21.893" v="3" actId="14100"/>
-          <ac:picMkLst>
-            <pc:docMk/>
-            <pc:sldMk cId="0" sldId="308"/>
-            <ac:picMk id="12" creationId="{679F0633-3CE4-ABF2-A4A9-A1B8440369AC}"/>
-          </ac:picMkLst>
-        </pc:picChg>
-        <pc:picChg chg="mod">
-          <ac:chgData name="Siling G" userId="c2e56b80bdc69756" providerId="LiveId" clId="{47448ACE-6296-4994-8716-CD6C05950C66}" dt="2025-12-18T00:19:11.656" v="2" actId="14100"/>
-          <ac:picMkLst>
-            <pc:docMk/>
-            <pc:sldMk cId="0" sldId="308"/>
-            <ac:picMk id="14" creationId="{6A9DE666-AD88-7D6F-9EC7-8D174610DD8B}"/>
-          </ac:picMkLst>
-        </pc:picChg>
-      </pc:sldChg>
-    </pc:docChg>
-  </pc:docChgLst>
 </pc:chgInfo>
 </file>
 
@@ -2458,6 +2481,1500 @@
     <dgm:effectClrLst/>
     <dgm:txLinClrLst/>
     <dgm:txFillClrLst/>
+    <dgm:txEffectClrLst/>
+  </dgm:styleLbl>
+</dgm:colorsDef>
+</file>
+
+<file path=ppt/diagrams/colors3.xml><?xml version="1.0" encoding="utf-8"?>
+<dgm:colorsDef xmlns:dgm="http://schemas.openxmlformats.org/drawingml/2006/diagram" xmlns:a="http://schemas.openxmlformats.org/drawingml/2006/main" uniqueId="urn:microsoft.com/office/officeart/2005/8/colors/accent1_2">
+  <dgm:title val=""/>
+  <dgm:desc val=""/>
+  <dgm:catLst>
+    <dgm:cat type="accent1" pri="11200"/>
+  </dgm:catLst>
+  <dgm:styleLbl name="node0">
+    <dgm:fillClrLst meth="repeat">
+      <a:schemeClr val="accent1"/>
+    </dgm:fillClrLst>
+    <dgm:linClrLst meth="repeat">
+      <a:schemeClr val="lt1"/>
+    </dgm:linClrLst>
+    <dgm:effectClrLst/>
+    <dgm:txLinClrLst/>
+    <dgm:txFillClrLst/>
+    <dgm:txEffectClrLst/>
+  </dgm:styleLbl>
+  <dgm:styleLbl name="alignNode1">
+    <dgm:fillClrLst meth="repeat">
+      <a:schemeClr val="accent1"/>
+    </dgm:fillClrLst>
+    <dgm:linClrLst meth="repeat">
+      <a:schemeClr val="accent1"/>
+    </dgm:linClrLst>
+    <dgm:effectClrLst/>
+    <dgm:txLinClrLst/>
+    <dgm:txFillClrLst/>
+    <dgm:txEffectClrLst/>
+  </dgm:styleLbl>
+  <dgm:styleLbl name="node1">
+    <dgm:fillClrLst meth="repeat">
+      <a:schemeClr val="accent1"/>
+    </dgm:fillClrLst>
+    <dgm:linClrLst meth="repeat">
+      <a:schemeClr val="lt1"/>
+    </dgm:linClrLst>
+    <dgm:effectClrLst/>
+    <dgm:txLinClrLst/>
+    <dgm:txFillClrLst/>
+    <dgm:txEffectClrLst/>
+  </dgm:styleLbl>
+  <dgm:styleLbl name="lnNode1">
+    <dgm:fillClrLst meth="repeat">
+      <a:schemeClr val="accent1"/>
+    </dgm:fillClrLst>
+    <dgm:linClrLst meth="repeat">
+      <a:schemeClr val="lt1"/>
+    </dgm:linClrLst>
+    <dgm:effectClrLst/>
+    <dgm:txLinClrLst/>
+    <dgm:txFillClrLst/>
+    <dgm:txEffectClrLst/>
+  </dgm:styleLbl>
+  <dgm:styleLbl name="vennNode1">
+    <dgm:fillClrLst meth="repeat">
+      <a:schemeClr val="accent1">
+        <a:alpha val="50000"/>
+      </a:schemeClr>
+    </dgm:fillClrLst>
+    <dgm:linClrLst meth="repeat">
+      <a:schemeClr val="lt1"/>
+    </dgm:linClrLst>
+    <dgm:effectClrLst/>
+    <dgm:txLinClrLst/>
+    <dgm:txFillClrLst/>
+    <dgm:txEffectClrLst/>
+  </dgm:styleLbl>
+  <dgm:styleLbl name="node2">
+    <dgm:fillClrLst meth="repeat">
+      <a:schemeClr val="accent1"/>
+    </dgm:fillClrLst>
+    <dgm:linClrLst meth="repeat">
+      <a:schemeClr val="lt1"/>
+    </dgm:linClrLst>
+    <dgm:effectClrLst/>
+    <dgm:txLinClrLst/>
+    <dgm:txFillClrLst/>
+    <dgm:txEffectClrLst/>
+  </dgm:styleLbl>
+  <dgm:styleLbl name="node3">
+    <dgm:fillClrLst meth="repeat">
+      <a:schemeClr val="accent1"/>
+    </dgm:fillClrLst>
+    <dgm:linClrLst meth="repeat">
+      <a:schemeClr val="lt1"/>
+    </dgm:linClrLst>
+    <dgm:effectClrLst/>
+    <dgm:txLinClrLst/>
+    <dgm:txFillClrLst/>
+    <dgm:txEffectClrLst/>
+  </dgm:styleLbl>
+  <dgm:styleLbl name="node4">
+    <dgm:fillClrLst meth="repeat">
+      <a:schemeClr val="accent1"/>
+    </dgm:fillClrLst>
+    <dgm:linClrLst meth="repeat">
+      <a:schemeClr val="lt1"/>
+    </dgm:linClrLst>
+    <dgm:effectClrLst/>
+    <dgm:txLinClrLst/>
+    <dgm:txFillClrLst/>
+    <dgm:txEffectClrLst/>
+  </dgm:styleLbl>
+  <dgm:styleLbl name="fgImgPlace1">
+    <dgm:fillClrLst meth="repeat">
+      <a:schemeClr val="accent1">
+        <a:tint val="50000"/>
+      </a:schemeClr>
+    </dgm:fillClrLst>
+    <dgm:linClrLst meth="repeat">
+      <a:schemeClr val="lt1"/>
+    </dgm:linClrLst>
+    <dgm:effectClrLst/>
+    <dgm:txLinClrLst/>
+    <dgm:txFillClrLst meth="repeat">
+      <a:schemeClr val="lt1"/>
+    </dgm:txFillClrLst>
+    <dgm:txEffectClrLst/>
+  </dgm:styleLbl>
+  <dgm:styleLbl name="alignImgPlace1">
+    <dgm:fillClrLst meth="repeat">
+      <a:schemeClr val="accent1">
+        <a:tint val="50000"/>
+      </a:schemeClr>
+    </dgm:fillClrLst>
+    <dgm:linClrLst meth="repeat">
+      <a:schemeClr val="lt1"/>
+    </dgm:linClrLst>
+    <dgm:effectClrLst/>
+    <dgm:txLinClrLst/>
+    <dgm:txFillClrLst meth="repeat">
+      <a:schemeClr val="lt1"/>
+    </dgm:txFillClrLst>
+    <dgm:txEffectClrLst/>
+  </dgm:styleLbl>
+  <dgm:styleLbl name="bgImgPlace1">
+    <dgm:fillClrLst meth="repeat">
+      <a:schemeClr val="accent1">
+        <a:tint val="50000"/>
+      </a:schemeClr>
+    </dgm:fillClrLst>
+    <dgm:linClrLst meth="repeat">
+      <a:schemeClr val="lt1"/>
+    </dgm:linClrLst>
+    <dgm:effectClrLst/>
+    <dgm:txLinClrLst/>
+    <dgm:txFillClrLst meth="repeat">
+      <a:schemeClr val="lt1"/>
+    </dgm:txFillClrLst>
+    <dgm:txEffectClrLst/>
+  </dgm:styleLbl>
+  <dgm:styleLbl name="sibTrans2D1">
+    <dgm:fillClrLst meth="repeat">
+      <a:schemeClr val="accent1">
+        <a:tint val="60000"/>
+      </a:schemeClr>
+    </dgm:fillClrLst>
+    <dgm:linClrLst meth="repeat">
+      <a:schemeClr val="accent1">
+        <a:tint val="60000"/>
+      </a:schemeClr>
+    </dgm:linClrLst>
+    <dgm:effectClrLst/>
+    <dgm:txLinClrLst/>
+    <dgm:txFillClrLst/>
+    <dgm:txEffectClrLst/>
+  </dgm:styleLbl>
+  <dgm:styleLbl name="fgSibTrans2D1">
+    <dgm:fillClrLst meth="repeat">
+      <a:schemeClr val="accent1">
+        <a:tint val="60000"/>
+      </a:schemeClr>
+    </dgm:fillClrLst>
+    <dgm:linClrLst meth="repeat">
+      <a:schemeClr val="accent1">
+        <a:tint val="60000"/>
+      </a:schemeClr>
+    </dgm:linClrLst>
+    <dgm:effectClrLst/>
+    <dgm:txLinClrLst/>
+    <dgm:txFillClrLst/>
+    <dgm:txEffectClrLst/>
+  </dgm:styleLbl>
+  <dgm:styleLbl name="bgSibTrans2D1">
+    <dgm:fillClrLst meth="repeat">
+      <a:schemeClr val="accent1">
+        <a:tint val="60000"/>
+      </a:schemeClr>
+    </dgm:fillClrLst>
+    <dgm:linClrLst meth="repeat">
+      <a:schemeClr val="accent1">
+        <a:tint val="60000"/>
+      </a:schemeClr>
+    </dgm:linClrLst>
+    <dgm:effectClrLst/>
+    <dgm:txLinClrLst/>
+    <dgm:txFillClrLst/>
+    <dgm:txEffectClrLst/>
+  </dgm:styleLbl>
+  <dgm:styleLbl name="sibTrans1D1">
+    <dgm:fillClrLst meth="repeat">
+      <a:schemeClr val="accent1"/>
+    </dgm:fillClrLst>
+    <dgm:linClrLst meth="repeat">
+      <a:schemeClr val="accent1"/>
+    </dgm:linClrLst>
+    <dgm:effectClrLst/>
+    <dgm:txLinClrLst/>
+    <dgm:txFillClrLst meth="repeat">
+      <a:schemeClr val="tx1"/>
+    </dgm:txFillClrLst>
+    <dgm:txEffectClrLst/>
+  </dgm:styleLbl>
+  <dgm:styleLbl name="callout">
+    <dgm:fillClrLst meth="repeat">
+      <a:schemeClr val="accent1"/>
+    </dgm:fillClrLst>
+    <dgm:linClrLst meth="repeat">
+      <a:schemeClr val="accent1">
+        <a:tint val="50000"/>
+      </a:schemeClr>
+    </dgm:linClrLst>
+    <dgm:effectClrLst/>
+    <dgm:txLinClrLst/>
+    <dgm:txFillClrLst meth="repeat">
+      <a:schemeClr val="tx1"/>
+    </dgm:txFillClrLst>
+    <dgm:txEffectClrLst/>
+  </dgm:styleLbl>
+  <dgm:styleLbl name="asst0">
+    <dgm:fillClrLst meth="repeat">
+      <a:schemeClr val="accent1"/>
+    </dgm:fillClrLst>
+    <dgm:linClrLst meth="repeat">
+      <a:schemeClr val="lt1"/>
+    </dgm:linClrLst>
+    <dgm:effectClrLst/>
+    <dgm:txLinClrLst/>
+    <dgm:txFillClrLst/>
+    <dgm:txEffectClrLst/>
+  </dgm:styleLbl>
+  <dgm:styleLbl name="asst1">
+    <dgm:fillClrLst meth="repeat">
+      <a:schemeClr val="accent1"/>
+    </dgm:fillClrLst>
+    <dgm:linClrLst meth="repeat">
+      <a:schemeClr val="lt1"/>
+    </dgm:linClrLst>
+    <dgm:effectClrLst/>
+    <dgm:txLinClrLst/>
+    <dgm:txFillClrLst/>
+    <dgm:txEffectClrLst/>
+  </dgm:styleLbl>
+  <dgm:styleLbl name="asst2">
+    <dgm:fillClrLst meth="repeat">
+      <a:schemeClr val="accent1"/>
+    </dgm:fillClrLst>
+    <dgm:linClrLst meth="repeat">
+      <a:schemeClr val="lt1"/>
+    </dgm:linClrLst>
+    <dgm:effectClrLst/>
+    <dgm:txLinClrLst/>
+    <dgm:txFillClrLst/>
+    <dgm:txEffectClrLst/>
+  </dgm:styleLbl>
+  <dgm:styleLbl name="asst3">
+    <dgm:fillClrLst meth="repeat">
+      <a:schemeClr val="accent1"/>
+    </dgm:fillClrLst>
+    <dgm:linClrLst meth="repeat">
+      <a:schemeClr val="lt1"/>
+    </dgm:linClrLst>
+    <dgm:effectClrLst/>
+    <dgm:txLinClrLst/>
+    <dgm:txFillClrLst/>
+    <dgm:txEffectClrLst/>
+  </dgm:styleLbl>
+  <dgm:styleLbl name="asst4">
+    <dgm:fillClrLst meth="repeat">
+      <a:schemeClr val="accent1"/>
+    </dgm:fillClrLst>
+    <dgm:linClrLst meth="repeat">
+      <a:schemeClr val="lt1"/>
+    </dgm:linClrLst>
+    <dgm:effectClrLst/>
+    <dgm:txLinClrLst/>
+    <dgm:txFillClrLst/>
+    <dgm:txEffectClrLst/>
+  </dgm:styleLbl>
+  <dgm:styleLbl name="parChTrans2D1">
+    <dgm:fillClrLst meth="repeat">
+      <a:schemeClr val="accent1">
+        <a:tint val="60000"/>
+      </a:schemeClr>
+    </dgm:fillClrLst>
+    <dgm:linClrLst meth="repeat">
+      <a:schemeClr val="accent1">
+        <a:tint val="60000"/>
+      </a:schemeClr>
+    </dgm:linClrLst>
+    <dgm:effectClrLst/>
+    <dgm:txLinClrLst/>
+    <dgm:txFillClrLst meth="repeat">
+      <a:schemeClr val="lt1"/>
+    </dgm:txFillClrLst>
+    <dgm:txEffectClrLst/>
+  </dgm:styleLbl>
+  <dgm:styleLbl name="parChTrans2D2">
+    <dgm:fillClrLst meth="repeat">
+      <a:schemeClr val="accent1"/>
+    </dgm:fillClrLst>
+    <dgm:linClrLst meth="repeat">
+      <a:schemeClr val="accent1"/>
+    </dgm:linClrLst>
+    <dgm:effectClrLst/>
+    <dgm:txLinClrLst/>
+    <dgm:txFillClrLst meth="repeat">
+      <a:schemeClr val="lt1"/>
+    </dgm:txFillClrLst>
+    <dgm:txEffectClrLst/>
+  </dgm:styleLbl>
+  <dgm:styleLbl name="parChTrans2D3">
+    <dgm:fillClrLst meth="repeat">
+      <a:schemeClr val="accent1"/>
+    </dgm:fillClrLst>
+    <dgm:linClrLst meth="repeat">
+      <a:schemeClr val="accent1"/>
+    </dgm:linClrLst>
+    <dgm:effectClrLst/>
+    <dgm:txLinClrLst/>
+    <dgm:txFillClrLst meth="repeat">
+      <a:schemeClr val="lt1"/>
+    </dgm:txFillClrLst>
+    <dgm:txEffectClrLst/>
+  </dgm:styleLbl>
+  <dgm:styleLbl name="parChTrans2D4">
+    <dgm:fillClrLst meth="repeat">
+      <a:schemeClr val="accent1"/>
+    </dgm:fillClrLst>
+    <dgm:linClrLst meth="repeat">
+      <a:schemeClr val="accent1"/>
+    </dgm:linClrLst>
+    <dgm:effectClrLst/>
+    <dgm:txLinClrLst/>
+    <dgm:txFillClrLst meth="repeat">
+      <a:schemeClr val="lt1"/>
+    </dgm:txFillClrLst>
+    <dgm:txEffectClrLst/>
+  </dgm:styleLbl>
+  <dgm:styleLbl name="parChTrans1D1">
+    <dgm:fillClrLst meth="repeat">
+      <a:schemeClr val="accent1"/>
+    </dgm:fillClrLst>
+    <dgm:linClrLst meth="repeat">
+      <a:schemeClr val="accent1">
+        <a:shade val="60000"/>
+      </a:schemeClr>
+    </dgm:linClrLst>
+    <dgm:effectClrLst/>
+    <dgm:txLinClrLst/>
+    <dgm:txFillClrLst meth="repeat">
+      <a:schemeClr val="tx1"/>
+    </dgm:txFillClrLst>
+    <dgm:txEffectClrLst/>
+  </dgm:styleLbl>
+  <dgm:styleLbl name="parChTrans1D2">
+    <dgm:fillClrLst meth="repeat">
+      <a:schemeClr val="accent1"/>
+    </dgm:fillClrLst>
+    <dgm:linClrLst meth="repeat">
+      <a:schemeClr val="accent1">
+        <a:shade val="60000"/>
+      </a:schemeClr>
+    </dgm:linClrLst>
+    <dgm:effectClrLst/>
+    <dgm:txLinClrLst/>
+    <dgm:txFillClrLst meth="repeat">
+      <a:schemeClr val="tx1"/>
+    </dgm:txFillClrLst>
+    <dgm:txEffectClrLst/>
+  </dgm:styleLbl>
+  <dgm:styleLbl name="parChTrans1D3">
+    <dgm:fillClrLst meth="repeat">
+      <a:schemeClr val="accent1"/>
+    </dgm:fillClrLst>
+    <dgm:linClrLst meth="repeat">
+      <a:schemeClr val="accent1">
+        <a:shade val="80000"/>
+      </a:schemeClr>
+    </dgm:linClrLst>
+    <dgm:effectClrLst/>
+    <dgm:txLinClrLst/>
+    <dgm:txFillClrLst meth="repeat">
+      <a:schemeClr val="tx1"/>
+    </dgm:txFillClrLst>
+    <dgm:txEffectClrLst/>
+  </dgm:styleLbl>
+  <dgm:styleLbl name="parChTrans1D4">
+    <dgm:fillClrLst meth="repeat">
+      <a:schemeClr val="accent1"/>
+    </dgm:fillClrLst>
+    <dgm:linClrLst meth="repeat">
+      <a:schemeClr val="accent1">
+        <a:shade val="80000"/>
+      </a:schemeClr>
+    </dgm:linClrLst>
+    <dgm:effectClrLst/>
+    <dgm:txLinClrLst/>
+    <dgm:txFillClrLst meth="repeat">
+      <a:schemeClr val="tx1"/>
+    </dgm:txFillClrLst>
+    <dgm:txEffectClrLst/>
+  </dgm:styleLbl>
+  <dgm:styleLbl name="fgAcc1">
+    <dgm:fillClrLst meth="repeat">
+      <a:schemeClr val="lt1">
+        <a:alpha val="90000"/>
+      </a:schemeClr>
+    </dgm:fillClrLst>
+    <dgm:linClrLst meth="repeat">
+      <a:schemeClr val="accent1"/>
+    </dgm:linClrLst>
+    <dgm:effectClrLst/>
+    <dgm:txLinClrLst/>
+    <dgm:txFillClrLst meth="repeat">
+      <a:schemeClr val="dk1"/>
+    </dgm:txFillClrLst>
+    <dgm:txEffectClrLst/>
+  </dgm:styleLbl>
+  <dgm:styleLbl name="conFgAcc1">
+    <dgm:fillClrLst meth="repeat">
+      <a:schemeClr val="lt1">
+        <a:alpha val="90000"/>
+      </a:schemeClr>
+    </dgm:fillClrLst>
+    <dgm:linClrLst meth="repeat">
+      <a:schemeClr val="accent1"/>
+    </dgm:linClrLst>
+    <dgm:effectClrLst/>
+    <dgm:txLinClrLst/>
+    <dgm:txFillClrLst meth="repeat">
+      <a:schemeClr val="dk1"/>
+    </dgm:txFillClrLst>
+    <dgm:txEffectClrLst/>
+  </dgm:styleLbl>
+  <dgm:styleLbl name="alignAcc1">
+    <dgm:fillClrLst meth="repeat">
+      <a:schemeClr val="lt1">
+        <a:alpha val="90000"/>
+      </a:schemeClr>
+    </dgm:fillClrLst>
+    <dgm:linClrLst meth="repeat">
+      <a:schemeClr val="accent1"/>
+    </dgm:linClrLst>
+    <dgm:effectClrLst/>
+    <dgm:txLinClrLst/>
+    <dgm:txFillClrLst meth="repeat">
+      <a:schemeClr val="dk1"/>
+    </dgm:txFillClrLst>
+    <dgm:txEffectClrLst/>
+  </dgm:styleLbl>
+  <dgm:styleLbl name="trAlignAcc1">
+    <dgm:fillClrLst meth="repeat">
+      <a:schemeClr val="lt1">
+        <a:alpha val="40000"/>
+      </a:schemeClr>
+    </dgm:fillClrLst>
+    <dgm:linClrLst meth="repeat">
+      <a:schemeClr val="accent1"/>
+    </dgm:linClrLst>
+    <dgm:effectClrLst/>
+    <dgm:txLinClrLst/>
+    <dgm:txFillClrLst meth="repeat">
+      <a:schemeClr val="dk1"/>
+    </dgm:txFillClrLst>
+    <dgm:txEffectClrLst/>
+  </dgm:styleLbl>
+  <dgm:styleLbl name="bgAcc1">
+    <dgm:fillClrLst meth="repeat">
+      <a:schemeClr val="lt1">
+        <a:alpha val="90000"/>
+      </a:schemeClr>
+    </dgm:fillClrLst>
+    <dgm:linClrLst meth="repeat">
+      <a:schemeClr val="accent1"/>
+    </dgm:linClrLst>
+    <dgm:effectClrLst/>
+    <dgm:txLinClrLst/>
+    <dgm:txFillClrLst meth="repeat">
+      <a:schemeClr val="dk1"/>
+    </dgm:txFillClrLst>
+    <dgm:txEffectClrLst/>
+  </dgm:styleLbl>
+  <dgm:styleLbl name="solidFgAcc1">
+    <dgm:fillClrLst meth="repeat">
+      <a:schemeClr val="lt1"/>
+    </dgm:fillClrLst>
+    <dgm:linClrLst meth="repeat">
+      <a:schemeClr val="accent1"/>
+    </dgm:linClrLst>
+    <dgm:effectClrLst/>
+    <dgm:txLinClrLst/>
+    <dgm:txFillClrLst meth="repeat">
+      <a:schemeClr val="dk1"/>
+    </dgm:txFillClrLst>
+    <dgm:txEffectClrLst/>
+  </dgm:styleLbl>
+  <dgm:styleLbl name="solidAlignAcc1">
+    <dgm:fillClrLst meth="repeat">
+      <a:schemeClr val="lt1"/>
+    </dgm:fillClrLst>
+    <dgm:linClrLst meth="repeat">
+      <a:schemeClr val="accent1"/>
+    </dgm:linClrLst>
+    <dgm:effectClrLst/>
+    <dgm:txLinClrLst/>
+    <dgm:txFillClrLst meth="repeat">
+      <a:schemeClr val="dk1"/>
+    </dgm:txFillClrLst>
+    <dgm:txEffectClrLst/>
+  </dgm:styleLbl>
+  <dgm:styleLbl name="solidBgAcc1">
+    <dgm:fillClrLst meth="repeat">
+      <a:schemeClr val="lt1"/>
+    </dgm:fillClrLst>
+    <dgm:linClrLst meth="repeat">
+      <a:schemeClr val="accent1"/>
+    </dgm:linClrLst>
+    <dgm:effectClrLst/>
+    <dgm:txLinClrLst/>
+    <dgm:txFillClrLst meth="repeat">
+      <a:schemeClr val="dk1"/>
+    </dgm:txFillClrLst>
+    <dgm:txEffectClrLst/>
+  </dgm:styleLbl>
+  <dgm:styleLbl name="fgAccFollowNode1">
+    <dgm:fillClrLst meth="repeat">
+      <a:schemeClr val="accent1">
+        <a:alpha val="90000"/>
+        <a:tint val="40000"/>
+      </a:schemeClr>
+    </dgm:fillClrLst>
+    <dgm:linClrLst meth="repeat">
+      <a:schemeClr val="accent1">
+        <a:alpha val="90000"/>
+        <a:tint val="40000"/>
+      </a:schemeClr>
+    </dgm:linClrLst>
+    <dgm:effectClrLst/>
+    <dgm:txLinClrLst/>
+    <dgm:txFillClrLst meth="repeat">
+      <a:schemeClr val="dk1"/>
+    </dgm:txFillClrLst>
+    <dgm:txEffectClrLst/>
+  </dgm:styleLbl>
+  <dgm:styleLbl name="alignAccFollowNode1">
+    <dgm:fillClrLst meth="repeat">
+      <a:schemeClr val="accent1">
+        <a:alpha val="90000"/>
+        <a:tint val="40000"/>
+      </a:schemeClr>
+    </dgm:fillClrLst>
+    <dgm:linClrLst meth="repeat">
+      <a:schemeClr val="accent1">
+        <a:alpha val="90000"/>
+        <a:tint val="40000"/>
+      </a:schemeClr>
+    </dgm:linClrLst>
+    <dgm:effectClrLst/>
+    <dgm:txLinClrLst/>
+    <dgm:txFillClrLst meth="repeat">
+      <a:schemeClr val="dk1"/>
+    </dgm:txFillClrLst>
+    <dgm:txEffectClrLst/>
+  </dgm:styleLbl>
+  <dgm:styleLbl name="bgAccFollowNode1">
+    <dgm:fillClrLst meth="repeat">
+      <a:schemeClr val="accent1">
+        <a:alpha val="90000"/>
+        <a:tint val="40000"/>
+      </a:schemeClr>
+    </dgm:fillClrLst>
+    <dgm:linClrLst meth="repeat">
+      <a:schemeClr val="accent1">
+        <a:alpha val="90000"/>
+        <a:tint val="40000"/>
+      </a:schemeClr>
+    </dgm:linClrLst>
+    <dgm:effectClrLst/>
+    <dgm:txLinClrLst/>
+    <dgm:txFillClrLst meth="repeat">
+      <a:schemeClr val="dk1"/>
+    </dgm:txFillClrLst>
+    <dgm:txEffectClrLst/>
+  </dgm:styleLbl>
+  <dgm:styleLbl name="fgAcc0">
+    <dgm:fillClrLst meth="repeat">
+      <a:schemeClr val="lt1">
+        <a:alpha val="90000"/>
+      </a:schemeClr>
+    </dgm:fillClrLst>
+    <dgm:linClrLst meth="repeat">
+      <a:schemeClr val="accent1"/>
+    </dgm:linClrLst>
+    <dgm:effectClrLst/>
+    <dgm:txLinClrLst/>
+    <dgm:txFillClrLst meth="repeat">
+      <a:schemeClr val="dk1"/>
+    </dgm:txFillClrLst>
+    <dgm:txEffectClrLst/>
+  </dgm:styleLbl>
+  <dgm:styleLbl name="fgAcc2">
+    <dgm:fillClrLst meth="repeat">
+      <a:schemeClr val="lt1">
+        <a:alpha val="90000"/>
+      </a:schemeClr>
+    </dgm:fillClrLst>
+    <dgm:linClrLst meth="repeat">
+      <a:schemeClr val="accent1"/>
+    </dgm:linClrLst>
+    <dgm:effectClrLst/>
+    <dgm:txLinClrLst/>
+    <dgm:txFillClrLst meth="repeat">
+      <a:schemeClr val="dk1"/>
+    </dgm:txFillClrLst>
+    <dgm:txEffectClrLst/>
+  </dgm:styleLbl>
+  <dgm:styleLbl name="fgAcc3">
+    <dgm:fillClrLst meth="repeat">
+      <a:schemeClr val="lt1">
+        <a:alpha val="90000"/>
+      </a:schemeClr>
+    </dgm:fillClrLst>
+    <dgm:linClrLst meth="repeat">
+      <a:schemeClr val="accent1"/>
+    </dgm:linClrLst>
+    <dgm:effectClrLst/>
+    <dgm:txLinClrLst/>
+    <dgm:txFillClrLst meth="repeat">
+      <a:schemeClr val="dk1"/>
+    </dgm:txFillClrLst>
+    <dgm:txEffectClrLst/>
+  </dgm:styleLbl>
+  <dgm:styleLbl name="fgAcc4">
+    <dgm:fillClrLst meth="repeat">
+      <a:schemeClr val="lt1">
+        <a:alpha val="90000"/>
+      </a:schemeClr>
+    </dgm:fillClrLst>
+    <dgm:linClrLst meth="repeat">
+      <a:schemeClr val="accent1"/>
+    </dgm:linClrLst>
+    <dgm:effectClrLst/>
+    <dgm:txLinClrLst/>
+    <dgm:txFillClrLst meth="repeat">
+      <a:schemeClr val="dk1"/>
+    </dgm:txFillClrLst>
+    <dgm:txEffectClrLst/>
+  </dgm:styleLbl>
+  <dgm:styleLbl name="bgShp">
+    <dgm:fillClrLst meth="repeat">
+      <a:schemeClr val="accent1">
+        <a:tint val="40000"/>
+      </a:schemeClr>
+    </dgm:fillClrLst>
+    <dgm:linClrLst meth="repeat">
+      <a:schemeClr val="accent1"/>
+    </dgm:linClrLst>
+    <dgm:effectClrLst/>
+    <dgm:txLinClrLst/>
+    <dgm:txFillClrLst meth="repeat">
+      <a:schemeClr val="dk1"/>
+    </dgm:txFillClrLst>
+    <dgm:txEffectClrLst/>
+  </dgm:styleLbl>
+  <dgm:styleLbl name="dkBgShp">
+    <dgm:fillClrLst meth="repeat">
+      <a:schemeClr val="accent1">
+        <a:shade val="80000"/>
+      </a:schemeClr>
+    </dgm:fillClrLst>
+    <dgm:linClrLst meth="repeat">
+      <a:schemeClr val="accent1"/>
+    </dgm:linClrLst>
+    <dgm:effectClrLst/>
+    <dgm:txLinClrLst/>
+    <dgm:txFillClrLst meth="repeat">
+      <a:schemeClr val="lt1"/>
+    </dgm:txFillClrLst>
+    <dgm:txEffectClrLst/>
+  </dgm:styleLbl>
+  <dgm:styleLbl name="trBgShp">
+    <dgm:fillClrLst meth="repeat">
+      <a:schemeClr val="accent1">
+        <a:tint val="50000"/>
+        <a:alpha val="40000"/>
+      </a:schemeClr>
+    </dgm:fillClrLst>
+    <dgm:linClrLst meth="repeat">
+      <a:schemeClr val="accent1"/>
+    </dgm:linClrLst>
+    <dgm:effectClrLst/>
+    <dgm:txLinClrLst/>
+    <dgm:txFillClrLst meth="repeat">
+      <a:schemeClr val="lt1"/>
+    </dgm:txFillClrLst>
+    <dgm:txEffectClrLst/>
+  </dgm:styleLbl>
+  <dgm:styleLbl name="fgShp">
+    <dgm:fillClrLst meth="repeat">
+      <a:schemeClr val="accent1">
+        <a:tint val="60000"/>
+      </a:schemeClr>
+    </dgm:fillClrLst>
+    <dgm:linClrLst meth="repeat">
+      <a:schemeClr val="lt1"/>
+    </dgm:linClrLst>
+    <dgm:effectClrLst/>
+    <dgm:txLinClrLst/>
+    <dgm:txFillClrLst meth="repeat">
+      <a:schemeClr val="dk1"/>
+    </dgm:txFillClrLst>
+    <dgm:txEffectClrLst/>
+  </dgm:styleLbl>
+  <dgm:styleLbl name="revTx">
+    <dgm:fillClrLst meth="repeat">
+      <a:schemeClr val="lt1">
+        <a:alpha val="0"/>
+      </a:schemeClr>
+    </dgm:fillClrLst>
+    <dgm:linClrLst meth="repeat">
+      <a:schemeClr val="dk1">
+        <a:alpha val="0"/>
+      </a:schemeClr>
+    </dgm:linClrLst>
+    <dgm:effectClrLst/>
+    <dgm:txLinClrLst/>
+    <dgm:txFillClrLst meth="repeat">
+      <a:schemeClr val="tx1"/>
+    </dgm:txFillClrLst>
+    <dgm:txEffectClrLst/>
+  </dgm:styleLbl>
+</dgm:colorsDef>
+</file>
+
+<file path=ppt/diagrams/colors4.xml><?xml version="1.0" encoding="utf-8"?>
+<dgm:colorsDef xmlns:dgm="http://schemas.openxmlformats.org/drawingml/2006/diagram" xmlns:a="http://schemas.openxmlformats.org/drawingml/2006/main" uniqueId="urn:microsoft.com/office/officeart/2005/8/colors/accent1_2">
+  <dgm:title val=""/>
+  <dgm:desc val=""/>
+  <dgm:catLst>
+    <dgm:cat type="accent1" pri="11200"/>
+  </dgm:catLst>
+  <dgm:styleLbl name="node0">
+    <dgm:fillClrLst meth="repeat">
+      <a:schemeClr val="accent1"/>
+    </dgm:fillClrLst>
+    <dgm:linClrLst meth="repeat">
+      <a:schemeClr val="lt1"/>
+    </dgm:linClrLst>
+    <dgm:effectClrLst/>
+    <dgm:txLinClrLst/>
+    <dgm:txFillClrLst/>
+    <dgm:txEffectClrLst/>
+  </dgm:styleLbl>
+  <dgm:styleLbl name="alignNode1">
+    <dgm:fillClrLst meth="repeat">
+      <a:schemeClr val="accent1"/>
+    </dgm:fillClrLst>
+    <dgm:linClrLst meth="repeat">
+      <a:schemeClr val="accent1"/>
+    </dgm:linClrLst>
+    <dgm:effectClrLst/>
+    <dgm:txLinClrLst/>
+    <dgm:txFillClrLst/>
+    <dgm:txEffectClrLst/>
+  </dgm:styleLbl>
+  <dgm:styleLbl name="node1">
+    <dgm:fillClrLst meth="repeat">
+      <a:schemeClr val="accent1"/>
+    </dgm:fillClrLst>
+    <dgm:linClrLst meth="repeat">
+      <a:schemeClr val="lt1"/>
+    </dgm:linClrLst>
+    <dgm:effectClrLst/>
+    <dgm:txLinClrLst/>
+    <dgm:txFillClrLst/>
+    <dgm:txEffectClrLst/>
+  </dgm:styleLbl>
+  <dgm:styleLbl name="lnNode1">
+    <dgm:fillClrLst meth="repeat">
+      <a:schemeClr val="accent1"/>
+    </dgm:fillClrLst>
+    <dgm:linClrLst meth="repeat">
+      <a:schemeClr val="lt1"/>
+    </dgm:linClrLst>
+    <dgm:effectClrLst/>
+    <dgm:txLinClrLst/>
+    <dgm:txFillClrLst/>
+    <dgm:txEffectClrLst/>
+  </dgm:styleLbl>
+  <dgm:styleLbl name="vennNode1">
+    <dgm:fillClrLst meth="repeat">
+      <a:schemeClr val="accent1">
+        <a:alpha val="50000"/>
+      </a:schemeClr>
+    </dgm:fillClrLst>
+    <dgm:linClrLst meth="repeat">
+      <a:schemeClr val="lt1"/>
+    </dgm:linClrLst>
+    <dgm:effectClrLst/>
+    <dgm:txLinClrLst/>
+    <dgm:txFillClrLst/>
+    <dgm:txEffectClrLst/>
+  </dgm:styleLbl>
+  <dgm:styleLbl name="node2">
+    <dgm:fillClrLst meth="repeat">
+      <a:schemeClr val="accent1"/>
+    </dgm:fillClrLst>
+    <dgm:linClrLst meth="repeat">
+      <a:schemeClr val="lt1"/>
+    </dgm:linClrLst>
+    <dgm:effectClrLst/>
+    <dgm:txLinClrLst/>
+    <dgm:txFillClrLst/>
+    <dgm:txEffectClrLst/>
+  </dgm:styleLbl>
+  <dgm:styleLbl name="node3">
+    <dgm:fillClrLst meth="repeat">
+      <a:schemeClr val="accent1"/>
+    </dgm:fillClrLst>
+    <dgm:linClrLst meth="repeat">
+      <a:schemeClr val="lt1"/>
+    </dgm:linClrLst>
+    <dgm:effectClrLst/>
+    <dgm:txLinClrLst/>
+    <dgm:txFillClrLst/>
+    <dgm:txEffectClrLst/>
+  </dgm:styleLbl>
+  <dgm:styleLbl name="node4">
+    <dgm:fillClrLst meth="repeat">
+      <a:schemeClr val="accent1"/>
+    </dgm:fillClrLst>
+    <dgm:linClrLst meth="repeat">
+      <a:schemeClr val="lt1"/>
+    </dgm:linClrLst>
+    <dgm:effectClrLst/>
+    <dgm:txLinClrLst/>
+    <dgm:txFillClrLst/>
+    <dgm:txEffectClrLst/>
+  </dgm:styleLbl>
+  <dgm:styleLbl name="fgImgPlace1">
+    <dgm:fillClrLst meth="repeat">
+      <a:schemeClr val="accent1">
+        <a:tint val="50000"/>
+      </a:schemeClr>
+    </dgm:fillClrLst>
+    <dgm:linClrLst meth="repeat">
+      <a:schemeClr val="lt1"/>
+    </dgm:linClrLst>
+    <dgm:effectClrLst/>
+    <dgm:txLinClrLst/>
+    <dgm:txFillClrLst meth="repeat">
+      <a:schemeClr val="lt1"/>
+    </dgm:txFillClrLst>
+    <dgm:txEffectClrLst/>
+  </dgm:styleLbl>
+  <dgm:styleLbl name="alignImgPlace1">
+    <dgm:fillClrLst meth="repeat">
+      <a:schemeClr val="accent1">
+        <a:tint val="50000"/>
+      </a:schemeClr>
+    </dgm:fillClrLst>
+    <dgm:linClrLst meth="repeat">
+      <a:schemeClr val="lt1"/>
+    </dgm:linClrLst>
+    <dgm:effectClrLst/>
+    <dgm:txLinClrLst/>
+    <dgm:txFillClrLst meth="repeat">
+      <a:schemeClr val="lt1"/>
+    </dgm:txFillClrLst>
+    <dgm:txEffectClrLst/>
+  </dgm:styleLbl>
+  <dgm:styleLbl name="bgImgPlace1">
+    <dgm:fillClrLst meth="repeat">
+      <a:schemeClr val="accent1">
+        <a:tint val="50000"/>
+      </a:schemeClr>
+    </dgm:fillClrLst>
+    <dgm:linClrLst meth="repeat">
+      <a:schemeClr val="lt1"/>
+    </dgm:linClrLst>
+    <dgm:effectClrLst/>
+    <dgm:txLinClrLst/>
+    <dgm:txFillClrLst meth="repeat">
+      <a:schemeClr val="lt1"/>
+    </dgm:txFillClrLst>
+    <dgm:txEffectClrLst/>
+  </dgm:styleLbl>
+  <dgm:styleLbl name="sibTrans2D1">
+    <dgm:fillClrLst meth="repeat">
+      <a:schemeClr val="accent1">
+        <a:tint val="60000"/>
+      </a:schemeClr>
+    </dgm:fillClrLst>
+    <dgm:linClrLst meth="repeat">
+      <a:schemeClr val="accent1">
+        <a:tint val="60000"/>
+      </a:schemeClr>
+    </dgm:linClrLst>
+    <dgm:effectClrLst/>
+    <dgm:txLinClrLst/>
+    <dgm:txFillClrLst/>
+    <dgm:txEffectClrLst/>
+  </dgm:styleLbl>
+  <dgm:styleLbl name="fgSibTrans2D1">
+    <dgm:fillClrLst meth="repeat">
+      <a:schemeClr val="accent1">
+        <a:tint val="60000"/>
+      </a:schemeClr>
+    </dgm:fillClrLst>
+    <dgm:linClrLst meth="repeat">
+      <a:schemeClr val="accent1">
+        <a:tint val="60000"/>
+      </a:schemeClr>
+    </dgm:linClrLst>
+    <dgm:effectClrLst/>
+    <dgm:txLinClrLst/>
+    <dgm:txFillClrLst/>
+    <dgm:txEffectClrLst/>
+  </dgm:styleLbl>
+  <dgm:styleLbl name="bgSibTrans2D1">
+    <dgm:fillClrLst meth="repeat">
+      <a:schemeClr val="accent1">
+        <a:tint val="60000"/>
+      </a:schemeClr>
+    </dgm:fillClrLst>
+    <dgm:linClrLst meth="repeat">
+      <a:schemeClr val="accent1">
+        <a:tint val="60000"/>
+      </a:schemeClr>
+    </dgm:linClrLst>
+    <dgm:effectClrLst/>
+    <dgm:txLinClrLst/>
+    <dgm:txFillClrLst/>
+    <dgm:txEffectClrLst/>
+  </dgm:styleLbl>
+  <dgm:styleLbl name="sibTrans1D1">
+    <dgm:fillClrLst meth="repeat">
+      <a:schemeClr val="accent1"/>
+    </dgm:fillClrLst>
+    <dgm:linClrLst meth="repeat">
+      <a:schemeClr val="accent1"/>
+    </dgm:linClrLst>
+    <dgm:effectClrLst/>
+    <dgm:txLinClrLst/>
+    <dgm:txFillClrLst meth="repeat">
+      <a:schemeClr val="tx1"/>
+    </dgm:txFillClrLst>
+    <dgm:txEffectClrLst/>
+  </dgm:styleLbl>
+  <dgm:styleLbl name="callout">
+    <dgm:fillClrLst meth="repeat">
+      <a:schemeClr val="accent1"/>
+    </dgm:fillClrLst>
+    <dgm:linClrLst meth="repeat">
+      <a:schemeClr val="accent1">
+        <a:tint val="50000"/>
+      </a:schemeClr>
+    </dgm:linClrLst>
+    <dgm:effectClrLst/>
+    <dgm:txLinClrLst/>
+    <dgm:txFillClrLst meth="repeat">
+      <a:schemeClr val="tx1"/>
+    </dgm:txFillClrLst>
+    <dgm:txEffectClrLst/>
+  </dgm:styleLbl>
+  <dgm:styleLbl name="asst0">
+    <dgm:fillClrLst meth="repeat">
+      <a:schemeClr val="accent1"/>
+    </dgm:fillClrLst>
+    <dgm:linClrLst meth="repeat">
+      <a:schemeClr val="lt1"/>
+    </dgm:linClrLst>
+    <dgm:effectClrLst/>
+    <dgm:txLinClrLst/>
+    <dgm:txFillClrLst/>
+    <dgm:txEffectClrLst/>
+  </dgm:styleLbl>
+  <dgm:styleLbl name="asst1">
+    <dgm:fillClrLst meth="repeat">
+      <a:schemeClr val="accent1"/>
+    </dgm:fillClrLst>
+    <dgm:linClrLst meth="repeat">
+      <a:schemeClr val="lt1"/>
+    </dgm:linClrLst>
+    <dgm:effectClrLst/>
+    <dgm:txLinClrLst/>
+    <dgm:txFillClrLst/>
+    <dgm:txEffectClrLst/>
+  </dgm:styleLbl>
+  <dgm:styleLbl name="asst2">
+    <dgm:fillClrLst meth="repeat">
+      <a:schemeClr val="accent1"/>
+    </dgm:fillClrLst>
+    <dgm:linClrLst meth="repeat">
+      <a:schemeClr val="lt1"/>
+    </dgm:linClrLst>
+    <dgm:effectClrLst/>
+    <dgm:txLinClrLst/>
+    <dgm:txFillClrLst/>
+    <dgm:txEffectClrLst/>
+  </dgm:styleLbl>
+  <dgm:styleLbl name="asst3">
+    <dgm:fillClrLst meth="repeat">
+      <a:schemeClr val="accent1"/>
+    </dgm:fillClrLst>
+    <dgm:linClrLst meth="repeat">
+      <a:schemeClr val="lt1"/>
+    </dgm:linClrLst>
+    <dgm:effectClrLst/>
+    <dgm:txLinClrLst/>
+    <dgm:txFillClrLst/>
+    <dgm:txEffectClrLst/>
+  </dgm:styleLbl>
+  <dgm:styleLbl name="asst4">
+    <dgm:fillClrLst meth="repeat">
+      <a:schemeClr val="accent1"/>
+    </dgm:fillClrLst>
+    <dgm:linClrLst meth="repeat">
+      <a:schemeClr val="lt1"/>
+    </dgm:linClrLst>
+    <dgm:effectClrLst/>
+    <dgm:txLinClrLst/>
+    <dgm:txFillClrLst/>
+    <dgm:txEffectClrLst/>
+  </dgm:styleLbl>
+  <dgm:styleLbl name="parChTrans2D1">
+    <dgm:fillClrLst meth="repeat">
+      <a:schemeClr val="accent1">
+        <a:tint val="60000"/>
+      </a:schemeClr>
+    </dgm:fillClrLst>
+    <dgm:linClrLst meth="repeat">
+      <a:schemeClr val="accent1">
+        <a:tint val="60000"/>
+      </a:schemeClr>
+    </dgm:linClrLst>
+    <dgm:effectClrLst/>
+    <dgm:txLinClrLst/>
+    <dgm:txFillClrLst meth="repeat">
+      <a:schemeClr val="lt1"/>
+    </dgm:txFillClrLst>
+    <dgm:txEffectClrLst/>
+  </dgm:styleLbl>
+  <dgm:styleLbl name="parChTrans2D2">
+    <dgm:fillClrLst meth="repeat">
+      <a:schemeClr val="accent1"/>
+    </dgm:fillClrLst>
+    <dgm:linClrLst meth="repeat">
+      <a:schemeClr val="accent1"/>
+    </dgm:linClrLst>
+    <dgm:effectClrLst/>
+    <dgm:txLinClrLst/>
+    <dgm:txFillClrLst meth="repeat">
+      <a:schemeClr val="lt1"/>
+    </dgm:txFillClrLst>
+    <dgm:txEffectClrLst/>
+  </dgm:styleLbl>
+  <dgm:styleLbl name="parChTrans2D3">
+    <dgm:fillClrLst meth="repeat">
+      <a:schemeClr val="accent1"/>
+    </dgm:fillClrLst>
+    <dgm:linClrLst meth="repeat">
+      <a:schemeClr val="accent1"/>
+    </dgm:linClrLst>
+    <dgm:effectClrLst/>
+    <dgm:txLinClrLst/>
+    <dgm:txFillClrLst meth="repeat">
+      <a:schemeClr val="lt1"/>
+    </dgm:txFillClrLst>
+    <dgm:txEffectClrLst/>
+  </dgm:styleLbl>
+  <dgm:styleLbl name="parChTrans2D4">
+    <dgm:fillClrLst meth="repeat">
+      <a:schemeClr val="accent1"/>
+    </dgm:fillClrLst>
+    <dgm:linClrLst meth="repeat">
+      <a:schemeClr val="accent1"/>
+    </dgm:linClrLst>
+    <dgm:effectClrLst/>
+    <dgm:txLinClrLst/>
+    <dgm:txFillClrLst meth="repeat">
+      <a:schemeClr val="lt1"/>
+    </dgm:txFillClrLst>
+    <dgm:txEffectClrLst/>
+  </dgm:styleLbl>
+  <dgm:styleLbl name="parChTrans1D1">
+    <dgm:fillClrLst meth="repeat">
+      <a:schemeClr val="accent1"/>
+    </dgm:fillClrLst>
+    <dgm:linClrLst meth="repeat">
+      <a:schemeClr val="accent1">
+        <a:shade val="60000"/>
+      </a:schemeClr>
+    </dgm:linClrLst>
+    <dgm:effectClrLst/>
+    <dgm:txLinClrLst/>
+    <dgm:txFillClrLst meth="repeat">
+      <a:schemeClr val="tx1"/>
+    </dgm:txFillClrLst>
+    <dgm:txEffectClrLst/>
+  </dgm:styleLbl>
+  <dgm:styleLbl name="parChTrans1D2">
+    <dgm:fillClrLst meth="repeat">
+      <a:schemeClr val="accent1"/>
+    </dgm:fillClrLst>
+    <dgm:linClrLst meth="repeat">
+      <a:schemeClr val="accent1">
+        <a:shade val="60000"/>
+      </a:schemeClr>
+    </dgm:linClrLst>
+    <dgm:effectClrLst/>
+    <dgm:txLinClrLst/>
+    <dgm:txFillClrLst meth="repeat">
+      <a:schemeClr val="tx1"/>
+    </dgm:txFillClrLst>
+    <dgm:txEffectClrLst/>
+  </dgm:styleLbl>
+  <dgm:styleLbl name="parChTrans1D3">
+    <dgm:fillClrLst meth="repeat">
+      <a:schemeClr val="accent1"/>
+    </dgm:fillClrLst>
+    <dgm:linClrLst meth="repeat">
+      <a:schemeClr val="accent1">
+        <a:shade val="80000"/>
+      </a:schemeClr>
+    </dgm:linClrLst>
+    <dgm:effectClrLst/>
+    <dgm:txLinClrLst/>
+    <dgm:txFillClrLst meth="repeat">
+      <a:schemeClr val="tx1"/>
+    </dgm:txFillClrLst>
+    <dgm:txEffectClrLst/>
+  </dgm:styleLbl>
+  <dgm:styleLbl name="parChTrans1D4">
+    <dgm:fillClrLst meth="repeat">
+      <a:schemeClr val="accent1"/>
+    </dgm:fillClrLst>
+    <dgm:linClrLst meth="repeat">
+      <a:schemeClr val="accent1">
+        <a:shade val="80000"/>
+      </a:schemeClr>
+    </dgm:linClrLst>
+    <dgm:effectClrLst/>
+    <dgm:txLinClrLst/>
+    <dgm:txFillClrLst meth="repeat">
+      <a:schemeClr val="tx1"/>
+    </dgm:txFillClrLst>
+    <dgm:txEffectClrLst/>
+  </dgm:styleLbl>
+  <dgm:styleLbl name="fgAcc1">
+    <dgm:fillClrLst meth="repeat">
+      <a:schemeClr val="lt1">
+        <a:alpha val="90000"/>
+      </a:schemeClr>
+    </dgm:fillClrLst>
+    <dgm:linClrLst meth="repeat">
+      <a:schemeClr val="accent1"/>
+    </dgm:linClrLst>
+    <dgm:effectClrLst/>
+    <dgm:txLinClrLst/>
+    <dgm:txFillClrLst meth="repeat">
+      <a:schemeClr val="dk1"/>
+    </dgm:txFillClrLst>
+    <dgm:txEffectClrLst/>
+  </dgm:styleLbl>
+  <dgm:styleLbl name="conFgAcc1">
+    <dgm:fillClrLst meth="repeat">
+      <a:schemeClr val="lt1">
+        <a:alpha val="90000"/>
+      </a:schemeClr>
+    </dgm:fillClrLst>
+    <dgm:linClrLst meth="repeat">
+      <a:schemeClr val="accent1"/>
+    </dgm:linClrLst>
+    <dgm:effectClrLst/>
+    <dgm:txLinClrLst/>
+    <dgm:txFillClrLst meth="repeat">
+      <a:schemeClr val="dk1"/>
+    </dgm:txFillClrLst>
+    <dgm:txEffectClrLst/>
+  </dgm:styleLbl>
+  <dgm:styleLbl name="alignAcc1">
+    <dgm:fillClrLst meth="repeat">
+      <a:schemeClr val="lt1">
+        <a:alpha val="90000"/>
+      </a:schemeClr>
+    </dgm:fillClrLst>
+    <dgm:linClrLst meth="repeat">
+      <a:schemeClr val="accent1"/>
+    </dgm:linClrLst>
+    <dgm:effectClrLst/>
+    <dgm:txLinClrLst/>
+    <dgm:txFillClrLst meth="repeat">
+      <a:schemeClr val="dk1"/>
+    </dgm:txFillClrLst>
+    <dgm:txEffectClrLst/>
+  </dgm:styleLbl>
+  <dgm:styleLbl name="trAlignAcc1">
+    <dgm:fillClrLst meth="repeat">
+      <a:schemeClr val="lt1">
+        <a:alpha val="40000"/>
+      </a:schemeClr>
+    </dgm:fillClrLst>
+    <dgm:linClrLst meth="repeat">
+      <a:schemeClr val="accent1"/>
+    </dgm:linClrLst>
+    <dgm:effectClrLst/>
+    <dgm:txLinClrLst/>
+    <dgm:txFillClrLst meth="repeat">
+      <a:schemeClr val="dk1"/>
+    </dgm:txFillClrLst>
+    <dgm:txEffectClrLst/>
+  </dgm:styleLbl>
+  <dgm:styleLbl name="bgAcc1">
+    <dgm:fillClrLst meth="repeat">
+      <a:schemeClr val="lt1">
+        <a:alpha val="90000"/>
+      </a:schemeClr>
+    </dgm:fillClrLst>
+    <dgm:linClrLst meth="repeat">
+      <a:schemeClr val="accent1"/>
+    </dgm:linClrLst>
+    <dgm:effectClrLst/>
+    <dgm:txLinClrLst/>
+    <dgm:txFillClrLst meth="repeat">
+      <a:schemeClr val="dk1"/>
+    </dgm:txFillClrLst>
+    <dgm:txEffectClrLst/>
+  </dgm:styleLbl>
+  <dgm:styleLbl name="solidFgAcc1">
+    <dgm:fillClrLst meth="repeat">
+      <a:schemeClr val="lt1"/>
+    </dgm:fillClrLst>
+    <dgm:linClrLst meth="repeat">
+      <a:schemeClr val="accent1"/>
+    </dgm:linClrLst>
+    <dgm:effectClrLst/>
+    <dgm:txLinClrLst/>
+    <dgm:txFillClrLst meth="repeat">
+      <a:schemeClr val="dk1"/>
+    </dgm:txFillClrLst>
+    <dgm:txEffectClrLst/>
+  </dgm:styleLbl>
+  <dgm:styleLbl name="solidAlignAcc1">
+    <dgm:fillClrLst meth="repeat">
+      <a:schemeClr val="lt1"/>
+    </dgm:fillClrLst>
+    <dgm:linClrLst meth="repeat">
+      <a:schemeClr val="accent1"/>
+    </dgm:linClrLst>
+    <dgm:effectClrLst/>
+    <dgm:txLinClrLst/>
+    <dgm:txFillClrLst meth="repeat">
+      <a:schemeClr val="dk1"/>
+    </dgm:txFillClrLst>
+    <dgm:txEffectClrLst/>
+  </dgm:styleLbl>
+  <dgm:styleLbl name="solidBgAcc1">
+    <dgm:fillClrLst meth="repeat">
+      <a:schemeClr val="lt1"/>
+    </dgm:fillClrLst>
+    <dgm:linClrLst meth="repeat">
+      <a:schemeClr val="accent1"/>
+    </dgm:linClrLst>
+    <dgm:effectClrLst/>
+    <dgm:txLinClrLst/>
+    <dgm:txFillClrLst meth="repeat">
+      <a:schemeClr val="dk1"/>
+    </dgm:txFillClrLst>
+    <dgm:txEffectClrLst/>
+  </dgm:styleLbl>
+  <dgm:styleLbl name="fgAccFollowNode1">
+    <dgm:fillClrLst meth="repeat">
+      <a:schemeClr val="accent1">
+        <a:alpha val="90000"/>
+        <a:tint val="40000"/>
+      </a:schemeClr>
+    </dgm:fillClrLst>
+    <dgm:linClrLst meth="repeat">
+      <a:schemeClr val="accent1">
+        <a:alpha val="90000"/>
+        <a:tint val="40000"/>
+      </a:schemeClr>
+    </dgm:linClrLst>
+    <dgm:effectClrLst/>
+    <dgm:txLinClrLst/>
+    <dgm:txFillClrLst meth="repeat">
+      <a:schemeClr val="dk1"/>
+    </dgm:txFillClrLst>
+    <dgm:txEffectClrLst/>
+  </dgm:styleLbl>
+  <dgm:styleLbl name="alignAccFollowNode1">
+    <dgm:fillClrLst meth="repeat">
+      <a:schemeClr val="accent1">
+        <a:alpha val="90000"/>
+        <a:tint val="40000"/>
+      </a:schemeClr>
+    </dgm:fillClrLst>
+    <dgm:linClrLst meth="repeat">
+      <a:schemeClr val="accent1">
+        <a:alpha val="90000"/>
+        <a:tint val="40000"/>
+      </a:schemeClr>
+    </dgm:linClrLst>
+    <dgm:effectClrLst/>
+    <dgm:txLinClrLst/>
+    <dgm:txFillClrLst meth="repeat">
+      <a:schemeClr val="dk1"/>
+    </dgm:txFillClrLst>
+    <dgm:txEffectClrLst/>
+  </dgm:styleLbl>
+  <dgm:styleLbl name="bgAccFollowNode1">
+    <dgm:fillClrLst meth="repeat">
+      <a:schemeClr val="accent1">
+        <a:alpha val="90000"/>
+        <a:tint val="40000"/>
+      </a:schemeClr>
+    </dgm:fillClrLst>
+    <dgm:linClrLst meth="repeat">
+      <a:schemeClr val="accent1">
+        <a:alpha val="90000"/>
+        <a:tint val="40000"/>
+      </a:schemeClr>
+    </dgm:linClrLst>
+    <dgm:effectClrLst/>
+    <dgm:txLinClrLst/>
+    <dgm:txFillClrLst meth="repeat">
+      <a:schemeClr val="dk1"/>
+    </dgm:txFillClrLst>
+    <dgm:txEffectClrLst/>
+  </dgm:styleLbl>
+  <dgm:styleLbl name="fgAcc0">
+    <dgm:fillClrLst meth="repeat">
+      <a:schemeClr val="lt1">
+        <a:alpha val="90000"/>
+      </a:schemeClr>
+    </dgm:fillClrLst>
+    <dgm:linClrLst meth="repeat">
+      <a:schemeClr val="accent1"/>
+    </dgm:linClrLst>
+    <dgm:effectClrLst/>
+    <dgm:txLinClrLst/>
+    <dgm:txFillClrLst meth="repeat">
+      <a:schemeClr val="dk1"/>
+    </dgm:txFillClrLst>
+    <dgm:txEffectClrLst/>
+  </dgm:styleLbl>
+  <dgm:styleLbl name="fgAcc2">
+    <dgm:fillClrLst meth="repeat">
+      <a:schemeClr val="lt1">
+        <a:alpha val="90000"/>
+      </a:schemeClr>
+    </dgm:fillClrLst>
+    <dgm:linClrLst meth="repeat">
+      <a:schemeClr val="accent1"/>
+    </dgm:linClrLst>
+    <dgm:effectClrLst/>
+    <dgm:txLinClrLst/>
+    <dgm:txFillClrLst meth="repeat">
+      <a:schemeClr val="dk1"/>
+    </dgm:txFillClrLst>
+    <dgm:txEffectClrLst/>
+  </dgm:styleLbl>
+  <dgm:styleLbl name="fgAcc3">
+    <dgm:fillClrLst meth="repeat">
+      <a:schemeClr val="lt1">
+        <a:alpha val="90000"/>
+      </a:schemeClr>
+    </dgm:fillClrLst>
+    <dgm:linClrLst meth="repeat">
+      <a:schemeClr val="accent1"/>
+    </dgm:linClrLst>
+    <dgm:effectClrLst/>
+    <dgm:txLinClrLst/>
+    <dgm:txFillClrLst meth="repeat">
+      <a:schemeClr val="dk1"/>
+    </dgm:txFillClrLst>
+    <dgm:txEffectClrLst/>
+  </dgm:styleLbl>
+  <dgm:styleLbl name="fgAcc4">
+    <dgm:fillClrLst meth="repeat">
+      <a:schemeClr val="lt1">
+        <a:alpha val="90000"/>
+      </a:schemeClr>
+    </dgm:fillClrLst>
+    <dgm:linClrLst meth="repeat">
+      <a:schemeClr val="accent1"/>
+    </dgm:linClrLst>
+    <dgm:effectClrLst/>
+    <dgm:txLinClrLst/>
+    <dgm:txFillClrLst meth="repeat">
+      <a:schemeClr val="dk1"/>
+    </dgm:txFillClrLst>
+    <dgm:txEffectClrLst/>
+  </dgm:styleLbl>
+  <dgm:styleLbl name="bgShp">
+    <dgm:fillClrLst meth="repeat">
+      <a:schemeClr val="accent1">
+        <a:tint val="40000"/>
+      </a:schemeClr>
+    </dgm:fillClrLst>
+    <dgm:linClrLst meth="repeat">
+      <a:schemeClr val="accent1"/>
+    </dgm:linClrLst>
+    <dgm:effectClrLst/>
+    <dgm:txLinClrLst/>
+    <dgm:txFillClrLst meth="repeat">
+      <a:schemeClr val="dk1"/>
+    </dgm:txFillClrLst>
+    <dgm:txEffectClrLst/>
+  </dgm:styleLbl>
+  <dgm:styleLbl name="dkBgShp">
+    <dgm:fillClrLst meth="repeat">
+      <a:schemeClr val="accent1">
+        <a:shade val="80000"/>
+      </a:schemeClr>
+    </dgm:fillClrLst>
+    <dgm:linClrLst meth="repeat">
+      <a:schemeClr val="accent1"/>
+    </dgm:linClrLst>
+    <dgm:effectClrLst/>
+    <dgm:txLinClrLst/>
+    <dgm:txFillClrLst meth="repeat">
+      <a:schemeClr val="lt1"/>
+    </dgm:txFillClrLst>
+    <dgm:txEffectClrLst/>
+  </dgm:styleLbl>
+  <dgm:styleLbl name="trBgShp">
+    <dgm:fillClrLst meth="repeat">
+      <a:schemeClr val="accent1">
+        <a:tint val="50000"/>
+        <a:alpha val="40000"/>
+      </a:schemeClr>
+    </dgm:fillClrLst>
+    <dgm:linClrLst meth="repeat">
+      <a:schemeClr val="accent1"/>
+    </dgm:linClrLst>
+    <dgm:effectClrLst/>
+    <dgm:txLinClrLst/>
+    <dgm:txFillClrLst meth="repeat">
+      <a:schemeClr val="lt1"/>
+    </dgm:txFillClrLst>
+    <dgm:txEffectClrLst/>
+  </dgm:styleLbl>
+  <dgm:styleLbl name="fgShp">
+    <dgm:fillClrLst meth="repeat">
+      <a:schemeClr val="accent1">
+        <a:tint val="60000"/>
+      </a:schemeClr>
+    </dgm:fillClrLst>
+    <dgm:linClrLst meth="repeat">
+      <a:schemeClr val="lt1"/>
+    </dgm:linClrLst>
+    <dgm:effectClrLst/>
+    <dgm:txLinClrLst/>
+    <dgm:txFillClrLst meth="repeat">
+      <a:schemeClr val="dk1"/>
+    </dgm:txFillClrLst>
+    <dgm:txEffectClrLst/>
+  </dgm:styleLbl>
+  <dgm:styleLbl name="revTx">
+    <dgm:fillClrLst meth="repeat">
+      <a:schemeClr val="lt1">
+        <a:alpha val="0"/>
+      </a:schemeClr>
+    </dgm:fillClrLst>
+    <dgm:linClrLst meth="repeat">
+      <a:schemeClr val="dk1">
+        <a:alpha val="0"/>
+      </a:schemeClr>
+    </dgm:linClrLst>
+    <dgm:effectClrLst/>
+    <dgm:txLinClrLst/>
+    <dgm:txFillClrLst meth="repeat">
+      <a:schemeClr val="tx1"/>
+    </dgm:txFillClrLst>
     <dgm:txEffectClrLst/>
   </dgm:styleLbl>
 </dgm:colorsDef>
@@ -3773,6 +5290,186 @@
     <dgm:cxn modelId="{3E3E90B7-E7F4-4098-86CE-456FD145D474}" type="presParOf" srcId="{FA11953F-C793-41F3-944C-F9C478C0015E}" destId="{9368D843-76C1-42B0-834B-2DA28FCB0771}" srcOrd="0" destOrd="0" presId="urn:microsoft.com/office/officeart/2005/8/layout/vList4"/>
     <dgm:cxn modelId="{4583DEA2-C6B9-4321-9D84-F35A1237B997}" type="presParOf" srcId="{FA11953F-C793-41F3-944C-F9C478C0015E}" destId="{D58F51A8-C9AC-49A7-BF07-49E56398E46B}" srcOrd="1" destOrd="0" presId="urn:microsoft.com/office/officeart/2005/8/layout/vList4"/>
     <dgm:cxn modelId="{A3F62817-40C2-4A24-9118-2F626F64F4D0}" type="presParOf" srcId="{FA11953F-C793-41F3-944C-F9C478C0015E}" destId="{CCCE771C-F880-4686-A4B6-89572DC603BC}" srcOrd="2" destOrd="0" presId="urn:microsoft.com/office/officeart/2005/8/layout/vList4"/>
+  </dgm:cxnLst>
+  <dgm:bg/>
+  <dgm:whole/>
+  <dgm:extLst>
+    <a:ext uri="http://schemas.microsoft.com/office/drawing/2008/diagram">
+      <dsp:dataModelExt xmlns:dsp="http://schemas.microsoft.com/office/drawing/2008/diagram" relId="rId12" minVer="http://schemas.openxmlformats.org/drawingml/2006/diagram"/>
+    </a:ext>
+  </dgm:extLst>
+</dgm:dataModel>
+</file>
+
+<file path=ppt/diagrams/data3.xml><?xml version="1.0" encoding="utf-8"?>
+<dgm:dataModel xmlns:dgm="http://schemas.openxmlformats.org/drawingml/2006/diagram" xmlns:a="http://schemas.openxmlformats.org/drawingml/2006/main">
+  <dgm:ptLst>
+    <dgm:pt modelId="{9DF0F9E5-841B-FF4D-9CB5-2F1286FB0B81}" type="doc">
+      <dgm:prSet loTypeId="urn:microsoft.com/office/officeart/2005/8/layout/chevron1" loCatId="list" qsTypeId="urn:microsoft.com/office/officeart/2005/8/quickstyle/simple1" qsCatId="simple" csTypeId="urn:microsoft.com/office/officeart/2005/8/colors/accent1_2" csCatId="accent1" phldr="1"/>
+      <dgm:spPr/>
+      <dgm:t>
+        <a:bodyPr/>
+        <a:lstStyle/>
+        <a:p>
+          <a:endParaRPr lang="en-GB"/>
+        </a:p>
+      </dgm:t>
+    </dgm:pt>
+    <dgm:pt modelId="{4B7548F0-E499-254C-9C9F-E02382EEB5E9}">
+      <dgm:prSet/>
+      <dgm:spPr/>
+      <dgm:t>
+        <a:bodyPr/>
+        <a:lstStyle/>
+        <a:p>
+          <a:r>
+            <a:rPr lang="es-ES" b="1" i="0" dirty="0"/>
+            <a:t>9NN</a:t>
+          </a:r>
+          <a:endParaRPr lang="en-ES" dirty="0"/>
+        </a:p>
+      </dgm:t>
+    </dgm:pt>
+    <dgm:pt modelId="{C262CEBB-7006-A242-ADD3-B9235EF8735C}" type="parTrans" cxnId="{702EFC95-8543-6E42-8059-09D9E582B607}">
+      <dgm:prSet/>
+      <dgm:spPr/>
+      <dgm:t>
+        <a:bodyPr/>
+        <a:lstStyle/>
+        <a:p>
+          <a:endParaRPr lang="en-GB"/>
+        </a:p>
+      </dgm:t>
+    </dgm:pt>
+    <dgm:pt modelId="{82304106-D479-C64E-9799-69BDAE43ED77}" type="sibTrans" cxnId="{702EFC95-8543-6E42-8059-09D9E582B607}">
+      <dgm:prSet/>
+      <dgm:spPr/>
+      <dgm:t>
+        <a:bodyPr/>
+        <a:lstStyle/>
+        <a:p>
+          <a:endParaRPr lang="en-GB"/>
+        </a:p>
+      </dgm:t>
+    </dgm:pt>
+    <dgm:pt modelId="{67E4A056-504D-AF46-98B0-70C35D9DA4E2}" type="pres">
+      <dgm:prSet presAssocID="{9DF0F9E5-841B-FF4D-9CB5-2F1286FB0B81}" presName="Name0" presStyleCnt="0">
+        <dgm:presLayoutVars>
+          <dgm:dir/>
+          <dgm:animLvl val="lvl"/>
+          <dgm:resizeHandles val="exact"/>
+        </dgm:presLayoutVars>
+      </dgm:prSet>
+      <dgm:spPr/>
+    </dgm:pt>
+    <dgm:pt modelId="{73A4D826-B1A8-D24F-BF3E-D0DBA84542CC}" type="pres">
+      <dgm:prSet presAssocID="{4B7548F0-E499-254C-9C9F-E02382EEB5E9}" presName="parTxOnly" presStyleLbl="node1" presStyleIdx="0" presStyleCnt="1" custScaleY="100359" custLinFactY="20531" custLinFactNeighborX="-24777" custLinFactNeighborY="100000">
+        <dgm:presLayoutVars>
+          <dgm:chMax val="0"/>
+          <dgm:chPref val="0"/>
+          <dgm:bulletEnabled val="1"/>
+        </dgm:presLayoutVars>
+      </dgm:prSet>
+      <dgm:spPr/>
+    </dgm:pt>
+  </dgm:ptLst>
+  <dgm:cxnLst>
+    <dgm:cxn modelId="{1002DE02-5ED3-4342-BDE1-FA3F312D68AD}" type="presOf" srcId="{4B7548F0-E499-254C-9C9F-E02382EEB5E9}" destId="{73A4D826-B1A8-D24F-BF3E-D0DBA84542CC}" srcOrd="0" destOrd="0" presId="urn:microsoft.com/office/officeart/2005/8/layout/chevron1"/>
+    <dgm:cxn modelId="{F9CE3E5F-7A8A-9343-B18D-8C94EFA95159}" type="presOf" srcId="{9DF0F9E5-841B-FF4D-9CB5-2F1286FB0B81}" destId="{67E4A056-504D-AF46-98B0-70C35D9DA4E2}" srcOrd="0" destOrd="0" presId="urn:microsoft.com/office/officeart/2005/8/layout/chevron1"/>
+    <dgm:cxn modelId="{702EFC95-8543-6E42-8059-09D9E582B607}" srcId="{9DF0F9E5-841B-FF4D-9CB5-2F1286FB0B81}" destId="{4B7548F0-E499-254C-9C9F-E02382EEB5E9}" srcOrd="0" destOrd="0" parTransId="{C262CEBB-7006-A242-ADD3-B9235EF8735C}" sibTransId="{82304106-D479-C64E-9799-69BDAE43ED77}"/>
+    <dgm:cxn modelId="{69D04B74-A752-5042-9CF7-6117575B75E6}" type="presParOf" srcId="{67E4A056-504D-AF46-98B0-70C35D9DA4E2}" destId="{73A4D826-B1A8-D24F-BF3E-D0DBA84542CC}" srcOrd="0" destOrd="0" presId="urn:microsoft.com/office/officeart/2005/8/layout/chevron1"/>
+  </dgm:cxnLst>
+  <dgm:bg/>
+  <dgm:whole/>
+  <dgm:extLst>
+    <a:ext uri="http://schemas.microsoft.com/office/drawing/2008/diagram">
+      <dsp:dataModelExt xmlns:dsp="http://schemas.microsoft.com/office/drawing/2008/diagram" relId="rId7" minVer="http://schemas.openxmlformats.org/drawingml/2006/diagram"/>
+    </a:ext>
+  </dgm:extLst>
+</dgm:dataModel>
+</file>
+
+<file path=ppt/diagrams/data4.xml><?xml version="1.0" encoding="utf-8"?>
+<dgm:dataModel xmlns:dgm="http://schemas.openxmlformats.org/drawingml/2006/diagram" xmlns:a="http://schemas.openxmlformats.org/drawingml/2006/main">
+  <dgm:ptLst>
+    <dgm:pt modelId="{06A8F40A-6895-D54A-891B-0666CD46C550}" type="doc">
+      <dgm:prSet loTypeId="urn:microsoft.com/office/officeart/2005/8/layout/lProcess3" loCatId="process" qsTypeId="urn:microsoft.com/office/officeart/2005/8/quickstyle/simple1" qsCatId="simple" csTypeId="urn:microsoft.com/office/officeart/2005/8/colors/accent1_2" csCatId="accent1" phldr="1"/>
+      <dgm:spPr/>
+      <dgm:t>
+        <a:bodyPr/>
+        <a:lstStyle/>
+        <a:p>
+          <a:endParaRPr lang="en-GB"/>
+        </a:p>
+      </dgm:t>
+    </dgm:pt>
+    <dgm:pt modelId="{C1C1743D-B186-F748-A62C-FD5A8898EAD1}">
+      <dgm:prSet/>
+      <dgm:spPr/>
+      <dgm:t>
+        <a:bodyPr/>
+        <a:lstStyle/>
+        <a:p>
+          <a:r>
+            <a:rPr lang="es-ES" b="1" i="0" dirty="0" err="1"/>
+            <a:t>Naive</a:t>
+          </a:r>
+          <a:r>
+            <a:rPr lang="es-ES" b="1" i="0" dirty="0"/>
+            <a:t> Bayes</a:t>
+          </a:r>
+          <a:endParaRPr lang="en-ES" dirty="0"/>
+        </a:p>
+      </dgm:t>
+    </dgm:pt>
+    <dgm:pt modelId="{BFDED490-0320-3A44-AD14-229EFAEF53D6}" type="parTrans" cxnId="{67CFEEEF-B575-2949-97D0-9FE1107E538B}">
+      <dgm:prSet/>
+      <dgm:spPr/>
+      <dgm:t>
+        <a:bodyPr/>
+        <a:lstStyle/>
+        <a:p>
+          <a:endParaRPr lang="en-GB"/>
+        </a:p>
+      </dgm:t>
+    </dgm:pt>
+    <dgm:pt modelId="{4D310E4D-EC3C-4D47-A9BB-A0B136EAB064}" type="sibTrans" cxnId="{67CFEEEF-B575-2949-97D0-9FE1107E538B}">
+      <dgm:prSet/>
+      <dgm:spPr/>
+      <dgm:t>
+        <a:bodyPr/>
+        <a:lstStyle/>
+        <a:p>
+          <a:endParaRPr lang="en-GB"/>
+        </a:p>
+      </dgm:t>
+    </dgm:pt>
+    <dgm:pt modelId="{801AE17F-C31F-CA43-BC84-69CE827808FD}" type="pres">
+      <dgm:prSet presAssocID="{06A8F40A-6895-D54A-891B-0666CD46C550}" presName="Name0" presStyleCnt="0">
+        <dgm:presLayoutVars>
+          <dgm:chPref val="3"/>
+          <dgm:dir/>
+          <dgm:animLvl val="lvl"/>
+          <dgm:resizeHandles/>
+        </dgm:presLayoutVars>
+      </dgm:prSet>
+      <dgm:spPr/>
+    </dgm:pt>
+    <dgm:pt modelId="{06EE72E4-7873-9447-9BF1-5DC88BD79E5B}" type="pres">
+      <dgm:prSet presAssocID="{C1C1743D-B186-F748-A62C-FD5A8898EAD1}" presName="horFlow" presStyleCnt="0"/>
+      <dgm:spPr/>
+    </dgm:pt>
+    <dgm:pt modelId="{259A7068-6F6F-9B4D-894D-518C62EBCA00}" type="pres">
+      <dgm:prSet presAssocID="{C1C1743D-B186-F748-A62C-FD5A8898EAD1}" presName="bigChev" presStyleLbl="node1" presStyleIdx="0" presStyleCnt="1" custAng="0" custScaleX="137387" custLinFactNeighborX="23488" custLinFactNeighborY="44"/>
+      <dgm:spPr/>
+    </dgm:pt>
+  </dgm:ptLst>
+  <dgm:cxnLst>
+    <dgm:cxn modelId="{5CCA5F2A-4954-FF43-8687-2DC8E689D82F}" type="presOf" srcId="{06A8F40A-6895-D54A-891B-0666CD46C550}" destId="{801AE17F-C31F-CA43-BC84-69CE827808FD}" srcOrd="0" destOrd="0" presId="urn:microsoft.com/office/officeart/2005/8/layout/lProcess3"/>
+    <dgm:cxn modelId="{556D64A5-CEA6-3040-B2B1-568B85FB8AA7}" type="presOf" srcId="{C1C1743D-B186-F748-A62C-FD5A8898EAD1}" destId="{259A7068-6F6F-9B4D-894D-518C62EBCA00}" srcOrd="0" destOrd="0" presId="urn:microsoft.com/office/officeart/2005/8/layout/lProcess3"/>
+    <dgm:cxn modelId="{67CFEEEF-B575-2949-97D0-9FE1107E538B}" srcId="{06A8F40A-6895-D54A-891B-0666CD46C550}" destId="{C1C1743D-B186-F748-A62C-FD5A8898EAD1}" srcOrd="0" destOrd="0" parTransId="{BFDED490-0320-3A44-AD14-229EFAEF53D6}" sibTransId="{4D310E4D-EC3C-4D47-A9BB-A0B136EAB064}"/>
+    <dgm:cxn modelId="{FB2D6210-190A-204E-B71F-517859FDEE68}" type="presParOf" srcId="{801AE17F-C31F-CA43-BC84-69CE827808FD}" destId="{06EE72E4-7873-9447-9BF1-5DC88BD79E5B}" srcOrd="0" destOrd="0" presId="urn:microsoft.com/office/officeart/2005/8/layout/lProcess3"/>
+    <dgm:cxn modelId="{FB235A8D-837A-A841-8A54-20EA48662ADC}" type="presParOf" srcId="{06EE72E4-7873-9447-9BF1-5DC88BD79E5B}" destId="{259A7068-6F6F-9B4D-894D-518C62EBCA00}" srcOrd="0" destOrd="0" presId="urn:microsoft.com/office/officeart/2005/8/layout/lProcess3"/>
   </dgm:cxnLst>
   <dgm:bg/>
   <dgm:whole/>
@@ -5706,6 +7403,190 @@
 </dsp:drawing>
 </file>
 
+<file path=ppt/diagrams/drawing3.xml><?xml version="1.0" encoding="utf-8"?>
+<dsp:drawing xmlns:dgm="http://schemas.openxmlformats.org/drawingml/2006/diagram" xmlns:dsp="http://schemas.microsoft.com/office/drawing/2008/diagram" xmlns:a="http://schemas.openxmlformats.org/drawingml/2006/main">
+  <dsp:spTree>
+    <dsp:nvGrpSpPr>
+      <dsp:cNvPr id="0" name=""/>
+      <dsp:cNvGrpSpPr/>
+    </dsp:nvGrpSpPr>
+    <dsp:grpSpPr/>
+    <dsp:sp modelId="{73A4D826-B1A8-D24F-BF3E-D0DBA84542CC}">
+      <dsp:nvSpPr>
+        <dsp:cNvPr id="0" name=""/>
+        <dsp:cNvSpPr/>
+      </dsp:nvSpPr>
+      <dsp:spPr>
+        <a:xfrm>
+          <a:off x="0" y="0"/>
+          <a:ext cx="1615465" cy="572700"/>
+        </a:xfrm>
+        <a:prstGeom prst="chevron">
+          <a:avLst/>
+        </a:prstGeom>
+        <a:solidFill>
+          <a:schemeClr val="accent1">
+            <a:hueOff val="0"/>
+            <a:satOff val="0"/>
+            <a:lumOff val="0"/>
+            <a:alphaOff val="0"/>
+          </a:schemeClr>
+        </a:solidFill>
+        <a:ln w="25400" cap="flat" cmpd="sng" algn="ctr">
+          <a:solidFill>
+            <a:schemeClr val="lt1">
+              <a:hueOff val="0"/>
+              <a:satOff val="0"/>
+              <a:lumOff val="0"/>
+              <a:alphaOff val="0"/>
+            </a:schemeClr>
+          </a:solidFill>
+          <a:prstDash val="solid"/>
+        </a:ln>
+        <a:effectLst/>
+      </dsp:spPr>
+      <dsp:style>
+        <a:lnRef idx="2">
+          <a:scrgbClr r="0" g="0" b="0"/>
+        </a:lnRef>
+        <a:fillRef idx="1">
+          <a:scrgbClr r="0" g="0" b="0"/>
+        </a:fillRef>
+        <a:effectRef idx="0">
+          <a:scrgbClr r="0" g="0" b="0"/>
+        </a:effectRef>
+        <a:fontRef idx="minor">
+          <a:schemeClr val="lt1"/>
+        </a:fontRef>
+      </dsp:style>
+      <dsp:txBody>
+        <a:bodyPr spcFirstLastPara="0" vert="horz" wrap="square" lIns="124016" tIns="41339" rIns="41339" bIns="41339" numCol="1" spcCol="1270" anchor="ctr" anchorCtr="0">
+          <a:noAutofit/>
+        </a:bodyPr>
+        <a:lstStyle/>
+        <a:p>
+          <a:pPr marL="0" lvl="0" indent="0" algn="ctr" defTabSz="1377950">
+            <a:lnSpc>
+              <a:spcPct val="90000"/>
+            </a:lnSpc>
+            <a:spcBef>
+              <a:spcPct val="0"/>
+            </a:spcBef>
+            <a:spcAft>
+              <a:spcPct val="35000"/>
+            </a:spcAft>
+            <a:buNone/>
+          </a:pPr>
+          <a:r>
+            <a:rPr lang="es-ES" sz="3100" b="1" i="0" kern="1200" dirty="0"/>
+            <a:t>9NN</a:t>
+          </a:r>
+          <a:endParaRPr lang="en-ES" sz="3100" kern="1200" dirty="0"/>
+        </a:p>
+      </dsp:txBody>
+      <dsp:txXfrm>
+        <a:off x="286350" y="0"/>
+        <a:ext cx="1042765" cy="572700"/>
+      </dsp:txXfrm>
+    </dsp:sp>
+  </dsp:spTree>
+</dsp:drawing>
+</file>
+
+<file path=ppt/diagrams/drawing4.xml><?xml version="1.0" encoding="utf-8"?>
+<dsp:drawing xmlns:dgm="http://schemas.openxmlformats.org/drawingml/2006/diagram" xmlns:dsp="http://schemas.microsoft.com/office/drawing/2008/diagram" xmlns:a="http://schemas.openxmlformats.org/drawingml/2006/main">
+  <dsp:spTree>
+    <dsp:nvGrpSpPr>
+      <dsp:cNvPr id="0" name=""/>
+      <dsp:cNvGrpSpPr/>
+    </dsp:nvGrpSpPr>
+    <dsp:grpSpPr/>
+    <dsp:sp modelId="{259A7068-6F6F-9B4D-894D-518C62EBCA00}">
+      <dsp:nvSpPr>
+        <dsp:cNvPr id="0" name=""/>
+        <dsp:cNvSpPr/>
+      </dsp:nvSpPr>
+      <dsp:spPr>
+        <a:xfrm>
+          <a:off x="626215" y="327"/>
+          <a:ext cx="1822240" cy="530542"/>
+        </a:xfrm>
+        <a:prstGeom prst="chevron">
+          <a:avLst/>
+        </a:prstGeom>
+        <a:solidFill>
+          <a:schemeClr val="accent1">
+            <a:hueOff val="0"/>
+            <a:satOff val="0"/>
+            <a:lumOff val="0"/>
+            <a:alphaOff val="0"/>
+          </a:schemeClr>
+        </a:solidFill>
+        <a:ln w="25400" cap="flat" cmpd="sng" algn="ctr">
+          <a:solidFill>
+            <a:schemeClr val="lt1">
+              <a:hueOff val="0"/>
+              <a:satOff val="0"/>
+              <a:lumOff val="0"/>
+              <a:alphaOff val="0"/>
+            </a:schemeClr>
+          </a:solidFill>
+          <a:prstDash val="solid"/>
+        </a:ln>
+        <a:effectLst/>
+      </dsp:spPr>
+      <dsp:style>
+        <a:lnRef idx="2">
+          <a:scrgbClr r="0" g="0" b="0"/>
+        </a:lnRef>
+        <a:fillRef idx="1">
+          <a:scrgbClr r="0" g="0" b="0"/>
+        </a:fillRef>
+        <a:effectRef idx="0">
+          <a:scrgbClr r="0" g="0" b="0"/>
+        </a:effectRef>
+        <a:fontRef idx="minor">
+          <a:schemeClr val="lt1"/>
+        </a:fontRef>
+      </dsp:style>
+      <dsp:txBody>
+        <a:bodyPr spcFirstLastPara="0" vert="horz" wrap="square" lIns="24130" tIns="12065" rIns="0" bIns="12065" numCol="1" spcCol="1270" anchor="ctr" anchorCtr="0">
+          <a:noAutofit/>
+        </a:bodyPr>
+        <a:lstStyle/>
+        <a:p>
+          <a:pPr marL="0" lvl="0" indent="0" algn="ctr" defTabSz="844550">
+            <a:lnSpc>
+              <a:spcPct val="90000"/>
+            </a:lnSpc>
+            <a:spcBef>
+              <a:spcPct val="0"/>
+            </a:spcBef>
+            <a:spcAft>
+              <a:spcPct val="35000"/>
+            </a:spcAft>
+            <a:buNone/>
+          </a:pPr>
+          <a:r>
+            <a:rPr lang="es-ES" sz="1900" b="1" i="0" kern="1200" dirty="0" err="1"/>
+            <a:t>Naive</a:t>
+          </a:r>
+          <a:r>
+            <a:rPr lang="es-ES" sz="1900" b="1" i="0" kern="1200" dirty="0"/>
+            <a:t> Bayes</a:t>
+          </a:r>
+          <a:endParaRPr lang="en-ES" sz="1900" kern="1200" dirty="0"/>
+        </a:p>
+      </dsp:txBody>
+      <dsp:txXfrm>
+        <a:off x="891486" y="327"/>
+        <a:ext cx="1291698" cy="530542"/>
+      </dsp:txXfrm>
+    </dsp:sp>
+  </dsp:spTree>
+</dsp:drawing>
+</file>
+
 <file path=ppt/diagrams/layout1.xml><?xml version="1.0" encoding="utf-8"?>
 <dgm:layoutDef xmlns:dgm="http://schemas.openxmlformats.org/drawingml/2006/diagram" xmlns:a="http://schemas.openxmlformats.org/drawingml/2006/main" uniqueId="urn:microsoft.com/office/officeart/2005/8/layout/vList4">
   <dgm:title val=""/>
@@ -6120,6 +8001,570 @@
 </dgm:layoutDef>
 </file>
 
+<file path=ppt/diagrams/layout3.xml><?xml version="1.0" encoding="utf-8"?>
+<dgm:layoutDef xmlns:dgm="http://schemas.openxmlformats.org/drawingml/2006/diagram" xmlns:a="http://schemas.openxmlformats.org/drawingml/2006/main" uniqueId="urn:microsoft.com/office/officeart/2005/8/layout/chevron1">
+  <dgm:title val=""/>
+  <dgm:desc val=""/>
+  <dgm:catLst>
+    <dgm:cat type="process" pri="9000"/>
+  </dgm:catLst>
+  <dgm:sampData useDef="1">
+    <dgm:dataModel>
+      <dgm:ptLst/>
+      <dgm:bg/>
+      <dgm:whole/>
+    </dgm:dataModel>
+  </dgm:sampData>
+  <dgm:styleData>
+    <dgm:dataModel>
+      <dgm:ptLst>
+        <dgm:pt modelId="0" type="doc"/>
+        <dgm:pt modelId="1"/>
+        <dgm:pt modelId="2"/>
+      </dgm:ptLst>
+      <dgm:cxnLst>
+        <dgm:cxn modelId="3" srcId="0" destId="1" srcOrd="0" destOrd="0"/>
+        <dgm:cxn modelId="4" srcId="0" destId="2" srcOrd="1" destOrd="0"/>
+      </dgm:cxnLst>
+      <dgm:bg/>
+      <dgm:whole/>
+    </dgm:dataModel>
+  </dgm:styleData>
+  <dgm:clrData>
+    <dgm:dataModel>
+      <dgm:ptLst>
+        <dgm:pt modelId="0" type="doc"/>
+        <dgm:pt modelId="1"/>
+        <dgm:pt modelId="2"/>
+        <dgm:pt modelId="3"/>
+        <dgm:pt modelId="4"/>
+      </dgm:ptLst>
+      <dgm:cxnLst>
+        <dgm:cxn modelId="5" srcId="0" destId="1" srcOrd="0" destOrd="0"/>
+        <dgm:cxn modelId="6" srcId="0" destId="2" srcOrd="1" destOrd="0"/>
+        <dgm:cxn modelId="7" srcId="0" destId="3" srcOrd="2" destOrd="0"/>
+        <dgm:cxn modelId="8" srcId="0" destId="4" srcOrd="3" destOrd="0"/>
+      </dgm:cxnLst>
+      <dgm:bg/>
+      <dgm:whole/>
+    </dgm:dataModel>
+  </dgm:clrData>
+  <dgm:layoutNode name="Name0">
+    <dgm:varLst>
+      <dgm:dir/>
+      <dgm:animLvl val="lvl"/>
+      <dgm:resizeHandles val="exact"/>
+    </dgm:varLst>
+    <dgm:choose name="Name1">
+      <dgm:if name="Name2" func="var" arg="dir" op="equ" val="norm">
+        <dgm:alg type="lin"/>
+      </dgm:if>
+      <dgm:else name="Name3">
+        <dgm:alg type="lin">
+          <dgm:param type="linDir" val="fromR"/>
+        </dgm:alg>
+      </dgm:else>
+    </dgm:choose>
+    <dgm:shape xmlns:r="http://schemas.openxmlformats.org/officeDocument/2006/relationships" r:blip="">
+      <dgm:adjLst/>
+    </dgm:shape>
+    <dgm:presOf/>
+    <dgm:choose name="Name4">
+      <dgm:if name="Name5" axis="des" func="maxDepth" op="gte" val="2">
+        <dgm:constrLst>
+          <dgm:constr type="h" for="ch" forName="composite" refType="h"/>
+          <dgm:constr type="w" for="ch" forName="composite" refType="w"/>
+          <dgm:constr type="w" for="des" forName="parTx"/>
+          <dgm:constr type="h" for="des" forName="parTx" op="equ"/>
+          <dgm:constr type="w" for="des" forName="desTx"/>
+          <dgm:constr type="h" for="des" forName="desTx" op="equ"/>
+          <dgm:constr type="primFontSz" for="des" forName="parTx" val="65"/>
+          <dgm:constr type="secFontSz" for="des" forName="desTx" refType="primFontSz" refFor="des" refForName="parTx" op="equ"/>
+          <dgm:constr type="h" for="des" forName="parTx" refType="primFontSz" refFor="des" refForName="parTx" fact="1.5"/>
+          <dgm:constr type="h" for="des" forName="desTx" refType="primFontSz" refFor="des" refForName="parTx" fact="0.5"/>
+          <dgm:constr type="w" for="ch" forName="space" op="equ" val="-6"/>
+        </dgm:constrLst>
+        <dgm:ruleLst>
+          <dgm:rule type="w" for="ch" forName="composite" val="0" fact="NaN" max="NaN"/>
+          <dgm:rule type="primFontSz" for="des" forName="parTx" val="5" fact="NaN" max="NaN"/>
+        </dgm:ruleLst>
+        <dgm:forEach name="Name6" axis="ch" ptType="node">
+          <dgm:layoutNode name="composite">
+            <dgm:alg type="composite"/>
+            <dgm:shape xmlns:r="http://schemas.openxmlformats.org/officeDocument/2006/relationships" r:blip="">
+              <dgm:adjLst/>
+            </dgm:shape>
+            <dgm:presOf/>
+            <dgm:choose name="Name7">
+              <dgm:if name="Name8" func="var" arg="dir" op="equ" val="norm">
+                <dgm:constrLst>
+                  <dgm:constr type="l" for="ch" forName="parTx"/>
+                  <dgm:constr type="w" for="ch" forName="parTx" refType="w"/>
+                  <dgm:constr type="t" for="ch" forName="parTx"/>
+                  <dgm:constr type="l" for="ch" forName="desTx"/>
+                  <dgm:constr type="w" for="ch" forName="desTx" refType="w" refFor="ch" refForName="parTx" fact="0.8"/>
+                  <dgm:constr type="t" for="ch" forName="desTx" refType="h" refFor="ch" refForName="parTx" fact="1.125"/>
+                </dgm:constrLst>
+              </dgm:if>
+              <dgm:else name="Name9">
+                <dgm:constrLst>
+                  <dgm:constr type="l" for="ch" forName="parTx"/>
+                  <dgm:constr type="w" for="ch" forName="parTx" refType="w"/>
+                  <dgm:constr type="t" for="ch" forName="parTx"/>
+                  <dgm:constr type="l" for="ch" forName="desTx" refType="w" fact="0.2"/>
+                  <dgm:constr type="w" for="ch" forName="desTx" refType="w" refFor="ch" refForName="parTx" fact="0.8"/>
+                  <dgm:constr type="t" for="ch" forName="desTx" refType="h" refFor="ch" refForName="parTx" fact="1.125"/>
+                </dgm:constrLst>
+              </dgm:else>
+            </dgm:choose>
+            <dgm:ruleLst>
+              <dgm:rule type="h" val="INF" fact="NaN" max="NaN"/>
+            </dgm:ruleLst>
+            <dgm:layoutNode name="parTx">
+              <dgm:varLst>
+                <dgm:chMax val="0"/>
+                <dgm:chPref val="0"/>
+                <dgm:bulletEnabled val="1"/>
+              </dgm:varLst>
+              <dgm:alg type="tx"/>
+              <dgm:choose name="Name10">
+                <dgm:if name="Name11" func="var" arg="dir" op="equ" val="norm">
+                  <dgm:shape xmlns:r="http://schemas.openxmlformats.org/officeDocument/2006/relationships" type="chevron" r:blip="">
+                    <dgm:adjLst/>
+                  </dgm:shape>
+                </dgm:if>
+                <dgm:else name="Name12">
+                  <dgm:shape xmlns:r="http://schemas.openxmlformats.org/officeDocument/2006/relationships" rot="180" type="chevron" r:blip="">
+                    <dgm:adjLst/>
+                  </dgm:shape>
+                </dgm:else>
+              </dgm:choose>
+              <dgm:presOf axis="self" ptType="node"/>
+              <dgm:choose name="Name13">
+                <dgm:if name="Name14" func="var" arg="dir" op="equ" val="norm">
+                  <dgm:constrLst>
+                    <dgm:constr type="h" refType="w" op="lte" fact="0.4"/>
+                    <dgm:constr type="h"/>
+                    <dgm:constr type="tMarg" refType="primFontSz" fact="0.105"/>
+                    <dgm:constr type="bMarg" refType="primFontSz" fact="0.105"/>
+                    <dgm:constr type="lMarg" refType="primFontSz" fact="0.315"/>
+                    <dgm:constr type="rMarg" refType="primFontSz" fact="0.105"/>
+                  </dgm:constrLst>
+                </dgm:if>
+                <dgm:else name="Name15">
+                  <dgm:constrLst>
+                    <dgm:constr type="h" refType="w" op="lte" fact="0.4"/>
+                    <dgm:constr type="h"/>
+                    <dgm:constr type="tMarg" refType="primFontSz" fact="0.105"/>
+                    <dgm:constr type="bMarg" refType="primFontSz" fact="0.105"/>
+                    <dgm:constr type="lMarg" refType="primFontSz" fact="0.105"/>
+                    <dgm:constr type="rMarg" refType="primFontSz" fact="0.315"/>
+                  </dgm:constrLst>
+                </dgm:else>
+              </dgm:choose>
+              <dgm:ruleLst>
+                <dgm:rule type="h" val="INF" fact="NaN" max="NaN"/>
+              </dgm:ruleLst>
+            </dgm:layoutNode>
+            <dgm:layoutNode name="desTx" styleLbl="revTx">
+              <dgm:varLst>
+                <dgm:bulletEnabled val="1"/>
+              </dgm:varLst>
+              <dgm:alg type="tx">
+                <dgm:param type="stBulletLvl" val="1"/>
+              </dgm:alg>
+              <dgm:choose name="Name16">
+                <dgm:if name="Name17" axis="ch" ptType="node" func="cnt" op="gte" val="1">
+                  <dgm:shape xmlns:r="http://schemas.openxmlformats.org/officeDocument/2006/relationships" type="rect" r:blip="">
+                    <dgm:adjLst/>
+                  </dgm:shape>
+                </dgm:if>
+                <dgm:else name="Name18">
+                  <dgm:shape xmlns:r="http://schemas.openxmlformats.org/officeDocument/2006/relationships" type="rect" r:blip="" hideGeom="1">
+                    <dgm:adjLst/>
+                  </dgm:shape>
+                </dgm:else>
+              </dgm:choose>
+              <dgm:presOf axis="des" ptType="node"/>
+              <dgm:constrLst>
+                <dgm:constr type="secFontSz" val="65"/>
+                <dgm:constr type="primFontSz" refType="secFontSz"/>
+                <dgm:constr type="h"/>
+                <dgm:constr type="tMarg"/>
+                <dgm:constr type="bMarg"/>
+                <dgm:constr type="rMarg"/>
+                <dgm:constr type="lMarg"/>
+              </dgm:constrLst>
+              <dgm:ruleLst>
+                <dgm:rule type="h" val="INF" fact="NaN" max="NaN"/>
+              </dgm:ruleLst>
+            </dgm:layoutNode>
+          </dgm:layoutNode>
+          <dgm:forEach name="Name19" axis="followSib" ptType="sibTrans" cnt="1">
+            <dgm:layoutNode name="space">
+              <dgm:alg type="sp"/>
+              <dgm:shape xmlns:r="http://schemas.openxmlformats.org/officeDocument/2006/relationships" r:blip="">
+                <dgm:adjLst/>
+              </dgm:shape>
+              <dgm:presOf/>
+              <dgm:constrLst/>
+              <dgm:ruleLst/>
+            </dgm:layoutNode>
+          </dgm:forEach>
+        </dgm:forEach>
+      </dgm:if>
+      <dgm:else name="Name20">
+        <dgm:constrLst>
+          <dgm:constr type="w" for="ch" forName="parTxOnly" refType="w"/>
+          <dgm:constr type="h" for="des" forName="parTxOnly" op="equ"/>
+          <dgm:constr type="primFontSz" for="des" forName="parTxOnly" op="equ" val="65"/>
+          <dgm:constr type="w" for="ch" forName="parTxOnlySpace" refType="w" refFor="ch" refForName="parTxOnly" fact="-0.1"/>
+        </dgm:constrLst>
+        <dgm:ruleLst/>
+        <dgm:forEach name="Name21" axis="ch" ptType="node">
+          <dgm:layoutNode name="parTxOnly">
+            <dgm:varLst>
+              <dgm:chMax val="0"/>
+              <dgm:chPref val="0"/>
+              <dgm:bulletEnabled val="1"/>
+            </dgm:varLst>
+            <dgm:alg type="tx"/>
+            <dgm:choose name="Name22">
+              <dgm:if name="Name23" func="var" arg="dir" op="equ" val="norm">
+                <dgm:shape xmlns:r="http://schemas.openxmlformats.org/officeDocument/2006/relationships" type="chevron" r:blip="">
+                  <dgm:adjLst/>
+                </dgm:shape>
+              </dgm:if>
+              <dgm:else name="Name24">
+                <dgm:shape xmlns:r="http://schemas.openxmlformats.org/officeDocument/2006/relationships" rot="180" type="chevron" r:blip="">
+                  <dgm:adjLst/>
+                </dgm:shape>
+              </dgm:else>
+            </dgm:choose>
+            <dgm:presOf axis="self" ptType="node"/>
+            <dgm:choose name="Name25">
+              <dgm:if name="Name26" func="var" arg="dir" op="equ" val="norm">
+                <dgm:constrLst>
+                  <dgm:constr type="h" refType="w" op="equ" fact="0.4"/>
+                  <dgm:constr type="tMarg" refType="primFontSz" fact="0.105"/>
+                  <dgm:constr type="bMarg" refType="primFontSz" fact="0.105"/>
+                  <dgm:constr type="lMarg" refType="primFontSz" fact="0.315"/>
+                  <dgm:constr type="rMarg" refType="primFontSz" fact="0.105"/>
+                </dgm:constrLst>
+              </dgm:if>
+              <dgm:else name="Name27">
+                <dgm:constrLst>
+                  <dgm:constr type="h" refType="w" op="equ" fact="0.4"/>
+                  <dgm:constr type="tMarg" refType="primFontSz" fact="0.105"/>
+                  <dgm:constr type="bMarg" refType="primFontSz" fact="0.105"/>
+                  <dgm:constr type="lMarg" refType="primFontSz" fact="0.105"/>
+                  <dgm:constr type="rMarg" refType="primFontSz" fact="0.315"/>
+                </dgm:constrLst>
+              </dgm:else>
+            </dgm:choose>
+            <dgm:ruleLst>
+              <dgm:rule type="primFontSz" val="5" fact="NaN" max="NaN"/>
+            </dgm:ruleLst>
+          </dgm:layoutNode>
+          <dgm:forEach name="Name28" axis="followSib" ptType="sibTrans" cnt="1">
+            <dgm:layoutNode name="parTxOnlySpace">
+              <dgm:alg type="sp"/>
+              <dgm:shape xmlns:r="http://schemas.openxmlformats.org/officeDocument/2006/relationships" r:blip="">
+                <dgm:adjLst/>
+              </dgm:shape>
+              <dgm:presOf/>
+              <dgm:constrLst/>
+              <dgm:ruleLst/>
+            </dgm:layoutNode>
+          </dgm:forEach>
+        </dgm:forEach>
+      </dgm:else>
+    </dgm:choose>
+  </dgm:layoutNode>
+</dgm:layoutDef>
+</file>
+
+<file path=ppt/diagrams/layout4.xml><?xml version="1.0" encoding="utf-8"?>
+<dgm:layoutDef xmlns:dgm="http://schemas.openxmlformats.org/drawingml/2006/diagram" xmlns:a="http://schemas.openxmlformats.org/drawingml/2006/main" uniqueId="urn:microsoft.com/office/officeart/2005/8/layout/lProcess3">
+  <dgm:title val=""/>
+  <dgm:desc val=""/>
+  <dgm:catLst>
+    <dgm:cat type="process" pri="11000"/>
+    <dgm:cat type="convert" pri="12000"/>
+  </dgm:catLst>
+  <dgm:sampData>
+    <dgm:dataModel>
+      <dgm:ptLst>
+        <dgm:pt modelId="0" type="doc"/>
+        <dgm:pt modelId="1">
+          <dgm:prSet phldr="1"/>
+        </dgm:pt>
+        <dgm:pt modelId="11">
+          <dgm:prSet phldr="1"/>
+        </dgm:pt>
+        <dgm:pt modelId="12">
+          <dgm:prSet phldr="1"/>
+        </dgm:pt>
+        <dgm:pt modelId="2">
+          <dgm:prSet phldr="1"/>
+        </dgm:pt>
+        <dgm:pt modelId="21">
+          <dgm:prSet phldr="1"/>
+        </dgm:pt>
+        <dgm:pt modelId="22">
+          <dgm:prSet phldr="1"/>
+        </dgm:pt>
+        <dgm:pt modelId="3">
+          <dgm:prSet phldr="1"/>
+        </dgm:pt>
+        <dgm:pt modelId="31">
+          <dgm:prSet phldr="1"/>
+        </dgm:pt>
+        <dgm:pt modelId="32">
+          <dgm:prSet phldr="1"/>
+        </dgm:pt>
+      </dgm:ptLst>
+      <dgm:cxnLst>
+        <dgm:cxn modelId="4" srcId="0" destId="1" srcOrd="0" destOrd="0"/>
+        <dgm:cxn modelId="5" srcId="0" destId="2" srcOrd="1" destOrd="0"/>
+        <dgm:cxn modelId="6" srcId="0" destId="3" srcOrd="2" destOrd="0"/>
+        <dgm:cxn modelId="41" srcId="1" destId="11" srcOrd="0" destOrd="0"/>
+        <dgm:cxn modelId="42" srcId="1" destId="12" srcOrd="1" destOrd="0"/>
+        <dgm:cxn modelId="51" srcId="2" destId="21" srcOrd="0" destOrd="0"/>
+        <dgm:cxn modelId="52" srcId="2" destId="22" srcOrd="1" destOrd="0"/>
+        <dgm:cxn modelId="61" srcId="3" destId="31" srcOrd="0" destOrd="0"/>
+        <dgm:cxn modelId="62" srcId="3" destId="32" srcOrd="1" destOrd="0"/>
+      </dgm:cxnLst>
+      <dgm:bg/>
+      <dgm:whole/>
+    </dgm:dataModel>
+  </dgm:sampData>
+  <dgm:styleData>
+    <dgm:dataModel>
+      <dgm:ptLst>
+        <dgm:pt modelId="0" type="doc"/>
+        <dgm:pt modelId="1"/>
+        <dgm:pt modelId="2"/>
+      </dgm:ptLst>
+      <dgm:cxnLst>
+        <dgm:cxn modelId="4" srcId="0" destId="1" srcOrd="0" destOrd="0"/>
+        <dgm:cxn modelId="5" srcId="1" destId="2" srcOrd="0" destOrd="0"/>
+      </dgm:cxnLst>
+      <dgm:bg/>
+      <dgm:whole/>
+    </dgm:dataModel>
+  </dgm:styleData>
+  <dgm:clrData>
+    <dgm:dataModel>
+      <dgm:ptLst>
+        <dgm:pt modelId="0" type="doc"/>
+        <dgm:pt modelId="1"/>
+        <dgm:pt modelId="11"/>
+        <dgm:pt modelId="2"/>
+        <dgm:pt modelId="21"/>
+        <dgm:pt modelId="3"/>
+        <dgm:pt modelId="31"/>
+        <dgm:pt modelId="4"/>
+        <dgm:pt modelId="41"/>
+      </dgm:ptLst>
+      <dgm:cxnLst>
+        <dgm:cxn modelId="5" srcId="0" destId="1" srcOrd="0" destOrd="0"/>
+        <dgm:cxn modelId="6" srcId="0" destId="2" srcOrd="1" destOrd="0"/>
+        <dgm:cxn modelId="7" srcId="0" destId="3" srcOrd="2" destOrd="0"/>
+        <dgm:cxn modelId="8" srcId="0" destId="4" srcOrd="3" destOrd="0"/>
+        <dgm:cxn modelId="51" srcId="1" destId="11" srcOrd="0" destOrd="0"/>
+        <dgm:cxn modelId="61" srcId="2" destId="21" srcOrd="0" destOrd="0"/>
+        <dgm:cxn modelId="71" srcId="3" destId="31" srcOrd="0" destOrd="0"/>
+        <dgm:cxn modelId="81" srcId="4" destId="41" srcOrd="0" destOrd="0"/>
+      </dgm:cxnLst>
+      <dgm:bg/>
+      <dgm:whole/>
+    </dgm:dataModel>
+  </dgm:clrData>
+  <dgm:layoutNode name="Name0">
+    <dgm:varLst>
+      <dgm:chPref val="3"/>
+      <dgm:dir/>
+      <dgm:animLvl val="lvl"/>
+      <dgm:resizeHandles/>
+    </dgm:varLst>
+    <dgm:choose name="Name1">
+      <dgm:if name="Name2" func="var" arg="dir" op="equ" val="norm">
+        <dgm:alg type="lin">
+          <dgm:param type="linDir" val="fromT"/>
+          <dgm:param type="vertAlign" val="mid"/>
+          <dgm:param type="nodeHorzAlign" val="l"/>
+          <dgm:param type="nodeVertAlign" val="t"/>
+          <dgm:param type="fallback" val="2D"/>
+        </dgm:alg>
+      </dgm:if>
+      <dgm:else name="Name3">
+        <dgm:alg type="lin">
+          <dgm:param type="linDir" val="fromT"/>
+          <dgm:param type="vertAlign" val="mid"/>
+          <dgm:param type="nodeHorzAlign" val="r"/>
+          <dgm:param type="nodeVertAlign" val="t"/>
+          <dgm:param type="fallback" val="2D"/>
+        </dgm:alg>
+      </dgm:else>
+    </dgm:choose>
+    <dgm:shape xmlns:r="http://schemas.openxmlformats.org/officeDocument/2006/relationships" r:blip="">
+      <dgm:adjLst/>
+    </dgm:shape>
+    <dgm:presOf/>
+    <dgm:constrLst>
+      <dgm:constr type="w" for="des" forName="bigChev" refType="w"/>
+      <dgm:constr type="h" for="des" forName="bigChev" refType="w" refFor="des" refForName="bigChev" op="equ" fact="0.4"/>
+      <dgm:constr type="w" for="des" forName="node" refType="w" refFor="des" refForName="bigChev" fact="0.83"/>
+      <dgm:constr type="h" for="des" forName="node" refType="w" refFor="des" refForName="node" op="equ" fact="0.4"/>
+      <dgm:constr type="w" for="des" forName="parTrans" refType="w" refFor="des" refForName="bigChev" op="equ" fact="-0.13"/>
+      <dgm:constr type="w" for="des" forName="sibTrans" refType="w" refFor="des" refForName="node" op="equ" fact="-0.14"/>
+      <dgm:constr type="h" for="ch" forName="vSp" refType="h" refFor="des" refForName="bigChev" op="equ" fact="0.14"/>
+      <dgm:constr type="primFontSz" for="des" forName="node" op="equ"/>
+      <dgm:constr type="primFontSz" for="des" forName="bigChev" op="equ"/>
+    </dgm:constrLst>
+    <dgm:ruleLst/>
+    <dgm:forEach name="Name4" axis="ch" ptType="node">
+      <dgm:layoutNode name="horFlow">
+        <dgm:choose name="Name5">
+          <dgm:if name="Name6" func="var" arg="dir" op="equ" val="norm">
+            <dgm:alg type="lin">
+              <dgm:param type="linDir" val="fromL"/>
+              <dgm:param type="nodeHorzAlign" val="l"/>
+              <dgm:param type="nodeVertAlign" val="mid"/>
+              <dgm:param type="fallback" val="2D"/>
+            </dgm:alg>
+          </dgm:if>
+          <dgm:else name="Name7">
+            <dgm:alg type="lin">
+              <dgm:param type="linDir" val="fromR"/>
+              <dgm:param type="nodeHorzAlign" val="r"/>
+              <dgm:param type="nodeVertAlign" val="mid"/>
+              <dgm:param type="fallback" val="2D"/>
+            </dgm:alg>
+          </dgm:else>
+        </dgm:choose>
+        <dgm:shape xmlns:r="http://schemas.openxmlformats.org/officeDocument/2006/relationships" r:blip="">
+          <dgm:adjLst/>
+        </dgm:shape>
+        <dgm:presOf/>
+        <dgm:constrLst/>
+        <dgm:ruleLst/>
+        <dgm:layoutNode name="bigChev" styleLbl="node1">
+          <dgm:alg type="tx"/>
+          <dgm:choose name="Name8">
+            <dgm:if name="Name9" func="var" arg="dir" op="equ" val="norm">
+              <dgm:shape xmlns:r="http://schemas.openxmlformats.org/officeDocument/2006/relationships" type="chevron" r:blip="">
+                <dgm:adjLst/>
+              </dgm:shape>
+              <dgm:presOf axis="self"/>
+              <dgm:constrLst>
+                <dgm:constr type="primFontSz" val="65"/>
+                <dgm:constr type="rMarg"/>
+                <dgm:constr type="lMarg" refType="primFontSz" fact="0.1"/>
+                <dgm:constr type="tMarg" refType="primFontSz" fact="0.05"/>
+                <dgm:constr type="bMarg" refType="primFontSz" fact="0.05"/>
+              </dgm:constrLst>
+            </dgm:if>
+            <dgm:else name="Name10">
+              <dgm:shape xmlns:r="http://schemas.openxmlformats.org/officeDocument/2006/relationships" rot="180" type="chevron" r:blip="">
+                <dgm:adjLst/>
+              </dgm:shape>
+              <dgm:presOf axis="self"/>
+              <dgm:constrLst>
+                <dgm:constr type="primFontSz" val="65"/>
+                <dgm:constr type="lMarg"/>
+                <dgm:constr type="rMarg" refType="primFontSz" fact="0.1"/>
+                <dgm:constr type="tMarg" refType="primFontSz" fact="0.05"/>
+                <dgm:constr type="bMarg" refType="primFontSz" fact="0.05"/>
+              </dgm:constrLst>
+            </dgm:else>
+          </dgm:choose>
+          <dgm:ruleLst>
+            <dgm:rule type="primFontSz" val="5" fact="NaN" max="NaN"/>
+          </dgm:ruleLst>
+        </dgm:layoutNode>
+        <dgm:forEach name="parTransForEach" axis="ch" ptType="parTrans" cnt="1">
+          <dgm:layoutNode name="parTrans">
+            <dgm:alg type="sp"/>
+            <dgm:shape xmlns:r="http://schemas.openxmlformats.org/officeDocument/2006/relationships" r:blip="">
+              <dgm:adjLst/>
+            </dgm:shape>
+            <dgm:presOf/>
+            <dgm:constrLst/>
+            <dgm:ruleLst/>
+          </dgm:layoutNode>
+        </dgm:forEach>
+        <dgm:forEach name="Name11" axis="ch" ptType="node">
+          <dgm:layoutNode name="node" styleLbl="alignAccFollowNode1">
+            <dgm:varLst>
+              <dgm:bulletEnabled val="1"/>
+            </dgm:varLst>
+            <dgm:alg type="tx"/>
+            <dgm:choose name="Name12">
+              <dgm:if name="Name13" func="var" arg="dir" op="equ" val="norm">
+                <dgm:shape xmlns:r="http://schemas.openxmlformats.org/officeDocument/2006/relationships" type="chevron" r:blip="">
+                  <dgm:adjLst/>
+                </dgm:shape>
+                <dgm:presOf axis="desOrSelf" ptType="node"/>
+                <dgm:constrLst>
+                  <dgm:constr type="primFontSz" val="65"/>
+                  <dgm:constr type="rMarg"/>
+                  <dgm:constr type="lMarg" refType="primFontSz" fact="0.1"/>
+                  <dgm:constr type="tMarg" refType="primFontSz" fact="0.05"/>
+                  <dgm:constr type="bMarg" refType="primFontSz" fact="0.05"/>
+                </dgm:constrLst>
+              </dgm:if>
+              <dgm:else name="Name14">
+                <dgm:shape xmlns:r="http://schemas.openxmlformats.org/officeDocument/2006/relationships" rot="180" type="chevron" r:blip="">
+                  <dgm:adjLst/>
+                </dgm:shape>
+                <dgm:presOf axis="desOrSelf" ptType="node"/>
+                <dgm:constrLst>
+                  <dgm:constr type="primFontSz" val="65"/>
+                  <dgm:constr type="lMarg"/>
+                  <dgm:constr type="rMarg" refType="primFontSz" fact="0.1"/>
+                  <dgm:constr type="tMarg" refType="primFontSz" fact="0.05"/>
+                  <dgm:constr type="bMarg" refType="primFontSz" fact="0.05"/>
+                </dgm:constrLst>
+              </dgm:else>
+            </dgm:choose>
+            <dgm:ruleLst>
+              <dgm:rule type="primFontSz" val="5" fact="NaN" max="NaN"/>
+            </dgm:ruleLst>
+          </dgm:layoutNode>
+          <dgm:forEach name="sibTransForEach" axis="followSib" ptType="sibTrans" cnt="1">
+            <dgm:layoutNode name="sibTrans">
+              <dgm:alg type="sp"/>
+              <dgm:shape xmlns:r="http://schemas.openxmlformats.org/officeDocument/2006/relationships" r:blip="">
+                <dgm:adjLst/>
+              </dgm:shape>
+              <dgm:presOf/>
+              <dgm:constrLst/>
+              <dgm:ruleLst/>
+            </dgm:layoutNode>
+          </dgm:forEach>
+        </dgm:forEach>
+      </dgm:layoutNode>
+      <dgm:choose name="Name15">
+        <dgm:if name="Name16" axis="self" ptType="node" func="revPos" op="gte" val="2">
+          <dgm:layoutNode name="vSp">
+            <dgm:alg type="sp"/>
+            <dgm:shape xmlns:r="http://schemas.openxmlformats.org/officeDocument/2006/relationships" r:blip="">
+              <dgm:adjLst/>
+            </dgm:shape>
+            <dgm:presOf/>
+            <dgm:constrLst/>
+            <dgm:ruleLst/>
+          </dgm:layoutNode>
+        </dgm:if>
+        <dgm:else name="Name17"/>
+      </dgm:choose>
+    </dgm:forEach>
+  </dgm:layoutNode>
+</dgm:layoutDef>
+</file>
+
 <file path=ppt/diagrams/quickStyle1.xml><?xml version="1.0" encoding="utf-8"?>
 <dgm:styleDef xmlns:dgm="http://schemas.openxmlformats.org/drawingml/2006/diagram" xmlns:a="http://schemas.openxmlformats.org/drawingml/2006/main" uniqueId="urn:microsoft.com/office/officeart/2005/8/quickstyle/simple1#1">
   <dgm:title val=""/>
@@ -8183,6 +10628,2074 @@
       <a:fontRef idx="minor">
         <a:schemeClr val="tx1"/>
       </a:fontRef>
+    </dgm:style>
+  </dgm:styleLbl>
+</dgm:styleDef>
+</file>
+
+<file path=ppt/diagrams/quickStyle3.xml><?xml version="1.0" encoding="utf-8"?>
+<dgm:styleDef xmlns:dgm="http://schemas.openxmlformats.org/drawingml/2006/diagram" xmlns:a="http://schemas.openxmlformats.org/drawingml/2006/main" uniqueId="urn:microsoft.com/office/officeart/2005/8/quickstyle/simple1">
+  <dgm:title val=""/>
+  <dgm:desc val=""/>
+  <dgm:catLst>
+    <dgm:cat type="simple" pri="10100"/>
+  </dgm:catLst>
+  <dgm:scene3d>
+    <a:camera prst="orthographicFront"/>
+    <a:lightRig rig="threePt" dir="t"/>
+  </dgm:scene3d>
+  <dgm:styleLbl name="node0">
+    <dgm:scene3d>
+      <a:camera prst="orthographicFront"/>
+      <a:lightRig rig="threePt" dir="t"/>
+    </dgm:scene3d>
+    <dgm:sp3d/>
+    <dgm:txPr/>
+    <dgm:style>
+      <a:lnRef idx="2">
+        <a:scrgbClr r="0" g="0" b="0"/>
+      </a:lnRef>
+      <a:fillRef idx="1">
+        <a:scrgbClr r="0" g="0" b="0"/>
+      </a:fillRef>
+      <a:effectRef idx="0">
+        <a:scrgbClr r="0" g="0" b="0"/>
+      </a:effectRef>
+      <a:fontRef idx="minor">
+        <a:schemeClr val="lt1"/>
+      </a:fontRef>
+    </dgm:style>
+  </dgm:styleLbl>
+  <dgm:styleLbl name="lnNode1">
+    <dgm:scene3d>
+      <a:camera prst="orthographicFront"/>
+      <a:lightRig rig="threePt" dir="t"/>
+    </dgm:scene3d>
+    <dgm:sp3d/>
+    <dgm:txPr/>
+    <dgm:style>
+      <a:lnRef idx="2">
+        <a:scrgbClr r="0" g="0" b="0"/>
+      </a:lnRef>
+      <a:fillRef idx="1">
+        <a:scrgbClr r="0" g="0" b="0"/>
+      </a:fillRef>
+      <a:effectRef idx="0">
+        <a:scrgbClr r="0" g="0" b="0"/>
+      </a:effectRef>
+      <a:fontRef idx="minor">
+        <a:schemeClr val="lt1"/>
+      </a:fontRef>
+    </dgm:style>
+  </dgm:styleLbl>
+  <dgm:styleLbl name="vennNode1">
+    <dgm:scene3d>
+      <a:camera prst="orthographicFront"/>
+      <a:lightRig rig="threePt" dir="t"/>
+    </dgm:scene3d>
+    <dgm:sp3d/>
+    <dgm:txPr/>
+    <dgm:style>
+      <a:lnRef idx="2">
+        <a:scrgbClr r="0" g="0" b="0"/>
+      </a:lnRef>
+      <a:fillRef idx="1">
+        <a:scrgbClr r="0" g="0" b="0"/>
+      </a:fillRef>
+      <a:effectRef idx="0">
+        <a:scrgbClr r="0" g="0" b="0"/>
+      </a:effectRef>
+      <a:fontRef idx="minor">
+        <a:schemeClr val="tx1"/>
+      </a:fontRef>
+    </dgm:style>
+  </dgm:styleLbl>
+  <dgm:styleLbl name="alignNode1">
+    <dgm:scene3d>
+      <a:camera prst="orthographicFront"/>
+      <a:lightRig rig="threePt" dir="t"/>
+    </dgm:scene3d>
+    <dgm:sp3d/>
+    <dgm:txPr/>
+    <dgm:style>
+      <a:lnRef idx="2">
+        <a:scrgbClr r="0" g="0" b="0"/>
+      </a:lnRef>
+      <a:fillRef idx="1">
+        <a:scrgbClr r="0" g="0" b="0"/>
+      </a:fillRef>
+      <a:effectRef idx="0">
+        <a:scrgbClr r="0" g="0" b="0"/>
+      </a:effectRef>
+      <a:fontRef idx="minor">
+        <a:schemeClr val="lt1"/>
+      </a:fontRef>
+    </dgm:style>
+  </dgm:styleLbl>
+  <dgm:styleLbl name="node1">
+    <dgm:scene3d>
+      <a:camera prst="orthographicFront"/>
+      <a:lightRig rig="threePt" dir="t"/>
+    </dgm:scene3d>
+    <dgm:sp3d/>
+    <dgm:txPr/>
+    <dgm:style>
+      <a:lnRef idx="2">
+        <a:scrgbClr r="0" g="0" b="0"/>
+      </a:lnRef>
+      <a:fillRef idx="1">
+        <a:scrgbClr r="0" g="0" b="0"/>
+      </a:fillRef>
+      <a:effectRef idx="0">
+        <a:scrgbClr r="0" g="0" b="0"/>
+      </a:effectRef>
+      <a:fontRef idx="minor">
+        <a:schemeClr val="lt1"/>
+      </a:fontRef>
+    </dgm:style>
+  </dgm:styleLbl>
+  <dgm:styleLbl name="node2">
+    <dgm:scene3d>
+      <a:camera prst="orthographicFront"/>
+      <a:lightRig rig="threePt" dir="t"/>
+    </dgm:scene3d>
+    <dgm:sp3d/>
+    <dgm:txPr/>
+    <dgm:style>
+      <a:lnRef idx="2">
+        <a:scrgbClr r="0" g="0" b="0"/>
+      </a:lnRef>
+      <a:fillRef idx="1">
+        <a:scrgbClr r="0" g="0" b="0"/>
+      </a:fillRef>
+      <a:effectRef idx="0">
+        <a:scrgbClr r="0" g="0" b="0"/>
+      </a:effectRef>
+      <a:fontRef idx="minor">
+        <a:schemeClr val="lt1"/>
+      </a:fontRef>
+    </dgm:style>
+  </dgm:styleLbl>
+  <dgm:styleLbl name="node3">
+    <dgm:scene3d>
+      <a:camera prst="orthographicFront"/>
+      <a:lightRig rig="threePt" dir="t"/>
+    </dgm:scene3d>
+    <dgm:sp3d/>
+    <dgm:txPr/>
+    <dgm:style>
+      <a:lnRef idx="2">
+        <a:scrgbClr r="0" g="0" b="0"/>
+      </a:lnRef>
+      <a:fillRef idx="1">
+        <a:scrgbClr r="0" g="0" b="0"/>
+      </a:fillRef>
+      <a:effectRef idx="0">
+        <a:scrgbClr r="0" g="0" b="0"/>
+      </a:effectRef>
+      <a:fontRef idx="minor">
+        <a:schemeClr val="lt1"/>
+      </a:fontRef>
+    </dgm:style>
+  </dgm:styleLbl>
+  <dgm:styleLbl name="node4">
+    <dgm:scene3d>
+      <a:camera prst="orthographicFront"/>
+      <a:lightRig rig="threePt" dir="t"/>
+    </dgm:scene3d>
+    <dgm:sp3d/>
+    <dgm:txPr/>
+    <dgm:style>
+      <a:lnRef idx="2">
+        <a:scrgbClr r="0" g="0" b="0"/>
+      </a:lnRef>
+      <a:fillRef idx="1">
+        <a:scrgbClr r="0" g="0" b="0"/>
+      </a:fillRef>
+      <a:effectRef idx="0">
+        <a:scrgbClr r="0" g="0" b="0"/>
+      </a:effectRef>
+      <a:fontRef idx="minor">
+        <a:schemeClr val="lt1"/>
+      </a:fontRef>
+    </dgm:style>
+  </dgm:styleLbl>
+  <dgm:styleLbl name="fgImgPlace1">
+    <dgm:scene3d>
+      <a:camera prst="orthographicFront"/>
+      <a:lightRig rig="threePt" dir="t"/>
+    </dgm:scene3d>
+    <dgm:sp3d/>
+    <dgm:txPr/>
+    <dgm:style>
+      <a:lnRef idx="2">
+        <a:scrgbClr r="0" g="0" b="0"/>
+      </a:lnRef>
+      <a:fillRef idx="1">
+        <a:scrgbClr r="0" g="0" b="0"/>
+      </a:fillRef>
+      <a:effectRef idx="0">
+        <a:scrgbClr r="0" g="0" b="0"/>
+      </a:effectRef>
+      <a:fontRef idx="minor"/>
+    </dgm:style>
+  </dgm:styleLbl>
+  <dgm:styleLbl name="alignImgPlace1">
+    <dgm:scene3d>
+      <a:camera prst="orthographicFront"/>
+      <a:lightRig rig="threePt" dir="t"/>
+    </dgm:scene3d>
+    <dgm:sp3d/>
+    <dgm:txPr/>
+    <dgm:style>
+      <a:lnRef idx="2">
+        <a:scrgbClr r="0" g="0" b="0"/>
+      </a:lnRef>
+      <a:fillRef idx="1">
+        <a:scrgbClr r="0" g="0" b="0"/>
+      </a:fillRef>
+      <a:effectRef idx="0">
+        <a:scrgbClr r="0" g="0" b="0"/>
+      </a:effectRef>
+      <a:fontRef idx="minor"/>
+    </dgm:style>
+  </dgm:styleLbl>
+  <dgm:styleLbl name="bgImgPlace1">
+    <dgm:scene3d>
+      <a:camera prst="orthographicFront"/>
+      <a:lightRig rig="threePt" dir="t"/>
+    </dgm:scene3d>
+    <dgm:sp3d/>
+    <dgm:txPr/>
+    <dgm:style>
+      <a:lnRef idx="2">
+        <a:scrgbClr r="0" g="0" b="0"/>
+      </a:lnRef>
+      <a:fillRef idx="1">
+        <a:scrgbClr r="0" g="0" b="0"/>
+      </a:fillRef>
+      <a:effectRef idx="0">
+        <a:scrgbClr r="0" g="0" b="0"/>
+      </a:effectRef>
+      <a:fontRef idx="minor"/>
+    </dgm:style>
+  </dgm:styleLbl>
+  <dgm:styleLbl name="sibTrans2D1">
+    <dgm:scene3d>
+      <a:camera prst="orthographicFront"/>
+      <a:lightRig rig="threePt" dir="t"/>
+    </dgm:scene3d>
+    <dgm:sp3d/>
+    <dgm:txPr/>
+    <dgm:style>
+      <a:lnRef idx="0">
+        <a:scrgbClr r="0" g="0" b="0"/>
+      </a:lnRef>
+      <a:fillRef idx="1">
+        <a:scrgbClr r="0" g="0" b="0"/>
+      </a:fillRef>
+      <a:effectRef idx="0">
+        <a:scrgbClr r="0" g="0" b="0"/>
+      </a:effectRef>
+      <a:fontRef idx="minor">
+        <a:schemeClr val="lt1"/>
+      </a:fontRef>
+    </dgm:style>
+  </dgm:styleLbl>
+  <dgm:styleLbl name="fgSibTrans2D1">
+    <dgm:scene3d>
+      <a:camera prst="orthographicFront"/>
+      <a:lightRig rig="threePt" dir="t"/>
+    </dgm:scene3d>
+    <dgm:sp3d/>
+    <dgm:txPr/>
+    <dgm:style>
+      <a:lnRef idx="0">
+        <a:scrgbClr r="0" g="0" b="0"/>
+      </a:lnRef>
+      <a:fillRef idx="1">
+        <a:scrgbClr r="0" g="0" b="0"/>
+      </a:fillRef>
+      <a:effectRef idx="0">
+        <a:scrgbClr r="0" g="0" b="0"/>
+      </a:effectRef>
+      <a:fontRef idx="minor">
+        <a:schemeClr val="lt1"/>
+      </a:fontRef>
+    </dgm:style>
+  </dgm:styleLbl>
+  <dgm:styleLbl name="bgSibTrans2D1">
+    <dgm:scene3d>
+      <a:camera prst="orthographicFront"/>
+      <a:lightRig rig="threePt" dir="t"/>
+    </dgm:scene3d>
+    <dgm:sp3d/>
+    <dgm:txPr/>
+    <dgm:style>
+      <a:lnRef idx="0">
+        <a:scrgbClr r="0" g="0" b="0"/>
+      </a:lnRef>
+      <a:fillRef idx="1">
+        <a:scrgbClr r="0" g="0" b="0"/>
+      </a:fillRef>
+      <a:effectRef idx="0">
+        <a:scrgbClr r="0" g="0" b="0"/>
+      </a:effectRef>
+      <a:fontRef idx="minor">
+        <a:schemeClr val="lt1"/>
+      </a:fontRef>
+    </dgm:style>
+  </dgm:styleLbl>
+  <dgm:styleLbl name="sibTrans1D1">
+    <dgm:scene3d>
+      <a:camera prst="orthographicFront"/>
+      <a:lightRig rig="threePt" dir="t"/>
+    </dgm:scene3d>
+    <dgm:sp3d/>
+    <dgm:txPr/>
+    <dgm:style>
+      <a:lnRef idx="1">
+        <a:scrgbClr r="0" g="0" b="0"/>
+      </a:lnRef>
+      <a:fillRef idx="0">
+        <a:scrgbClr r="0" g="0" b="0"/>
+      </a:fillRef>
+      <a:effectRef idx="0">
+        <a:scrgbClr r="0" g="0" b="0"/>
+      </a:effectRef>
+      <a:fontRef idx="minor"/>
+    </dgm:style>
+  </dgm:styleLbl>
+  <dgm:styleLbl name="callout">
+    <dgm:scene3d>
+      <a:camera prst="orthographicFront"/>
+      <a:lightRig rig="threePt" dir="t"/>
+    </dgm:scene3d>
+    <dgm:sp3d/>
+    <dgm:txPr/>
+    <dgm:style>
+      <a:lnRef idx="2">
+        <a:scrgbClr r="0" g="0" b="0"/>
+      </a:lnRef>
+      <a:fillRef idx="1">
+        <a:scrgbClr r="0" g="0" b="0"/>
+      </a:fillRef>
+      <a:effectRef idx="0">
+        <a:scrgbClr r="0" g="0" b="0"/>
+      </a:effectRef>
+      <a:fontRef idx="minor"/>
+    </dgm:style>
+  </dgm:styleLbl>
+  <dgm:styleLbl name="asst0">
+    <dgm:scene3d>
+      <a:camera prst="orthographicFront"/>
+      <a:lightRig rig="threePt" dir="t"/>
+    </dgm:scene3d>
+    <dgm:sp3d/>
+    <dgm:txPr/>
+    <dgm:style>
+      <a:lnRef idx="2">
+        <a:scrgbClr r="0" g="0" b="0"/>
+      </a:lnRef>
+      <a:fillRef idx="1">
+        <a:scrgbClr r="0" g="0" b="0"/>
+      </a:fillRef>
+      <a:effectRef idx="0">
+        <a:scrgbClr r="0" g="0" b="0"/>
+      </a:effectRef>
+      <a:fontRef idx="minor">
+        <a:schemeClr val="lt1"/>
+      </a:fontRef>
+    </dgm:style>
+  </dgm:styleLbl>
+  <dgm:styleLbl name="asst1">
+    <dgm:scene3d>
+      <a:camera prst="orthographicFront"/>
+      <a:lightRig rig="threePt" dir="t"/>
+    </dgm:scene3d>
+    <dgm:sp3d/>
+    <dgm:txPr/>
+    <dgm:style>
+      <a:lnRef idx="2">
+        <a:scrgbClr r="0" g="0" b="0"/>
+      </a:lnRef>
+      <a:fillRef idx="1">
+        <a:scrgbClr r="0" g="0" b="0"/>
+      </a:fillRef>
+      <a:effectRef idx="0">
+        <a:scrgbClr r="0" g="0" b="0"/>
+      </a:effectRef>
+      <a:fontRef idx="minor">
+        <a:schemeClr val="lt1"/>
+      </a:fontRef>
+    </dgm:style>
+  </dgm:styleLbl>
+  <dgm:styleLbl name="asst2">
+    <dgm:scene3d>
+      <a:camera prst="orthographicFront"/>
+      <a:lightRig rig="threePt" dir="t"/>
+    </dgm:scene3d>
+    <dgm:sp3d/>
+    <dgm:txPr/>
+    <dgm:style>
+      <a:lnRef idx="2">
+        <a:scrgbClr r="0" g="0" b="0"/>
+      </a:lnRef>
+      <a:fillRef idx="1">
+        <a:scrgbClr r="0" g="0" b="0"/>
+      </a:fillRef>
+      <a:effectRef idx="0">
+        <a:scrgbClr r="0" g="0" b="0"/>
+      </a:effectRef>
+      <a:fontRef idx="minor">
+        <a:schemeClr val="lt1"/>
+      </a:fontRef>
+    </dgm:style>
+  </dgm:styleLbl>
+  <dgm:styleLbl name="asst3">
+    <dgm:scene3d>
+      <a:camera prst="orthographicFront"/>
+      <a:lightRig rig="threePt" dir="t"/>
+    </dgm:scene3d>
+    <dgm:sp3d/>
+    <dgm:txPr/>
+    <dgm:style>
+      <a:lnRef idx="2">
+        <a:scrgbClr r="0" g="0" b="0"/>
+      </a:lnRef>
+      <a:fillRef idx="1">
+        <a:scrgbClr r="0" g="0" b="0"/>
+      </a:fillRef>
+      <a:effectRef idx="0">
+        <a:scrgbClr r="0" g="0" b="0"/>
+      </a:effectRef>
+      <a:fontRef idx="minor">
+        <a:schemeClr val="lt1"/>
+      </a:fontRef>
+    </dgm:style>
+  </dgm:styleLbl>
+  <dgm:styleLbl name="asst4">
+    <dgm:scene3d>
+      <a:camera prst="orthographicFront"/>
+      <a:lightRig rig="threePt" dir="t"/>
+    </dgm:scene3d>
+    <dgm:sp3d/>
+    <dgm:txPr/>
+    <dgm:style>
+      <a:lnRef idx="2">
+        <a:scrgbClr r="0" g="0" b="0"/>
+      </a:lnRef>
+      <a:fillRef idx="1">
+        <a:scrgbClr r="0" g="0" b="0"/>
+      </a:fillRef>
+      <a:effectRef idx="0">
+        <a:scrgbClr r="0" g="0" b="0"/>
+      </a:effectRef>
+      <a:fontRef idx="minor">
+        <a:schemeClr val="lt1"/>
+      </a:fontRef>
+    </dgm:style>
+  </dgm:styleLbl>
+  <dgm:styleLbl name="parChTrans2D1">
+    <dgm:scene3d>
+      <a:camera prst="orthographicFront"/>
+      <a:lightRig rig="threePt" dir="t"/>
+    </dgm:scene3d>
+    <dgm:sp3d/>
+    <dgm:txPr/>
+    <dgm:style>
+      <a:lnRef idx="2">
+        <a:scrgbClr r="0" g="0" b="0"/>
+      </a:lnRef>
+      <a:fillRef idx="1">
+        <a:scrgbClr r="0" g="0" b="0"/>
+      </a:fillRef>
+      <a:effectRef idx="0">
+        <a:scrgbClr r="0" g="0" b="0"/>
+      </a:effectRef>
+      <a:fontRef idx="minor">
+        <a:schemeClr val="lt1"/>
+      </a:fontRef>
+    </dgm:style>
+  </dgm:styleLbl>
+  <dgm:styleLbl name="parChTrans2D2">
+    <dgm:scene3d>
+      <a:camera prst="orthographicFront"/>
+      <a:lightRig rig="threePt" dir="t"/>
+    </dgm:scene3d>
+    <dgm:sp3d/>
+    <dgm:txPr/>
+    <dgm:style>
+      <a:lnRef idx="2">
+        <a:scrgbClr r="0" g="0" b="0"/>
+      </a:lnRef>
+      <a:fillRef idx="1">
+        <a:scrgbClr r="0" g="0" b="0"/>
+      </a:fillRef>
+      <a:effectRef idx="0">
+        <a:scrgbClr r="0" g="0" b="0"/>
+      </a:effectRef>
+      <a:fontRef idx="minor">
+        <a:schemeClr val="lt1"/>
+      </a:fontRef>
+    </dgm:style>
+  </dgm:styleLbl>
+  <dgm:styleLbl name="parChTrans2D3">
+    <dgm:scene3d>
+      <a:camera prst="orthographicFront"/>
+      <a:lightRig rig="threePt" dir="t"/>
+    </dgm:scene3d>
+    <dgm:sp3d/>
+    <dgm:txPr/>
+    <dgm:style>
+      <a:lnRef idx="2">
+        <a:scrgbClr r="0" g="0" b="0"/>
+      </a:lnRef>
+      <a:fillRef idx="1">
+        <a:scrgbClr r="0" g="0" b="0"/>
+      </a:fillRef>
+      <a:effectRef idx="0">
+        <a:scrgbClr r="0" g="0" b="0"/>
+      </a:effectRef>
+      <a:fontRef idx="minor">
+        <a:schemeClr val="lt1"/>
+      </a:fontRef>
+    </dgm:style>
+  </dgm:styleLbl>
+  <dgm:styleLbl name="parChTrans2D4">
+    <dgm:scene3d>
+      <a:camera prst="orthographicFront"/>
+      <a:lightRig rig="threePt" dir="t"/>
+    </dgm:scene3d>
+    <dgm:sp3d/>
+    <dgm:txPr/>
+    <dgm:style>
+      <a:lnRef idx="2">
+        <a:scrgbClr r="0" g="0" b="0"/>
+      </a:lnRef>
+      <a:fillRef idx="1">
+        <a:scrgbClr r="0" g="0" b="0"/>
+      </a:fillRef>
+      <a:effectRef idx="0">
+        <a:scrgbClr r="0" g="0" b="0"/>
+      </a:effectRef>
+      <a:fontRef idx="minor">
+        <a:schemeClr val="lt1"/>
+      </a:fontRef>
+    </dgm:style>
+  </dgm:styleLbl>
+  <dgm:styleLbl name="parChTrans1D1">
+    <dgm:scene3d>
+      <a:camera prst="orthographicFront"/>
+      <a:lightRig rig="threePt" dir="t"/>
+    </dgm:scene3d>
+    <dgm:sp3d/>
+    <dgm:txPr/>
+    <dgm:style>
+      <a:lnRef idx="2">
+        <a:scrgbClr r="0" g="0" b="0"/>
+      </a:lnRef>
+      <a:fillRef idx="0">
+        <a:scrgbClr r="0" g="0" b="0"/>
+      </a:fillRef>
+      <a:effectRef idx="0">
+        <a:scrgbClr r="0" g="0" b="0"/>
+      </a:effectRef>
+      <a:fontRef idx="minor"/>
+    </dgm:style>
+  </dgm:styleLbl>
+  <dgm:styleLbl name="parChTrans1D2">
+    <dgm:scene3d>
+      <a:camera prst="orthographicFront"/>
+      <a:lightRig rig="threePt" dir="t"/>
+    </dgm:scene3d>
+    <dgm:sp3d/>
+    <dgm:txPr/>
+    <dgm:style>
+      <a:lnRef idx="2">
+        <a:scrgbClr r="0" g="0" b="0"/>
+      </a:lnRef>
+      <a:fillRef idx="0">
+        <a:scrgbClr r="0" g="0" b="0"/>
+      </a:fillRef>
+      <a:effectRef idx="0">
+        <a:scrgbClr r="0" g="0" b="0"/>
+      </a:effectRef>
+      <a:fontRef idx="minor"/>
+    </dgm:style>
+  </dgm:styleLbl>
+  <dgm:styleLbl name="parChTrans1D3">
+    <dgm:scene3d>
+      <a:camera prst="orthographicFront"/>
+      <a:lightRig rig="threePt" dir="t"/>
+    </dgm:scene3d>
+    <dgm:sp3d/>
+    <dgm:txPr/>
+    <dgm:style>
+      <a:lnRef idx="2">
+        <a:scrgbClr r="0" g="0" b="0"/>
+      </a:lnRef>
+      <a:fillRef idx="0">
+        <a:scrgbClr r="0" g="0" b="0"/>
+      </a:fillRef>
+      <a:effectRef idx="0">
+        <a:scrgbClr r="0" g="0" b="0"/>
+      </a:effectRef>
+      <a:fontRef idx="minor"/>
+    </dgm:style>
+  </dgm:styleLbl>
+  <dgm:styleLbl name="parChTrans1D4">
+    <dgm:scene3d>
+      <a:camera prst="orthographicFront"/>
+      <a:lightRig rig="threePt" dir="t"/>
+    </dgm:scene3d>
+    <dgm:sp3d/>
+    <dgm:txPr/>
+    <dgm:style>
+      <a:lnRef idx="2">
+        <a:scrgbClr r="0" g="0" b="0"/>
+      </a:lnRef>
+      <a:fillRef idx="0">
+        <a:scrgbClr r="0" g="0" b="0"/>
+      </a:fillRef>
+      <a:effectRef idx="0">
+        <a:scrgbClr r="0" g="0" b="0"/>
+      </a:effectRef>
+      <a:fontRef idx="minor"/>
+    </dgm:style>
+  </dgm:styleLbl>
+  <dgm:styleLbl name="fgAcc1">
+    <dgm:scene3d>
+      <a:camera prst="orthographicFront"/>
+      <a:lightRig rig="threePt" dir="t"/>
+    </dgm:scene3d>
+    <dgm:sp3d/>
+    <dgm:txPr/>
+    <dgm:style>
+      <a:lnRef idx="2">
+        <a:scrgbClr r="0" g="0" b="0"/>
+      </a:lnRef>
+      <a:fillRef idx="1">
+        <a:scrgbClr r="0" g="0" b="0"/>
+      </a:fillRef>
+      <a:effectRef idx="0">
+        <a:scrgbClr r="0" g="0" b="0"/>
+      </a:effectRef>
+      <a:fontRef idx="minor"/>
+    </dgm:style>
+  </dgm:styleLbl>
+  <dgm:styleLbl name="conFgAcc1">
+    <dgm:scene3d>
+      <a:camera prst="orthographicFront"/>
+      <a:lightRig rig="threePt" dir="t"/>
+    </dgm:scene3d>
+    <dgm:sp3d/>
+    <dgm:txPr/>
+    <dgm:style>
+      <a:lnRef idx="2">
+        <a:scrgbClr r="0" g="0" b="0"/>
+      </a:lnRef>
+      <a:fillRef idx="1">
+        <a:scrgbClr r="0" g="0" b="0"/>
+      </a:fillRef>
+      <a:effectRef idx="0">
+        <a:scrgbClr r="0" g="0" b="0"/>
+      </a:effectRef>
+      <a:fontRef idx="minor"/>
+    </dgm:style>
+  </dgm:styleLbl>
+  <dgm:styleLbl name="alignAcc1">
+    <dgm:scene3d>
+      <a:camera prst="orthographicFront"/>
+      <a:lightRig rig="threePt" dir="t"/>
+    </dgm:scene3d>
+    <dgm:sp3d/>
+    <dgm:txPr/>
+    <dgm:style>
+      <a:lnRef idx="2">
+        <a:scrgbClr r="0" g="0" b="0"/>
+      </a:lnRef>
+      <a:fillRef idx="1">
+        <a:scrgbClr r="0" g="0" b="0"/>
+      </a:fillRef>
+      <a:effectRef idx="0">
+        <a:scrgbClr r="0" g="0" b="0"/>
+      </a:effectRef>
+      <a:fontRef idx="minor"/>
+    </dgm:style>
+  </dgm:styleLbl>
+  <dgm:styleLbl name="trAlignAcc1">
+    <dgm:scene3d>
+      <a:camera prst="orthographicFront"/>
+      <a:lightRig rig="threePt" dir="t"/>
+    </dgm:scene3d>
+    <dgm:sp3d/>
+    <dgm:txPr/>
+    <dgm:style>
+      <a:lnRef idx="1">
+        <a:scrgbClr r="0" g="0" b="0"/>
+      </a:lnRef>
+      <a:fillRef idx="1">
+        <a:scrgbClr r="0" g="0" b="0"/>
+      </a:fillRef>
+      <a:effectRef idx="0">
+        <a:scrgbClr r="0" g="0" b="0"/>
+      </a:effectRef>
+      <a:fontRef idx="minor"/>
+    </dgm:style>
+  </dgm:styleLbl>
+  <dgm:styleLbl name="bgAcc1">
+    <dgm:scene3d>
+      <a:camera prst="orthographicFront"/>
+      <a:lightRig rig="threePt" dir="t"/>
+    </dgm:scene3d>
+    <dgm:sp3d/>
+    <dgm:txPr/>
+    <dgm:style>
+      <a:lnRef idx="2">
+        <a:scrgbClr r="0" g="0" b="0"/>
+      </a:lnRef>
+      <a:fillRef idx="1">
+        <a:scrgbClr r="0" g="0" b="0"/>
+      </a:fillRef>
+      <a:effectRef idx="0">
+        <a:scrgbClr r="0" g="0" b="0"/>
+      </a:effectRef>
+      <a:fontRef idx="minor"/>
+    </dgm:style>
+  </dgm:styleLbl>
+  <dgm:styleLbl name="solidFgAcc1">
+    <dgm:scene3d>
+      <a:camera prst="orthographicFront"/>
+      <a:lightRig rig="threePt" dir="t"/>
+    </dgm:scene3d>
+    <dgm:sp3d/>
+    <dgm:txPr/>
+    <dgm:style>
+      <a:lnRef idx="2">
+        <a:scrgbClr r="0" g="0" b="0"/>
+      </a:lnRef>
+      <a:fillRef idx="1">
+        <a:scrgbClr r="0" g="0" b="0"/>
+      </a:fillRef>
+      <a:effectRef idx="0">
+        <a:scrgbClr r="0" g="0" b="0"/>
+      </a:effectRef>
+      <a:fontRef idx="minor"/>
+    </dgm:style>
+  </dgm:styleLbl>
+  <dgm:styleLbl name="solidAlignAcc1">
+    <dgm:scene3d>
+      <a:camera prst="orthographicFront"/>
+      <a:lightRig rig="threePt" dir="t"/>
+    </dgm:scene3d>
+    <dgm:sp3d/>
+    <dgm:txPr/>
+    <dgm:style>
+      <a:lnRef idx="2">
+        <a:scrgbClr r="0" g="0" b="0"/>
+      </a:lnRef>
+      <a:fillRef idx="1">
+        <a:scrgbClr r="0" g="0" b="0"/>
+      </a:fillRef>
+      <a:effectRef idx="0">
+        <a:scrgbClr r="0" g="0" b="0"/>
+      </a:effectRef>
+      <a:fontRef idx="minor"/>
+    </dgm:style>
+  </dgm:styleLbl>
+  <dgm:styleLbl name="solidBgAcc1">
+    <dgm:scene3d>
+      <a:camera prst="orthographicFront"/>
+      <a:lightRig rig="threePt" dir="t"/>
+    </dgm:scene3d>
+    <dgm:sp3d/>
+    <dgm:txPr/>
+    <dgm:style>
+      <a:lnRef idx="2">
+        <a:scrgbClr r="0" g="0" b="0"/>
+      </a:lnRef>
+      <a:fillRef idx="1">
+        <a:scrgbClr r="0" g="0" b="0"/>
+      </a:fillRef>
+      <a:effectRef idx="0">
+        <a:scrgbClr r="0" g="0" b="0"/>
+      </a:effectRef>
+      <a:fontRef idx="minor"/>
+    </dgm:style>
+  </dgm:styleLbl>
+  <dgm:styleLbl name="fgAccFollowNode1">
+    <dgm:scene3d>
+      <a:camera prst="orthographicFront"/>
+      <a:lightRig rig="threePt" dir="t"/>
+    </dgm:scene3d>
+    <dgm:sp3d/>
+    <dgm:txPr/>
+    <dgm:style>
+      <a:lnRef idx="2">
+        <a:scrgbClr r="0" g="0" b="0"/>
+      </a:lnRef>
+      <a:fillRef idx="1">
+        <a:scrgbClr r="0" g="0" b="0"/>
+      </a:fillRef>
+      <a:effectRef idx="0">
+        <a:scrgbClr r="0" g="0" b="0"/>
+      </a:effectRef>
+      <a:fontRef idx="minor"/>
+    </dgm:style>
+  </dgm:styleLbl>
+  <dgm:styleLbl name="alignAccFollowNode1">
+    <dgm:scene3d>
+      <a:camera prst="orthographicFront"/>
+      <a:lightRig rig="threePt" dir="t"/>
+    </dgm:scene3d>
+    <dgm:sp3d/>
+    <dgm:txPr/>
+    <dgm:style>
+      <a:lnRef idx="2">
+        <a:scrgbClr r="0" g="0" b="0"/>
+      </a:lnRef>
+      <a:fillRef idx="1">
+        <a:scrgbClr r="0" g="0" b="0"/>
+      </a:fillRef>
+      <a:effectRef idx="0">
+        <a:scrgbClr r="0" g="0" b="0"/>
+      </a:effectRef>
+      <a:fontRef idx="minor"/>
+    </dgm:style>
+  </dgm:styleLbl>
+  <dgm:styleLbl name="bgAccFollowNode1">
+    <dgm:scene3d>
+      <a:camera prst="orthographicFront"/>
+      <a:lightRig rig="threePt" dir="t"/>
+    </dgm:scene3d>
+    <dgm:sp3d/>
+    <dgm:txPr/>
+    <dgm:style>
+      <a:lnRef idx="2">
+        <a:scrgbClr r="0" g="0" b="0"/>
+      </a:lnRef>
+      <a:fillRef idx="1">
+        <a:scrgbClr r="0" g="0" b="0"/>
+      </a:fillRef>
+      <a:effectRef idx="0">
+        <a:scrgbClr r="0" g="0" b="0"/>
+      </a:effectRef>
+      <a:fontRef idx="minor"/>
+    </dgm:style>
+  </dgm:styleLbl>
+  <dgm:styleLbl name="fgAcc0">
+    <dgm:scene3d>
+      <a:camera prst="orthographicFront"/>
+      <a:lightRig rig="threePt" dir="t"/>
+    </dgm:scene3d>
+    <dgm:sp3d/>
+    <dgm:txPr/>
+    <dgm:style>
+      <a:lnRef idx="2">
+        <a:scrgbClr r="0" g="0" b="0"/>
+      </a:lnRef>
+      <a:fillRef idx="1">
+        <a:scrgbClr r="0" g="0" b="0"/>
+      </a:fillRef>
+      <a:effectRef idx="0">
+        <a:scrgbClr r="0" g="0" b="0"/>
+      </a:effectRef>
+      <a:fontRef idx="minor"/>
+    </dgm:style>
+  </dgm:styleLbl>
+  <dgm:styleLbl name="fgAcc2">
+    <dgm:scene3d>
+      <a:camera prst="orthographicFront"/>
+      <a:lightRig rig="threePt" dir="t"/>
+    </dgm:scene3d>
+    <dgm:sp3d/>
+    <dgm:txPr/>
+    <dgm:style>
+      <a:lnRef idx="2">
+        <a:scrgbClr r="0" g="0" b="0"/>
+      </a:lnRef>
+      <a:fillRef idx="1">
+        <a:scrgbClr r="0" g="0" b="0"/>
+      </a:fillRef>
+      <a:effectRef idx="0">
+        <a:scrgbClr r="0" g="0" b="0"/>
+      </a:effectRef>
+      <a:fontRef idx="minor"/>
+    </dgm:style>
+  </dgm:styleLbl>
+  <dgm:styleLbl name="fgAcc3">
+    <dgm:scene3d>
+      <a:camera prst="orthographicFront"/>
+      <a:lightRig rig="threePt" dir="t"/>
+    </dgm:scene3d>
+    <dgm:sp3d/>
+    <dgm:txPr/>
+    <dgm:style>
+      <a:lnRef idx="2">
+        <a:scrgbClr r="0" g="0" b="0"/>
+      </a:lnRef>
+      <a:fillRef idx="1">
+        <a:scrgbClr r="0" g="0" b="0"/>
+      </a:fillRef>
+      <a:effectRef idx="0">
+        <a:scrgbClr r="0" g="0" b="0"/>
+      </a:effectRef>
+      <a:fontRef idx="minor"/>
+    </dgm:style>
+  </dgm:styleLbl>
+  <dgm:styleLbl name="fgAcc4">
+    <dgm:scene3d>
+      <a:camera prst="orthographicFront"/>
+      <a:lightRig rig="threePt" dir="t"/>
+    </dgm:scene3d>
+    <dgm:sp3d/>
+    <dgm:txPr/>
+    <dgm:style>
+      <a:lnRef idx="2">
+        <a:scrgbClr r="0" g="0" b="0"/>
+      </a:lnRef>
+      <a:fillRef idx="1">
+        <a:scrgbClr r="0" g="0" b="0"/>
+      </a:fillRef>
+      <a:effectRef idx="0">
+        <a:scrgbClr r="0" g="0" b="0"/>
+      </a:effectRef>
+      <a:fontRef idx="minor"/>
+    </dgm:style>
+  </dgm:styleLbl>
+  <dgm:styleLbl name="bgShp">
+    <dgm:scene3d>
+      <a:camera prst="orthographicFront"/>
+      <a:lightRig rig="threePt" dir="t"/>
+    </dgm:scene3d>
+    <dgm:sp3d/>
+    <dgm:txPr/>
+    <dgm:style>
+      <a:lnRef idx="0">
+        <a:scrgbClr r="0" g="0" b="0"/>
+      </a:lnRef>
+      <a:fillRef idx="1">
+        <a:scrgbClr r="0" g="0" b="0"/>
+      </a:fillRef>
+      <a:effectRef idx="0">
+        <a:scrgbClr r="0" g="0" b="0"/>
+      </a:effectRef>
+      <a:fontRef idx="minor"/>
+    </dgm:style>
+  </dgm:styleLbl>
+  <dgm:styleLbl name="dkBgShp">
+    <dgm:scene3d>
+      <a:camera prst="orthographicFront"/>
+      <a:lightRig rig="threePt" dir="t"/>
+    </dgm:scene3d>
+    <dgm:sp3d/>
+    <dgm:txPr/>
+    <dgm:style>
+      <a:lnRef idx="0">
+        <a:scrgbClr r="0" g="0" b="0"/>
+      </a:lnRef>
+      <a:fillRef idx="1">
+        <a:scrgbClr r="0" g="0" b="0"/>
+      </a:fillRef>
+      <a:effectRef idx="0">
+        <a:scrgbClr r="0" g="0" b="0"/>
+      </a:effectRef>
+      <a:fontRef idx="minor"/>
+    </dgm:style>
+  </dgm:styleLbl>
+  <dgm:styleLbl name="trBgShp">
+    <dgm:scene3d>
+      <a:camera prst="orthographicFront"/>
+      <a:lightRig rig="threePt" dir="t"/>
+    </dgm:scene3d>
+    <dgm:sp3d/>
+    <dgm:txPr/>
+    <dgm:style>
+      <a:lnRef idx="0">
+        <a:scrgbClr r="0" g="0" b="0"/>
+      </a:lnRef>
+      <a:fillRef idx="1">
+        <a:scrgbClr r="0" g="0" b="0"/>
+      </a:fillRef>
+      <a:effectRef idx="0">
+        <a:scrgbClr r="0" g="0" b="0"/>
+      </a:effectRef>
+      <a:fontRef idx="minor"/>
+    </dgm:style>
+  </dgm:styleLbl>
+  <dgm:styleLbl name="fgShp">
+    <dgm:scene3d>
+      <a:camera prst="orthographicFront"/>
+      <a:lightRig rig="threePt" dir="t"/>
+    </dgm:scene3d>
+    <dgm:sp3d/>
+    <dgm:txPr/>
+    <dgm:style>
+      <a:lnRef idx="2">
+        <a:scrgbClr r="0" g="0" b="0"/>
+      </a:lnRef>
+      <a:fillRef idx="1">
+        <a:scrgbClr r="0" g="0" b="0"/>
+      </a:fillRef>
+      <a:effectRef idx="0">
+        <a:scrgbClr r="0" g="0" b="0"/>
+      </a:effectRef>
+      <a:fontRef idx="minor"/>
+    </dgm:style>
+  </dgm:styleLbl>
+  <dgm:styleLbl name="revTx">
+    <dgm:scene3d>
+      <a:camera prst="orthographicFront"/>
+      <a:lightRig rig="threePt" dir="t"/>
+    </dgm:scene3d>
+    <dgm:sp3d/>
+    <dgm:txPr/>
+    <dgm:style>
+      <a:lnRef idx="0">
+        <a:scrgbClr r="0" g="0" b="0"/>
+      </a:lnRef>
+      <a:fillRef idx="0">
+        <a:scrgbClr r="0" g="0" b="0"/>
+      </a:fillRef>
+      <a:effectRef idx="0">
+        <a:scrgbClr r="0" g="0" b="0"/>
+      </a:effectRef>
+      <a:fontRef idx="minor"/>
+    </dgm:style>
+  </dgm:styleLbl>
+</dgm:styleDef>
+</file>
+
+<file path=ppt/diagrams/quickStyle4.xml><?xml version="1.0" encoding="utf-8"?>
+<dgm:styleDef xmlns:dgm="http://schemas.openxmlformats.org/drawingml/2006/diagram" xmlns:a="http://schemas.openxmlformats.org/drawingml/2006/main" uniqueId="urn:microsoft.com/office/officeart/2005/8/quickstyle/simple1">
+  <dgm:title val=""/>
+  <dgm:desc val=""/>
+  <dgm:catLst>
+    <dgm:cat type="simple" pri="10100"/>
+  </dgm:catLst>
+  <dgm:scene3d>
+    <a:camera prst="orthographicFront"/>
+    <a:lightRig rig="threePt" dir="t"/>
+  </dgm:scene3d>
+  <dgm:styleLbl name="node0">
+    <dgm:scene3d>
+      <a:camera prst="orthographicFront"/>
+      <a:lightRig rig="threePt" dir="t"/>
+    </dgm:scene3d>
+    <dgm:sp3d/>
+    <dgm:txPr/>
+    <dgm:style>
+      <a:lnRef idx="2">
+        <a:scrgbClr r="0" g="0" b="0"/>
+      </a:lnRef>
+      <a:fillRef idx="1">
+        <a:scrgbClr r="0" g="0" b="0"/>
+      </a:fillRef>
+      <a:effectRef idx="0">
+        <a:scrgbClr r="0" g="0" b="0"/>
+      </a:effectRef>
+      <a:fontRef idx="minor">
+        <a:schemeClr val="lt1"/>
+      </a:fontRef>
+    </dgm:style>
+  </dgm:styleLbl>
+  <dgm:styleLbl name="lnNode1">
+    <dgm:scene3d>
+      <a:camera prst="orthographicFront"/>
+      <a:lightRig rig="threePt" dir="t"/>
+    </dgm:scene3d>
+    <dgm:sp3d/>
+    <dgm:txPr/>
+    <dgm:style>
+      <a:lnRef idx="2">
+        <a:scrgbClr r="0" g="0" b="0"/>
+      </a:lnRef>
+      <a:fillRef idx="1">
+        <a:scrgbClr r="0" g="0" b="0"/>
+      </a:fillRef>
+      <a:effectRef idx="0">
+        <a:scrgbClr r="0" g="0" b="0"/>
+      </a:effectRef>
+      <a:fontRef idx="minor">
+        <a:schemeClr val="lt1"/>
+      </a:fontRef>
+    </dgm:style>
+  </dgm:styleLbl>
+  <dgm:styleLbl name="vennNode1">
+    <dgm:scene3d>
+      <a:camera prst="orthographicFront"/>
+      <a:lightRig rig="threePt" dir="t"/>
+    </dgm:scene3d>
+    <dgm:sp3d/>
+    <dgm:txPr/>
+    <dgm:style>
+      <a:lnRef idx="2">
+        <a:scrgbClr r="0" g="0" b="0"/>
+      </a:lnRef>
+      <a:fillRef idx="1">
+        <a:scrgbClr r="0" g="0" b="0"/>
+      </a:fillRef>
+      <a:effectRef idx="0">
+        <a:scrgbClr r="0" g="0" b="0"/>
+      </a:effectRef>
+      <a:fontRef idx="minor">
+        <a:schemeClr val="tx1"/>
+      </a:fontRef>
+    </dgm:style>
+  </dgm:styleLbl>
+  <dgm:styleLbl name="alignNode1">
+    <dgm:scene3d>
+      <a:camera prst="orthographicFront"/>
+      <a:lightRig rig="threePt" dir="t"/>
+    </dgm:scene3d>
+    <dgm:sp3d/>
+    <dgm:txPr/>
+    <dgm:style>
+      <a:lnRef idx="2">
+        <a:scrgbClr r="0" g="0" b="0"/>
+      </a:lnRef>
+      <a:fillRef idx="1">
+        <a:scrgbClr r="0" g="0" b="0"/>
+      </a:fillRef>
+      <a:effectRef idx="0">
+        <a:scrgbClr r="0" g="0" b="0"/>
+      </a:effectRef>
+      <a:fontRef idx="minor">
+        <a:schemeClr val="lt1"/>
+      </a:fontRef>
+    </dgm:style>
+  </dgm:styleLbl>
+  <dgm:styleLbl name="node1">
+    <dgm:scene3d>
+      <a:camera prst="orthographicFront"/>
+      <a:lightRig rig="threePt" dir="t"/>
+    </dgm:scene3d>
+    <dgm:sp3d/>
+    <dgm:txPr/>
+    <dgm:style>
+      <a:lnRef idx="2">
+        <a:scrgbClr r="0" g="0" b="0"/>
+      </a:lnRef>
+      <a:fillRef idx="1">
+        <a:scrgbClr r="0" g="0" b="0"/>
+      </a:fillRef>
+      <a:effectRef idx="0">
+        <a:scrgbClr r="0" g="0" b="0"/>
+      </a:effectRef>
+      <a:fontRef idx="minor">
+        <a:schemeClr val="lt1"/>
+      </a:fontRef>
+    </dgm:style>
+  </dgm:styleLbl>
+  <dgm:styleLbl name="node2">
+    <dgm:scene3d>
+      <a:camera prst="orthographicFront"/>
+      <a:lightRig rig="threePt" dir="t"/>
+    </dgm:scene3d>
+    <dgm:sp3d/>
+    <dgm:txPr/>
+    <dgm:style>
+      <a:lnRef idx="2">
+        <a:scrgbClr r="0" g="0" b="0"/>
+      </a:lnRef>
+      <a:fillRef idx="1">
+        <a:scrgbClr r="0" g="0" b="0"/>
+      </a:fillRef>
+      <a:effectRef idx="0">
+        <a:scrgbClr r="0" g="0" b="0"/>
+      </a:effectRef>
+      <a:fontRef idx="minor">
+        <a:schemeClr val="lt1"/>
+      </a:fontRef>
+    </dgm:style>
+  </dgm:styleLbl>
+  <dgm:styleLbl name="node3">
+    <dgm:scene3d>
+      <a:camera prst="orthographicFront"/>
+      <a:lightRig rig="threePt" dir="t"/>
+    </dgm:scene3d>
+    <dgm:sp3d/>
+    <dgm:txPr/>
+    <dgm:style>
+      <a:lnRef idx="2">
+        <a:scrgbClr r="0" g="0" b="0"/>
+      </a:lnRef>
+      <a:fillRef idx="1">
+        <a:scrgbClr r="0" g="0" b="0"/>
+      </a:fillRef>
+      <a:effectRef idx="0">
+        <a:scrgbClr r="0" g="0" b="0"/>
+      </a:effectRef>
+      <a:fontRef idx="minor">
+        <a:schemeClr val="lt1"/>
+      </a:fontRef>
+    </dgm:style>
+  </dgm:styleLbl>
+  <dgm:styleLbl name="node4">
+    <dgm:scene3d>
+      <a:camera prst="orthographicFront"/>
+      <a:lightRig rig="threePt" dir="t"/>
+    </dgm:scene3d>
+    <dgm:sp3d/>
+    <dgm:txPr/>
+    <dgm:style>
+      <a:lnRef idx="2">
+        <a:scrgbClr r="0" g="0" b="0"/>
+      </a:lnRef>
+      <a:fillRef idx="1">
+        <a:scrgbClr r="0" g="0" b="0"/>
+      </a:fillRef>
+      <a:effectRef idx="0">
+        <a:scrgbClr r="0" g="0" b="0"/>
+      </a:effectRef>
+      <a:fontRef idx="minor">
+        <a:schemeClr val="lt1"/>
+      </a:fontRef>
+    </dgm:style>
+  </dgm:styleLbl>
+  <dgm:styleLbl name="fgImgPlace1">
+    <dgm:scene3d>
+      <a:camera prst="orthographicFront"/>
+      <a:lightRig rig="threePt" dir="t"/>
+    </dgm:scene3d>
+    <dgm:sp3d/>
+    <dgm:txPr/>
+    <dgm:style>
+      <a:lnRef idx="2">
+        <a:scrgbClr r="0" g="0" b="0"/>
+      </a:lnRef>
+      <a:fillRef idx="1">
+        <a:scrgbClr r="0" g="0" b="0"/>
+      </a:fillRef>
+      <a:effectRef idx="0">
+        <a:scrgbClr r="0" g="0" b="0"/>
+      </a:effectRef>
+      <a:fontRef idx="minor"/>
+    </dgm:style>
+  </dgm:styleLbl>
+  <dgm:styleLbl name="alignImgPlace1">
+    <dgm:scene3d>
+      <a:camera prst="orthographicFront"/>
+      <a:lightRig rig="threePt" dir="t"/>
+    </dgm:scene3d>
+    <dgm:sp3d/>
+    <dgm:txPr/>
+    <dgm:style>
+      <a:lnRef idx="2">
+        <a:scrgbClr r="0" g="0" b="0"/>
+      </a:lnRef>
+      <a:fillRef idx="1">
+        <a:scrgbClr r="0" g="0" b="0"/>
+      </a:fillRef>
+      <a:effectRef idx="0">
+        <a:scrgbClr r="0" g="0" b="0"/>
+      </a:effectRef>
+      <a:fontRef idx="minor"/>
+    </dgm:style>
+  </dgm:styleLbl>
+  <dgm:styleLbl name="bgImgPlace1">
+    <dgm:scene3d>
+      <a:camera prst="orthographicFront"/>
+      <a:lightRig rig="threePt" dir="t"/>
+    </dgm:scene3d>
+    <dgm:sp3d/>
+    <dgm:txPr/>
+    <dgm:style>
+      <a:lnRef idx="2">
+        <a:scrgbClr r="0" g="0" b="0"/>
+      </a:lnRef>
+      <a:fillRef idx="1">
+        <a:scrgbClr r="0" g="0" b="0"/>
+      </a:fillRef>
+      <a:effectRef idx="0">
+        <a:scrgbClr r="0" g="0" b="0"/>
+      </a:effectRef>
+      <a:fontRef idx="minor"/>
+    </dgm:style>
+  </dgm:styleLbl>
+  <dgm:styleLbl name="sibTrans2D1">
+    <dgm:scene3d>
+      <a:camera prst="orthographicFront"/>
+      <a:lightRig rig="threePt" dir="t"/>
+    </dgm:scene3d>
+    <dgm:sp3d/>
+    <dgm:txPr/>
+    <dgm:style>
+      <a:lnRef idx="0">
+        <a:scrgbClr r="0" g="0" b="0"/>
+      </a:lnRef>
+      <a:fillRef idx="1">
+        <a:scrgbClr r="0" g="0" b="0"/>
+      </a:fillRef>
+      <a:effectRef idx="0">
+        <a:scrgbClr r="0" g="0" b="0"/>
+      </a:effectRef>
+      <a:fontRef idx="minor">
+        <a:schemeClr val="lt1"/>
+      </a:fontRef>
+    </dgm:style>
+  </dgm:styleLbl>
+  <dgm:styleLbl name="fgSibTrans2D1">
+    <dgm:scene3d>
+      <a:camera prst="orthographicFront"/>
+      <a:lightRig rig="threePt" dir="t"/>
+    </dgm:scene3d>
+    <dgm:sp3d/>
+    <dgm:txPr/>
+    <dgm:style>
+      <a:lnRef idx="0">
+        <a:scrgbClr r="0" g="0" b="0"/>
+      </a:lnRef>
+      <a:fillRef idx="1">
+        <a:scrgbClr r="0" g="0" b="0"/>
+      </a:fillRef>
+      <a:effectRef idx="0">
+        <a:scrgbClr r="0" g="0" b="0"/>
+      </a:effectRef>
+      <a:fontRef idx="minor">
+        <a:schemeClr val="lt1"/>
+      </a:fontRef>
+    </dgm:style>
+  </dgm:styleLbl>
+  <dgm:styleLbl name="bgSibTrans2D1">
+    <dgm:scene3d>
+      <a:camera prst="orthographicFront"/>
+      <a:lightRig rig="threePt" dir="t"/>
+    </dgm:scene3d>
+    <dgm:sp3d/>
+    <dgm:txPr/>
+    <dgm:style>
+      <a:lnRef idx="0">
+        <a:scrgbClr r="0" g="0" b="0"/>
+      </a:lnRef>
+      <a:fillRef idx="1">
+        <a:scrgbClr r="0" g="0" b="0"/>
+      </a:fillRef>
+      <a:effectRef idx="0">
+        <a:scrgbClr r="0" g="0" b="0"/>
+      </a:effectRef>
+      <a:fontRef idx="minor">
+        <a:schemeClr val="lt1"/>
+      </a:fontRef>
+    </dgm:style>
+  </dgm:styleLbl>
+  <dgm:styleLbl name="sibTrans1D1">
+    <dgm:scene3d>
+      <a:camera prst="orthographicFront"/>
+      <a:lightRig rig="threePt" dir="t"/>
+    </dgm:scene3d>
+    <dgm:sp3d/>
+    <dgm:txPr/>
+    <dgm:style>
+      <a:lnRef idx="1">
+        <a:scrgbClr r="0" g="0" b="0"/>
+      </a:lnRef>
+      <a:fillRef idx="0">
+        <a:scrgbClr r="0" g="0" b="0"/>
+      </a:fillRef>
+      <a:effectRef idx="0">
+        <a:scrgbClr r="0" g="0" b="0"/>
+      </a:effectRef>
+      <a:fontRef idx="minor"/>
+    </dgm:style>
+  </dgm:styleLbl>
+  <dgm:styleLbl name="callout">
+    <dgm:scene3d>
+      <a:camera prst="orthographicFront"/>
+      <a:lightRig rig="threePt" dir="t"/>
+    </dgm:scene3d>
+    <dgm:sp3d/>
+    <dgm:txPr/>
+    <dgm:style>
+      <a:lnRef idx="2">
+        <a:scrgbClr r="0" g="0" b="0"/>
+      </a:lnRef>
+      <a:fillRef idx="1">
+        <a:scrgbClr r="0" g="0" b="0"/>
+      </a:fillRef>
+      <a:effectRef idx="0">
+        <a:scrgbClr r="0" g="0" b="0"/>
+      </a:effectRef>
+      <a:fontRef idx="minor"/>
+    </dgm:style>
+  </dgm:styleLbl>
+  <dgm:styleLbl name="asst0">
+    <dgm:scene3d>
+      <a:camera prst="orthographicFront"/>
+      <a:lightRig rig="threePt" dir="t"/>
+    </dgm:scene3d>
+    <dgm:sp3d/>
+    <dgm:txPr/>
+    <dgm:style>
+      <a:lnRef idx="2">
+        <a:scrgbClr r="0" g="0" b="0"/>
+      </a:lnRef>
+      <a:fillRef idx="1">
+        <a:scrgbClr r="0" g="0" b="0"/>
+      </a:fillRef>
+      <a:effectRef idx="0">
+        <a:scrgbClr r="0" g="0" b="0"/>
+      </a:effectRef>
+      <a:fontRef idx="minor">
+        <a:schemeClr val="lt1"/>
+      </a:fontRef>
+    </dgm:style>
+  </dgm:styleLbl>
+  <dgm:styleLbl name="asst1">
+    <dgm:scene3d>
+      <a:camera prst="orthographicFront"/>
+      <a:lightRig rig="threePt" dir="t"/>
+    </dgm:scene3d>
+    <dgm:sp3d/>
+    <dgm:txPr/>
+    <dgm:style>
+      <a:lnRef idx="2">
+        <a:scrgbClr r="0" g="0" b="0"/>
+      </a:lnRef>
+      <a:fillRef idx="1">
+        <a:scrgbClr r="0" g="0" b="0"/>
+      </a:fillRef>
+      <a:effectRef idx="0">
+        <a:scrgbClr r="0" g="0" b="0"/>
+      </a:effectRef>
+      <a:fontRef idx="minor">
+        <a:schemeClr val="lt1"/>
+      </a:fontRef>
+    </dgm:style>
+  </dgm:styleLbl>
+  <dgm:styleLbl name="asst2">
+    <dgm:scene3d>
+      <a:camera prst="orthographicFront"/>
+      <a:lightRig rig="threePt" dir="t"/>
+    </dgm:scene3d>
+    <dgm:sp3d/>
+    <dgm:txPr/>
+    <dgm:style>
+      <a:lnRef idx="2">
+        <a:scrgbClr r="0" g="0" b="0"/>
+      </a:lnRef>
+      <a:fillRef idx="1">
+        <a:scrgbClr r="0" g="0" b="0"/>
+      </a:fillRef>
+      <a:effectRef idx="0">
+        <a:scrgbClr r="0" g="0" b="0"/>
+      </a:effectRef>
+      <a:fontRef idx="minor">
+        <a:schemeClr val="lt1"/>
+      </a:fontRef>
+    </dgm:style>
+  </dgm:styleLbl>
+  <dgm:styleLbl name="asst3">
+    <dgm:scene3d>
+      <a:camera prst="orthographicFront"/>
+      <a:lightRig rig="threePt" dir="t"/>
+    </dgm:scene3d>
+    <dgm:sp3d/>
+    <dgm:txPr/>
+    <dgm:style>
+      <a:lnRef idx="2">
+        <a:scrgbClr r="0" g="0" b="0"/>
+      </a:lnRef>
+      <a:fillRef idx="1">
+        <a:scrgbClr r="0" g="0" b="0"/>
+      </a:fillRef>
+      <a:effectRef idx="0">
+        <a:scrgbClr r="0" g="0" b="0"/>
+      </a:effectRef>
+      <a:fontRef idx="minor">
+        <a:schemeClr val="lt1"/>
+      </a:fontRef>
+    </dgm:style>
+  </dgm:styleLbl>
+  <dgm:styleLbl name="asst4">
+    <dgm:scene3d>
+      <a:camera prst="orthographicFront"/>
+      <a:lightRig rig="threePt" dir="t"/>
+    </dgm:scene3d>
+    <dgm:sp3d/>
+    <dgm:txPr/>
+    <dgm:style>
+      <a:lnRef idx="2">
+        <a:scrgbClr r="0" g="0" b="0"/>
+      </a:lnRef>
+      <a:fillRef idx="1">
+        <a:scrgbClr r="0" g="0" b="0"/>
+      </a:fillRef>
+      <a:effectRef idx="0">
+        <a:scrgbClr r="0" g="0" b="0"/>
+      </a:effectRef>
+      <a:fontRef idx="minor">
+        <a:schemeClr val="lt1"/>
+      </a:fontRef>
+    </dgm:style>
+  </dgm:styleLbl>
+  <dgm:styleLbl name="parChTrans2D1">
+    <dgm:scene3d>
+      <a:camera prst="orthographicFront"/>
+      <a:lightRig rig="threePt" dir="t"/>
+    </dgm:scene3d>
+    <dgm:sp3d/>
+    <dgm:txPr/>
+    <dgm:style>
+      <a:lnRef idx="2">
+        <a:scrgbClr r="0" g="0" b="0"/>
+      </a:lnRef>
+      <a:fillRef idx="1">
+        <a:scrgbClr r="0" g="0" b="0"/>
+      </a:fillRef>
+      <a:effectRef idx="0">
+        <a:scrgbClr r="0" g="0" b="0"/>
+      </a:effectRef>
+      <a:fontRef idx="minor">
+        <a:schemeClr val="lt1"/>
+      </a:fontRef>
+    </dgm:style>
+  </dgm:styleLbl>
+  <dgm:styleLbl name="parChTrans2D2">
+    <dgm:scene3d>
+      <a:camera prst="orthographicFront"/>
+      <a:lightRig rig="threePt" dir="t"/>
+    </dgm:scene3d>
+    <dgm:sp3d/>
+    <dgm:txPr/>
+    <dgm:style>
+      <a:lnRef idx="2">
+        <a:scrgbClr r="0" g="0" b="0"/>
+      </a:lnRef>
+      <a:fillRef idx="1">
+        <a:scrgbClr r="0" g="0" b="0"/>
+      </a:fillRef>
+      <a:effectRef idx="0">
+        <a:scrgbClr r="0" g="0" b="0"/>
+      </a:effectRef>
+      <a:fontRef idx="minor">
+        <a:schemeClr val="lt1"/>
+      </a:fontRef>
+    </dgm:style>
+  </dgm:styleLbl>
+  <dgm:styleLbl name="parChTrans2D3">
+    <dgm:scene3d>
+      <a:camera prst="orthographicFront"/>
+      <a:lightRig rig="threePt" dir="t"/>
+    </dgm:scene3d>
+    <dgm:sp3d/>
+    <dgm:txPr/>
+    <dgm:style>
+      <a:lnRef idx="2">
+        <a:scrgbClr r="0" g="0" b="0"/>
+      </a:lnRef>
+      <a:fillRef idx="1">
+        <a:scrgbClr r="0" g="0" b="0"/>
+      </a:fillRef>
+      <a:effectRef idx="0">
+        <a:scrgbClr r="0" g="0" b="0"/>
+      </a:effectRef>
+      <a:fontRef idx="minor">
+        <a:schemeClr val="lt1"/>
+      </a:fontRef>
+    </dgm:style>
+  </dgm:styleLbl>
+  <dgm:styleLbl name="parChTrans2D4">
+    <dgm:scene3d>
+      <a:camera prst="orthographicFront"/>
+      <a:lightRig rig="threePt" dir="t"/>
+    </dgm:scene3d>
+    <dgm:sp3d/>
+    <dgm:txPr/>
+    <dgm:style>
+      <a:lnRef idx="2">
+        <a:scrgbClr r="0" g="0" b="0"/>
+      </a:lnRef>
+      <a:fillRef idx="1">
+        <a:scrgbClr r="0" g="0" b="0"/>
+      </a:fillRef>
+      <a:effectRef idx="0">
+        <a:scrgbClr r="0" g="0" b="0"/>
+      </a:effectRef>
+      <a:fontRef idx="minor">
+        <a:schemeClr val="lt1"/>
+      </a:fontRef>
+    </dgm:style>
+  </dgm:styleLbl>
+  <dgm:styleLbl name="parChTrans1D1">
+    <dgm:scene3d>
+      <a:camera prst="orthographicFront"/>
+      <a:lightRig rig="threePt" dir="t"/>
+    </dgm:scene3d>
+    <dgm:sp3d/>
+    <dgm:txPr/>
+    <dgm:style>
+      <a:lnRef idx="2">
+        <a:scrgbClr r="0" g="0" b="0"/>
+      </a:lnRef>
+      <a:fillRef idx="0">
+        <a:scrgbClr r="0" g="0" b="0"/>
+      </a:fillRef>
+      <a:effectRef idx="0">
+        <a:scrgbClr r="0" g="0" b="0"/>
+      </a:effectRef>
+      <a:fontRef idx="minor"/>
+    </dgm:style>
+  </dgm:styleLbl>
+  <dgm:styleLbl name="parChTrans1D2">
+    <dgm:scene3d>
+      <a:camera prst="orthographicFront"/>
+      <a:lightRig rig="threePt" dir="t"/>
+    </dgm:scene3d>
+    <dgm:sp3d/>
+    <dgm:txPr/>
+    <dgm:style>
+      <a:lnRef idx="2">
+        <a:scrgbClr r="0" g="0" b="0"/>
+      </a:lnRef>
+      <a:fillRef idx="0">
+        <a:scrgbClr r="0" g="0" b="0"/>
+      </a:fillRef>
+      <a:effectRef idx="0">
+        <a:scrgbClr r="0" g="0" b="0"/>
+      </a:effectRef>
+      <a:fontRef idx="minor"/>
+    </dgm:style>
+  </dgm:styleLbl>
+  <dgm:styleLbl name="parChTrans1D3">
+    <dgm:scene3d>
+      <a:camera prst="orthographicFront"/>
+      <a:lightRig rig="threePt" dir="t"/>
+    </dgm:scene3d>
+    <dgm:sp3d/>
+    <dgm:txPr/>
+    <dgm:style>
+      <a:lnRef idx="2">
+        <a:scrgbClr r="0" g="0" b="0"/>
+      </a:lnRef>
+      <a:fillRef idx="0">
+        <a:scrgbClr r="0" g="0" b="0"/>
+      </a:fillRef>
+      <a:effectRef idx="0">
+        <a:scrgbClr r="0" g="0" b="0"/>
+      </a:effectRef>
+      <a:fontRef idx="minor"/>
+    </dgm:style>
+  </dgm:styleLbl>
+  <dgm:styleLbl name="parChTrans1D4">
+    <dgm:scene3d>
+      <a:camera prst="orthographicFront"/>
+      <a:lightRig rig="threePt" dir="t"/>
+    </dgm:scene3d>
+    <dgm:sp3d/>
+    <dgm:txPr/>
+    <dgm:style>
+      <a:lnRef idx="2">
+        <a:scrgbClr r="0" g="0" b="0"/>
+      </a:lnRef>
+      <a:fillRef idx="0">
+        <a:scrgbClr r="0" g="0" b="0"/>
+      </a:fillRef>
+      <a:effectRef idx="0">
+        <a:scrgbClr r="0" g="0" b="0"/>
+      </a:effectRef>
+      <a:fontRef idx="minor"/>
+    </dgm:style>
+  </dgm:styleLbl>
+  <dgm:styleLbl name="fgAcc1">
+    <dgm:scene3d>
+      <a:camera prst="orthographicFront"/>
+      <a:lightRig rig="threePt" dir="t"/>
+    </dgm:scene3d>
+    <dgm:sp3d/>
+    <dgm:txPr/>
+    <dgm:style>
+      <a:lnRef idx="2">
+        <a:scrgbClr r="0" g="0" b="0"/>
+      </a:lnRef>
+      <a:fillRef idx="1">
+        <a:scrgbClr r="0" g="0" b="0"/>
+      </a:fillRef>
+      <a:effectRef idx="0">
+        <a:scrgbClr r="0" g="0" b="0"/>
+      </a:effectRef>
+      <a:fontRef idx="minor"/>
+    </dgm:style>
+  </dgm:styleLbl>
+  <dgm:styleLbl name="conFgAcc1">
+    <dgm:scene3d>
+      <a:camera prst="orthographicFront"/>
+      <a:lightRig rig="threePt" dir="t"/>
+    </dgm:scene3d>
+    <dgm:sp3d/>
+    <dgm:txPr/>
+    <dgm:style>
+      <a:lnRef idx="2">
+        <a:scrgbClr r="0" g="0" b="0"/>
+      </a:lnRef>
+      <a:fillRef idx="1">
+        <a:scrgbClr r="0" g="0" b="0"/>
+      </a:fillRef>
+      <a:effectRef idx="0">
+        <a:scrgbClr r="0" g="0" b="0"/>
+      </a:effectRef>
+      <a:fontRef idx="minor"/>
+    </dgm:style>
+  </dgm:styleLbl>
+  <dgm:styleLbl name="alignAcc1">
+    <dgm:scene3d>
+      <a:camera prst="orthographicFront"/>
+      <a:lightRig rig="threePt" dir="t"/>
+    </dgm:scene3d>
+    <dgm:sp3d/>
+    <dgm:txPr/>
+    <dgm:style>
+      <a:lnRef idx="2">
+        <a:scrgbClr r="0" g="0" b="0"/>
+      </a:lnRef>
+      <a:fillRef idx="1">
+        <a:scrgbClr r="0" g="0" b="0"/>
+      </a:fillRef>
+      <a:effectRef idx="0">
+        <a:scrgbClr r="0" g="0" b="0"/>
+      </a:effectRef>
+      <a:fontRef idx="minor"/>
+    </dgm:style>
+  </dgm:styleLbl>
+  <dgm:styleLbl name="trAlignAcc1">
+    <dgm:scene3d>
+      <a:camera prst="orthographicFront"/>
+      <a:lightRig rig="threePt" dir="t"/>
+    </dgm:scene3d>
+    <dgm:sp3d/>
+    <dgm:txPr/>
+    <dgm:style>
+      <a:lnRef idx="1">
+        <a:scrgbClr r="0" g="0" b="0"/>
+      </a:lnRef>
+      <a:fillRef idx="1">
+        <a:scrgbClr r="0" g="0" b="0"/>
+      </a:fillRef>
+      <a:effectRef idx="0">
+        <a:scrgbClr r="0" g="0" b="0"/>
+      </a:effectRef>
+      <a:fontRef idx="minor"/>
+    </dgm:style>
+  </dgm:styleLbl>
+  <dgm:styleLbl name="bgAcc1">
+    <dgm:scene3d>
+      <a:camera prst="orthographicFront"/>
+      <a:lightRig rig="threePt" dir="t"/>
+    </dgm:scene3d>
+    <dgm:sp3d/>
+    <dgm:txPr/>
+    <dgm:style>
+      <a:lnRef idx="2">
+        <a:scrgbClr r="0" g="0" b="0"/>
+      </a:lnRef>
+      <a:fillRef idx="1">
+        <a:scrgbClr r="0" g="0" b="0"/>
+      </a:fillRef>
+      <a:effectRef idx="0">
+        <a:scrgbClr r="0" g="0" b="0"/>
+      </a:effectRef>
+      <a:fontRef idx="minor"/>
+    </dgm:style>
+  </dgm:styleLbl>
+  <dgm:styleLbl name="solidFgAcc1">
+    <dgm:scene3d>
+      <a:camera prst="orthographicFront"/>
+      <a:lightRig rig="threePt" dir="t"/>
+    </dgm:scene3d>
+    <dgm:sp3d/>
+    <dgm:txPr/>
+    <dgm:style>
+      <a:lnRef idx="2">
+        <a:scrgbClr r="0" g="0" b="0"/>
+      </a:lnRef>
+      <a:fillRef idx="1">
+        <a:scrgbClr r="0" g="0" b="0"/>
+      </a:fillRef>
+      <a:effectRef idx="0">
+        <a:scrgbClr r="0" g="0" b="0"/>
+      </a:effectRef>
+      <a:fontRef idx="minor"/>
+    </dgm:style>
+  </dgm:styleLbl>
+  <dgm:styleLbl name="solidAlignAcc1">
+    <dgm:scene3d>
+      <a:camera prst="orthographicFront"/>
+      <a:lightRig rig="threePt" dir="t"/>
+    </dgm:scene3d>
+    <dgm:sp3d/>
+    <dgm:txPr/>
+    <dgm:style>
+      <a:lnRef idx="2">
+        <a:scrgbClr r="0" g="0" b="0"/>
+      </a:lnRef>
+      <a:fillRef idx="1">
+        <a:scrgbClr r="0" g="0" b="0"/>
+      </a:fillRef>
+      <a:effectRef idx="0">
+        <a:scrgbClr r="0" g="0" b="0"/>
+      </a:effectRef>
+      <a:fontRef idx="minor"/>
+    </dgm:style>
+  </dgm:styleLbl>
+  <dgm:styleLbl name="solidBgAcc1">
+    <dgm:scene3d>
+      <a:camera prst="orthographicFront"/>
+      <a:lightRig rig="threePt" dir="t"/>
+    </dgm:scene3d>
+    <dgm:sp3d/>
+    <dgm:txPr/>
+    <dgm:style>
+      <a:lnRef idx="2">
+        <a:scrgbClr r="0" g="0" b="0"/>
+      </a:lnRef>
+      <a:fillRef idx="1">
+        <a:scrgbClr r="0" g="0" b="0"/>
+      </a:fillRef>
+      <a:effectRef idx="0">
+        <a:scrgbClr r="0" g="0" b="0"/>
+      </a:effectRef>
+      <a:fontRef idx="minor"/>
+    </dgm:style>
+  </dgm:styleLbl>
+  <dgm:styleLbl name="fgAccFollowNode1">
+    <dgm:scene3d>
+      <a:camera prst="orthographicFront"/>
+      <a:lightRig rig="threePt" dir="t"/>
+    </dgm:scene3d>
+    <dgm:sp3d/>
+    <dgm:txPr/>
+    <dgm:style>
+      <a:lnRef idx="2">
+        <a:scrgbClr r="0" g="0" b="0"/>
+      </a:lnRef>
+      <a:fillRef idx="1">
+        <a:scrgbClr r="0" g="0" b="0"/>
+      </a:fillRef>
+      <a:effectRef idx="0">
+        <a:scrgbClr r="0" g="0" b="0"/>
+      </a:effectRef>
+      <a:fontRef idx="minor"/>
+    </dgm:style>
+  </dgm:styleLbl>
+  <dgm:styleLbl name="alignAccFollowNode1">
+    <dgm:scene3d>
+      <a:camera prst="orthographicFront"/>
+      <a:lightRig rig="threePt" dir="t"/>
+    </dgm:scene3d>
+    <dgm:sp3d/>
+    <dgm:txPr/>
+    <dgm:style>
+      <a:lnRef idx="2">
+        <a:scrgbClr r="0" g="0" b="0"/>
+      </a:lnRef>
+      <a:fillRef idx="1">
+        <a:scrgbClr r="0" g="0" b="0"/>
+      </a:fillRef>
+      <a:effectRef idx="0">
+        <a:scrgbClr r="0" g="0" b="0"/>
+      </a:effectRef>
+      <a:fontRef idx="minor"/>
+    </dgm:style>
+  </dgm:styleLbl>
+  <dgm:styleLbl name="bgAccFollowNode1">
+    <dgm:scene3d>
+      <a:camera prst="orthographicFront"/>
+      <a:lightRig rig="threePt" dir="t"/>
+    </dgm:scene3d>
+    <dgm:sp3d/>
+    <dgm:txPr/>
+    <dgm:style>
+      <a:lnRef idx="2">
+        <a:scrgbClr r="0" g="0" b="0"/>
+      </a:lnRef>
+      <a:fillRef idx="1">
+        <a:scrgbClr r="0" g="0" b="0"/>
+      </a:fillRef>
+      <a:effectRef idx="0">
+        <a:scrgbClr r="0" g="0" b="0"/>
+      </a:effectRef>
+      <a:fontRef idx="minor"/>
+    </dgm:style>
+  </dgm:styleLbl>
+  <dgm:styleLbl name="fgAcc0">
+    <dgm:scene3d>
+      <a:camera prst="orthographicFront"/>
+      <a:lightRig rig="threePt" dir="t"/>
+    </dgm:scene3d>
+    <dgm:sp3d/>
+    <dgm:txPr/>
+    <dgm:style>
+      <a:lnRef idx="2">
+        <a:scrgbClr r="0" g="0" b="0"/>
+      </a:lnRef>
+      <a:fillRef idx="1">
+        <a:scrgbClr r="0" g="0" b="0"/>
+      </a:fillRef>
+      <a:effectRef idx="0">
+        <a:scrgbClr r="0" g="0" b="0"/>
+      </a:effectRef>
+      <a:fontRef idx="minor"/>
+    </dgm:style>
+  </dgm:styleLbl>
+  <dgm:styleLbl name="fgAcc2">
+    <dgm:scene3d>
+      <a:camera prst="orthographicFront"/>
+      <a:lightRig rig="threePt" dir="t"/>
+    </dgm:scene3d>
+    <dgm:sp3d/>
+    <dgm:txPr/>
+    <dgm:style>
+      <a:lnRef idx="2">
+        <a:scrgbClr r="0" g="0" b="0"/>
+      </a:lnRef>
+      <a:fillRef idx="1">
+        <a:scrgbClr r="0" g="0" b="0"/>
+      </a:fillRef>
+      <a:effectRef idx="0">
+        <a:scrgbClr r="0" g="0" b="0"/>
+      </a:effectRef>
+      <a:fontRef idx="minor"/>
+    </dgm:style>
+  </dgm:styleLbl>
+  <dgm:styleLbl name="fgAcc3">
+    <dgm:scene3d>
+      <a:camera prst="orthographicFront"/>
+      <a:lightRig rig="threePt" dir="t"/>
+    </dgm:scene3d>
+    <dgm:sp3d/>
+    <dgm:txPr/>
+    <dgm:style>
+      <a:lnRef idx="2">
+        <a:scrgbClr r="0" g="0" b="0"/>
+      </a:lnRef>
+      <a:fillRef idx="1">
+        <a:scrgbClr r="0" g="0" b="0"/>
+      </a:fillRef>
+      <a:effectRef idx="0">
+        <a:scrgbClr r="0" g="0" b="0"/>
+      </a:effectRef>
+      <a:fontRef idx="minor"/>
+    </dgm:style>
+  </dgm:styleLbl>
+  <dgm:styleLbl name="fgAcc4">
+    <dgm:scene3d>
+      <a:camera prst="orthographicFront"/>
+      <a:lightRig rig="threePt" dir="t"/>
+    </dgm:scene3d>
+    <dgm:sp3d/>
+    <dgm:txPr/>
+    <dgm:style>
+      <a:lnRef idx="2">
+        <a:scrgbClr r="0" g="0" b="0"/>
+      </a:lnRef>
+      <a:fillRef idx="1">
+        <a:scrgbClr r="0" g="0" b="0"/>
+      </a:fillRef>
+      <a:effectRef idx="0">
+        <a:scrgbClr r="0" g="0" b="0"/>
+      </a:effectRef>
+      <a:fontRef idx="minor"/>
+    </dgm:style>
+  </dgm:styleLbl>
+  <dgm:styleLbl name="bgShp">
+    <dgm:scene3d>
+      <a:camera prst="orthographicFront"/>
+      <a:lightRig rig="threePt" dir="t"/>
+    </dgm:scene3d>
+    <dgm:sp3d/>
+    <dgm:txPr/>
+    <dgm:style>
+      <a:lnRef idx="0">
+        <a:scrgbClr r="0" g="0" b="0"/>
+      </a:lnRef>
+      <a:fillRef idx="1">
+        <a:scrgbClr r="0" g="0" b="0"/>
+      </a:fillRef>
+      <a:effectRef idx="0">
+        <a:scrgbClr r="0" g="0" b="0"/>
+      </a:effectRef>
+      <a:fontRef idx="minor"/>
+    </dgm:style>
+  </dgm:styleLbl>
+  <dgm:styleLbl name="dkBgShp">
+    <dgm:scene3d>
+      <a:camera prst="orthographicFront"/>
+      <a:lightRig rig="threePt" dir="t"/>
+    </dgm:scene3d>
+    <dgm:sp3d/>
+    <dgm:txPr/>
+    <dgm:style>
+      <a:lnRef idx="0">
+        <a:scrgbClr r="0" g="0" b="0"/>
+      </a:lnRef>
+      <a:fillRef idx="1">
+        <a:scrgbClr r="0" g="0" b="0"/>
+      </a:fillRef>
+      <a:effectRef idx="0">
+        <a:scrgbClr r="0" g="0" b="0"/>
+      </a:effectRef>
+      <a:fontRef idx="minor"/>
+    </dgm:style>
+  </dgm:styleLbl>
+  <dgm:styleLbl name="trBgShp">
+    <dgm:scene3d>
+      <a:camera prst="orthographicFront"/>
+      <a:lightRig rig="threePt" dir="t"/>
+    </dgm:scene3d>
+    <dgm:sp3d/>
+    <dgm:txPr/>
+    <dgm:style>
+      <a:lnRef idx="0">
+        <a:scrgbClr r="0" g="0" b="0"/>
+      </a:lnRef>
+      <a:fillRef idx="1">
+        <a:scrgbClr r="0" g="0" b="0"/>
+      </a:fillRef>
+      <a:effectRef idx="0">
+        <a:scrgbClr r="0" g="0" b="0"/>
+      </a:effectRef>
+      <a:fontRef idx="minor"/>
+    </dgm:style>
+  </dgm:styleLbl>
+  <dgm:styleLbl name="fgShp">
+    <dgm:scene3d>
+      <a:camera prst="orthographicFront"/>
+      <a:lightRig rig="threePt" dir="t"/>
+    </dgm:scene3d>
+    <dgm:sp3d/>
+    <dgm:txPr/>
+    <dgm:style>
+      <a:lnRef idx="2">
+        <a:scrgbClr r="0" g="0" b="0"/>
+      </a:lnRef>
+      <a:fillRef idx="1">
+        <a:scrgbClr r="0" g="0" b="0"/>
+      </a:fillRef>
+      <a:effectRef idx="0">
+        <a:scrgbClr r="0" g="0" b="0"/>
+      </a:effectRef>
+      <a:fontRef idx="minor"/>
+    </dgm:style>
+  </dgm:styleLbl>
+  <dgm:styleLbl name="revTx">
+    <dgm:scene3d>
+      <a:camera prst="orthographicFront"/>
+      <a:lightRig rig="threePt" dir="t"/>
+    </dgm:scene3d>
+    <dgm:sp3d/>
+    <dgm:txPr/>
+    <dgm:style>
+      <a:lnRef idx="0">
+        <a:scrgbClr r="0" g="0" b="0"/>
+      </a:lnRef>
+      <a:fillRef idx="0">
+        <a:scrgbClr r="0" g="0" b="0"/>
+      </a:fillRef>
+      <a:effectRef idx="0">
+        <a:scrgbClr r="0" g="0" b="0"/>
+      </a:effectRef>
+      <a:fontRef idx="minor"/>
     </dgm:style>
   </dgm:styleLbl>
 </dgm:styleDef>
@@ -9002,6 +13515,110 @@
       <p:sp>
         <p:nvSpPr>
           <p:cNvPr id="618" name="Google Shape;618;g98e4d128ed_0_28:notes"/>
+          <p:cNvSpPr txBox="1">
+            <a:spLocks noGrp="1"/>
+          </p:cNvSpPr>
+          <p:nvPr>
+            <p:ph type="body" idx="1"/>
+          </p:nvPr>
+        </p:nvSpPr>
+        <p:spPr>
+          <a:xfrm>
+            <a:off x="685800" y="4343400"/>
+            <a:ext cx="5486400" cy="4114800"/>
+          </a:xfrm>
+          <a:prstGeom prst="rect">
+            <a:avLst/>
+          </a:prstGeom>
+        </p:spPr>
+        <p:txBody>
+          <a:bodyPr spcFirstLastPara="1" wrap="square" lIns="91425" tIns="91425" rIns="91425" bIns="91425" anchor="t" anchorCtr="0">
+            <a:noAutofit/>
+          </a:bodyPr>
+          <a:lstStyle/>
+          <a:p>
+            <a:pPr marL="0" lvl="0" indent="0" algn="l" rtl="0">
+              <a:spcBef>
+                <a:spcPts val="0"/>
+              </a:spcBef>
+              <a:spcAft>
+                <a:spcPts val="0"/>
+              </a:spcAft>
+              <a:buNone/>
+            </a:pPr>
+            <a:endParaRPr/>
+          </a:p>
+        </p:txBody>
+      </p:sp>
+    </p:spTree>
+  </p:cSld>
+  <p:clrMapOvr>
+    <a:masterClrMapping/>
+  </p:clrMapOvr>
+</p:notes>
+</file>
+
+<file path=ppt/notesSlides/notesSlide5.xml><?xml version="1.0" encoding="utf-8"?>
+<p:notes xmlns:a="http://schemas.openxmlformats.org/drawingml/2006/main" xmlns:r="http://schemas.openxmlformats.org/officeDocument/2006/relationships" xmlns:p="http://schemas.openxmlformats.org/presentationml/2006/main" showMasterSp="0" showMasterPhAnim="0">
+  <p:cSld>
+    <p:spTree>
+      <p:nvGrpSpPr>
+        <p:cNvPr id="1" name="Shape 617"/>
+        <p:cNvGrpSpPr/>
+        <p:nvPr/>
+      </p:nvGrpSpPr>
+      <p:grpSpPr>
+        <a:xfrm>
+          <a:off x="0" y="0"/>
+          <a:ext cx="0" cy="0"/>
+          <a:chOff x="0" y="0"/>
+          <a:chExt cx="0" cy="0"/>
+        </a:xfrm>
+      </p:grpSpPr>
+      <p:sp>
+        <p:nvSpPr>
+          <p:cNvPr id="618" name="Google Shape;618;g2b1022eedc3_0_48:notes"/>
+          <p:cNvSpPr>
+            <a:spLocks noGrp="1" noRot="1" noChangeAspect="1"/>
+          </p:cNvSpPr>
+          <p:nvPr>
+            <p:ph type="sldImg" idx="2"/>
+          </p:nvPr>
+        </p:nvSpPr>
+        <p:spPr>
+          <a:xfrm>
+            <a:off x="381000" y="685800"/>
+            <a:ext cx="6096000" cy="3429000"/>
+          </a:xfrm>
+          <a:custGeom>
+            <a:avLst/>
+            <a:gdLst/>
+            <a:ahLst/>
+            <a:cxnLst/>
+            <a:rect l="l" t="t" r="r" b="b"/>
+            <a:pathLst>
+              <a:path w="120000" h="120000" extrusionOk="0">
+                <a:moveTo>
+                  <a:pt x="0" y="0"/>
+                </a:moveTo>
+                <a:lnTo>
+                  <a:pt x="120000" y="0"/>
+                </a:lnTo>
+                <a:lnTo>
+                  <a:pt x="120000" y="120000"/>
+                </a:lnTo>
+                <a:lnTo>
+                  <a:pt x="0" y="120000"/>
+                </a:lnTo>
+                <a:close/>
+              </a:path>
+            </a:pathLst>
+          </a:custGeom>
+        </p:spPr>
+      </p:sp>
+      <p:sp>
+        <p:nvSpPr>
+          <p:cNvPr id="619" name="Google Shape;619;g2b1022eedc3_0_48:notes"/>
           <p:cNvSpPr txBox="1">
             <a:spLocks noGrp="1"/>
           </p:cNvSpPr>
@@ -13647,6 +18264,842 @@
           <a:lstStyle/>
           <a:p>
             <a:r>
+              <a:rPr lang="es-ES" dirty="0" err="1"/>
+              <a:t>XGBoost</a:t>
+            </a:r>
+            <a:endParaRPr lang="es-ES" dirty="0"/>
+          </a:p>
+        </p:txBody>
+      </p:sp>
+      <p:sp>
+        <p:nvSpPr>
+          <p:cNvPr id="6" name="CuadroTexto 5"/>
+          <p:cNvSpPr txBox="1"/>
+          <p:nvPr/>
+        </p:nvSpPr>
+        <p:spPr>
+          <a:xfrm>
+            <a:off x="875944" y="1112200"/>
+            <a:ext cx="7580971" cy="3139321"/>
+          </a:xfrm>
+          <a:prstGeom prst="rect">
+            <a:avLst/>
+          </a:prstGeom>
+          <a:noFill/>
+        </p:spPr>
+        <p:txBody>
+          <a:bodyPr wrap="square">
+            <a:spAutoFit/>
+          </a:bodyPr>
+          <a:lstStyle/>
+          <a:p>
+            <a:pPr marL="285750" lvl="3" indent="-285750">
+              <a:buClr>
+                <a:srgbClr val="FF0000"/>
+              </a:buClr>
+              <a:buSzPct val="150000"/>
+              <a:buFont typeface="Arial" panose="020B0604020202020204" pitchFamily="34" charset="0"/>
+              <a:buChar char="×"/>
+            </a:pPr>
+            <a:r>
+              <a:rPr lang="es-ES" dirty="0"/>
+              <a:t>Data completo.               </a:t>
+            </a:r>
+          </a:p>
+          <a:p>
+            <a:pPr marL="285750" lvl="3" indent="-285750">
+              <a:buClr>
+                <a:srgbClr val="FF0000"/>
+              </a:buClr>
+              <a:buSzPct val="150000"/>
+              <a:buFont typeface="Arial" panose="020B0604020202020204" pitchFamily="34" charset="0"/>
+              <a:buChar char="×"/>
+            </a:pPr>
+            <a:r>
+              <a:rPr lang="en-US" altLang="zh-CN" dirty="0" err="1">
+                <a:sym typeface="+mn-ea"/>
+              </a:rPr>
+              <a:t>Reducción</a:t>
+            </a:r>
+            <a:r>
+              <a:rPr lang="en-US" altLang="zh-CN" dirty="0">
+                <a:sym typeface="+mn-ea"/>
+              </a:rPr>
+              <a:t> 1: </a:t>
+            </a:r>
+            <a:r>
+              <a:rPr lang="en-US" altLang="zh-CN" dirty="0" err="1">
+                <a:sym typeface="+mn-ea"/>
+              </a:rPr>
+              <a:t>varImp</a:t>
+            </a:r>
+            <a:r>
+              <a:rPr lang="en-US" altLang="zh-CN" dirty="0">
+                <a:sym typeface="+mn-ea"/>
+              </a:rPr>
+              <a:t> + variables </a:t>
+            </a:r>
+            <a:r>
+              <a:rPr lang="en-US" altLang="zh-CN" dirty="0" err="1">
+                <a:sym typeface="+mn-ea"/>
+              </a:rPr>
+              <a:t>significativas</a:t>
+            </a:r>
+            <a:r>
+              <a:rPr lang="en-US" altLang="zh-CN" dirty="0">
+                <a:sym typeface="+mn-ea"/>
+              </a:rPr>
+              <a:t> (</a:t>
+            </a:r>
+            <a:r>
+              <a:rPr lang="en-US" altLang="zh-CN" dirty="0" err="1">
+                <a:sym typeface="+mn-ea"/>
+              </a:rPr>
+              <a:t>estadisticamente</a:t>
+            </a:r>
+            <a:r>
+              <a:rPr lang="en-US" altLang="zh-CN" dirty="0">
+                <a:sym typeface="+mn-ea"/>
+              </a:rPr>
+              <a:t>).            </a:t>
+            </a:r>
+          </a:p>
+          <a:p>
+            <a:pPr marL="285750" indent="-285750">
+              <a:buClr>
+                <a:srgbClr val="00B050"/>
+              </a:buClr>
+              <a:buSzPct val="150000"/>
+              <a:buFont typeface="Wingdings" panose="05000000000000000000" pitchFamily="2" charset="2"/>
+              <a:buChar char="ü"/>
+            </a:pPr>
+            <a:r>
+              <a:rPr lang="es-ES" dirty="0" err="1"/>
+              <a:t>Reduccción</a:t>
+            </a:r>
+            <a:r>
+              <a:rPr lang="es-ES" dirty="0"/>
+              <a:t> 2: </a:t>
+            </a:r>
+            <a:r>
+              <a:rPr lang="es-ES" dirty="0" err="1"/>
+              <a:t>Dataset</a:t>
+            </a:r>
+            <a:r>
+              <a:rPr lang="es-ES" dirty="0"/>
+              <a:t> reducido.</a:t>
+            </a:r>
+          </a:p>
+          <a:p>
+            <a:pPr marL="285750" indent="-285750">
+              <a:buClr>
+                <a:srgbClr val="00B050"/>
+              </a:buClr>
+              <a:buSzPct val="150000"/>
+              <a:buFont typeface="Wingdings" panose="05000000000000000000" pitchFamily="2" charset="2"/>
+              <a:buChar char="ü"/>
+            </a:pPr>
+            <a:r>
+              <a:rPr lang="es-ES" dirty="0"/>
+              <a:t>Variable </a:t>
+            </a:r>
+            <a:r>
+              <a:rPr lang="es-ES" dirty="0" err="1"/>
+              <a:t>HasBalance</a:t>
+            </a:r>
+            <a:endParaRPr lang="es-ES" dirty="0"/>
+          </a:p>
+          <a:p>
+            <a:pPr marL="285750" indent="-285750">
+              <a:buClr>
+                <a:srgbClr val="FF0000"/>
+              </a:buClr>
+              <a:buSzPct val="150000"/>
+              <a:buFont typeface="Arial" panose="020B0604020202020204" pitchFamily="34" charset="0"/>
+              <a:buChar char="×"/>
+            </a:pPr>
+            <a:r>
+              <a:rPr lang="es-ES" dirty="0"/>
+              <a:t>Otras variables creadas como Age categorizada y diversas combinaciones de variables.</a:t>
+            </a:r>
+          </a:p>
+          <a:p>
+            <a:pPr marL="285750" indent="-285750">
+              <a:buClr>
+                <a:srgbClr val="00B050"/>
+              </a:buClr>
+              <a:buSzPct val="150000"/>
+              <a:buFont typeface="Wingdings" panose="05000000000000000000" pitchFamily="2" charset="2"/>
+              <a:buChar char="ü"/>
+            </a:pPr>
+            <a:r>
+              <a:rPr lang="es-ES" dirty="0" err="1"/>
+              <a:t>ClassWeights</a:t>
+            </a:r>
+            <a:r>
+              <a:rPr lang="es-ES" dirty="0"/>
+              <a:t> 1:4</a:t>
+            </a:r>
+          </a:p>
+          <a:p>
+            <a:endParaRPr lang="es-ES" dirty="0"/>
+          </a:p>
+          <a:p>
+            <a:r>
+              <a:rPr lang="es-ES" sz="1600" b="1" dirty="0" err="1"/>
+              <a:t>Caracteristicas</a:t>
+            </a:r>
+            <a:r>
+              <a:rPr lang="es-ES" sz="1600" b="1" dirty="0"/>
+              <a:t>: </a:t>
+            </a:r>
+          </a:p>
+          <a:p>
+            <a:endParaRPr lang="es-ES" dirty="0"/>
+          </a:p>
+          <a:p>
+            <a:pPr marL="285750" indent="-285750">
+              <a:buClr>
+                <a:srgbClr val="00B050"/>
+              </a:buClr>
+              <a:buSzPct val="150000"/>
+              <a:buFont typeface="Wingdings" panose="05000000000000000000" pitchFamily="2" charset="2"/>
+              <a:buChar char="ü"/>
+            </a:pPr>
+            <a:r>
+              <a:rPr lang="es-ES" dirty="0"/>
+              <a:t>No hay </a:t>
+            </a:r>
+            <a:r>
+              <a:rPr lang="es-ES" dirty="0" err="1"/>
+              <a:t>overfitting</a:t>
+            </a:r>
+            <a:r>
+              <a:rPr lang="es-ES" dirty="0"/>
+              <a:t> y es estable.</a:t>
+            </a:r>
+          </a:p>
+          <a:p>
+            <a:pPr marL="285750" indent="-285750">
+              <a:buClr>
+                <a:srgbClr val="00B050"/>
+              </a:buClr>
+              <a:buSzPct val="150000"/>
+              <a:buFont typeface="Wingdings" panose="05000000000000000000" pitchFamily="2" charset="2"/>
+              <a:buChar char="ü"/>
+            </a:pPr>
+            <a:r>
+              <a:rPr lang="es-ES" dirty="0" err="1"/>
+              <a:t>Dummy</a:t>
+            </a:r>
+            <a:r>
+              <a:rPr lang="es-ES" dirty="0"/>
+              <a:t> &amp; </a:t>
+            </a:r>
+            <a:r>
+              <a:rPr lang="es-ES" dirty="0" err="1"/>
+              <a:t>Scale</a:t>
+            </a:r>
+            <a:endParaRPr lang="es-ES" dirty="0"/>
+          </a:p>
+          <a:p>
+            <a:pPr marL="285750" indent="-285750">
+              <a:buClr>
+                <a:srgbClr val="00B050"/>
+              </a:buClr>
+              <a:buSzPct val="150000"/>
+              <a:buFont typeface="Wingdings" panose="05000000000000000000" pitchFamily="2" charset="2"/>
+              <a:buChar char="ü"/>
+            </a:pPr>
+            <a:r>
+              <a:rPr lang="es-ES" dirty="0" err="1"/>
+              <a:t>Tuning</a:t>
+            </a:r>
+            <a:r>
+              <a:rPr lang="es-ES" dirty="0"/>
+              <a:t> de </a:t>
+            </a:r>
+            <a:r>
+              <a:rPr lang="es-ES" dirty="0" err="1"/>
+              <a:t>hiperparémetros</a:t>
+            </a:r>
+            <a:r>
+              <a:rPr lang="es-ES" dirty="0"/>
+              <a:t>.</a:t>
+            </a:r>
+          </a:p>
+          <a:p>
+            <a:pPr marL="285750" indent="-285750">
+              <a:buClr>
+                <a:srgbClr val="00B050"/>
+              </a:buClr>
+              <a:buSzPct val="150000"/>
+              <a:buFont typeface="Wingdings" panose="05000000000000000000" pitchFamily="2" charset="2"/>
+              <a:buChar char="ü"/>
+            </a:pPr>
+            <a:r>
+              <a:rPr lang="es-ES" dirty="0"/>
+              <a:t>Métricas obtenidas con p=0.52.</a:t>
+            </a:r>
+          </a:p>
+          <a:p>
+            <a:pPr marL="285750" indent="-285750">
+              <a:buFont typeface="Wingdings" panose="05000000000000000000" pitchFamily="2" charset="2"/>
+              <a:buChar char="ü"/>
+            </a:pPr>
+            <a:endParaRPr lang="es-ES" dirty="0"/>
+          </a:p>
+        </p:txBody>
+      </p:sp>
+      <p:sp>
+        <p:nvSpPr>
+          <p:cNvPr id="4" name="Rectángulo: esquinas redondeadas 3">
+            <a:extLst>
+              <a:ext uri="{FF2B5EF4-FFF2-40B4-BE49-F238E27FC236}">
+                <a16:creationId xmlns:a16="http://schemas.microsoft.com/office/drawing/2014/main" id="{9FF60DD8-7BD7-E38D-944E-F6DEDB581C57}"/>
+              </a:ext>
+            </a:extLst>
+          </p:cNvPr>
+          <p:cNvSpPr/>
+          <p:nvPr/>
+        </p:nvSpPr>
+        <p:spPr>
+          <a:xfrm>
+            <a:off x="6467637" y="2550108"/>
+            <a:ext cx="2321943" cy="1360969"/>
+          </a:xfrm>
+          <a:prstGeom prst="roundRect">
+            <a:avLst/>
+          </a:prstGeom>
+        </p:spPr>
+        <p:style>
+          <a:lnRef idx="2">
+            <a:schemeClr val="accent1">
+              <a:shade val="15000"/>
+            </a:schemeClr>
+          </a:lnRef>
+          <a:fillRef idx="1">
+            <a:schemeClr val="accent1"/>
+          </a:fillRef>
+          <a:effectRef idx="0">
+            <a:schemeClr val="accent1"/>
+          </a:effectRef>
+          <a:fontRef idx="minor">
+            <a:schemeClr val="lt1"/>
+          </a:fontRef>
+        </p:style>
+        <p:txBody>
+          <a:bodyPr rtlCol="0" anchor="ctr"/>
+          <a:lstStyle/>
+          <a:p>
+            <a:pPr algn="ctr"/>
+            <a:r>
+              <a:rPr lang="es-ES" dirty="0"/>
+              <a:t>eta = 0.05</a:t>
+            </a:r>
+          </a:p>
+          <a:p>
+            <a:pPr algn="ctr"/>
+            <a:r>
+              <a:rPr lang="es-ES" dirty="0" err="1"/>
+              <a:t>max_depth</a:t>
+            </a:r>
+            <a:r>
+              <a:rPr lang="es-ES" dirty="0"/>
+              <a:t> = 4</a:t>
+            </a:r>
+          </a:p>
+          <a:p>
+            <a:pPr algn="ctr"/>
+            <a:r>
+              <a:rPr lang="es-ES" dirty="0"/>
+              <a:t> </a:t>
+            </a:r>
+            <a:r>
+              <a:rPr lang="es-ES" dirty="0" err="1"/>
+              <a:t>subsample</a:t>
+            </a:r>
+            <a:r>
+              <a:rPr lang="es-ES" dirty="0"/>
+              <a:t> = 0.7,</a:t>
+            </a:r>
+          </a:p>
+          <a:p>
+            <a:pPr algn="ctr"/>
+            <a:r>
+              <a:rPr lang="es-ES" dirty="0"/>
+              <a:t> </a:t>
+            </a:r>
+            <a:r>
+              <a:rPr lang="es-ES" dirty="0" err="1"/>
+              <a:t>colsample_bytree</a:t>
+            </a:r>
+            <a:r>
+              <a:rPr lang="es-ES" dirty="0"/>
+              <a:t> = 0.7 </a:t>
+            </a:r>
+            <a:r>
+              <a:rPr lang="es-ES" dirty="0" err="1"/>
+              <a:t>scale_pos_weight</a:t>
+            </a:r>
+            <a:r>
+              <a:rPr lang="es-ES" dirty="0"/>
+              <a:t> = 4 </a:t>
+            </a:r>
+          </a:p>
+        </p:txBody>
+      </p:sp>
+      <p:sp>
+        <p:nvSpPr>
+          <p:cNvPr id="5" name="CuadroTexto 4">
+            <a:extLst>
+              <a:ext uri="{FF2B5EF4-FFF2-40B4-BE49-F238E27FC236}">
+                <a16:creationId xmlns:a16="http://schemas.microsoft.com/office/drawing/2014/main" id="{4A5074BF-9E07-DBDF-60C6-F4DC50D14036}"/>
+              </a:ext>
+            </a:extLst>
+          </p:cNvPr>
+          <p:cNvSpPr txBox="1"/>
+          <p:nvPr/>
+        </p:nvSpPr>
+        <p:spPr>
+          <a:xfrm>
+            <a:off x="1120736" y="4085557"/>
+            <a:ext cx="7091385" cy="738664"/>
+          </a:xfrm>
+          <a:prstGeom prst="rect">
+            <a:avLst/>
+          </a:prstGeom>
+        </p:spPr>
+        <p:style>
+          <a:lnRef idx="1">
+            <a:schemeClr val="accent2"/>
+          </a:lnRef>
+          <a:fillRef idx="2">
+            <a:schemeClr val="accent2"/>
+          </a:fillRef>
+          <a:effectRef idx="1">
+            <a:schemeClr val="accent2"/>
+          </a:effectRef>
+          <a:fontRef idx="minor">
+            <a:schemeClr val="dk1"/>
+          </a:fontRef>
+        </p:style>
+        <p:txBody>
+          <a:bodyPr wrap="square" rtlCol="0">
+            <a:spAutoFit/>
+          </a:bodyPr>
+          <a:lstStyle/>
+          <a:p>
+            <a:pPr latinLnBrk="1"/>
+            <a:r>
+              <a:rPr lang="en-US" dirty="0"/>
+              <a:t>Dataset    </a:t>
+            </a:r>
+            <a:r>
+              <a:rPr lang="en-US" dirty="0" err="1"/>
+              <a:t>Error_rate</a:t>
+            </a:r>
+            <a:r>
+              <a:rPr lang="en-US" dirty="0"/>
+              <a:t>  Accuracy   Precision   </a:t>
+            </a:r>
+            <a:r>
+              <a:rPr lang="en-US" dirty="0" err="1"/>
+              <a:t>Recall_Sensitivity</a:t>
+            </a:r>
+            <a:r>
+              <a:rPr lang="en-US" dirty="0"/>
+              <a:t> Specificity   F1_Score</a:t>
+            </a:r>
+          </a:p>
+          <a:p>
+            <a:pPr latinLnBrk="1"/>
+            <a:r>
+              <a:rPr lang="en-US" dirty="0"/>
+              <a:t>1  Train2  0.2328571 0.7671429 0.4483231          0.6616162    0.7938619 0.5344757</a:t>
+            </a:r>
+          </a:p>
+          <a:p>
+            <a:pPr latinLnBrk="1"/>
+            <a:r>
+              <a:rPr lang="en-US" dirty="0"/>
+              <a:t>2   Test2  0.2428571 0.7571429 0.4606918          0.6369565    0.7908537 0.5346715</a:t>
+            </a:r>
+          </a:p>
+        </p:txBody>
+      </p:sp>
+      <p:sp>
+        <p:nvSpPr>
+          <p:cNvPr id="7" name="CuadroTexto 6">
+            <a:extLst>
+              <a:ext uri="{FF2B5EF4-FFF2-40B4-BE49-F238E27FC236}">
+                <a16:creationId xmlns:a16="http://schemas.microsoft.com/office/drawing/2014/main" id="{1A11E12C-10DE-3A1A-8458-5A6C0DE32879}"/>
+              </a:ext>
+            </a:extLst>
+          </p:cNvPr>
+          <p:cNvSpPr txBox="1"/>
+          <p:nvPr/>
+        </p:nvSpPr>
+        <p:spPr>
+          <a:xfrm>
+            <a:off x="333155" y="4349132"/>
+            <a:ext cx="765544" cy="307777"/>
+          </a:xfrm>
+          <a:prstGeom prst="rect">
+            <a:avLst/>
+          </a:prstGeom>
+          <a:noFill/>
+        </p:spPr>
+        <p:txBody>
+          <a:bodyPr wrap="square" rtlCol="0">
+            <a:spAutoFit/>
+          </a:bodyPr>
+          <a:lstStyle/>
+          <a:p>
+            <a:r>
+              <a:rPr lang="es-ES" dirty="0"/>
+              <a:t>p=0.47</a:t>
+            </a:r>
+          </a:p>
+        </p:txBody>
+      </p:sp>
+      <p:sp>
+        <p:nvSpPr>
+          <p:cNvPr id="3" name="CuadroTexto 2">
+            <a:extLst>
+              <a:ext uri="{FF2B5EF4-FFF2-40B4-BE49-F238E27FC236}">
+                <a16:creationId xmlns:a16="http://schemas.microsoft.com/office/drawing/2014/main" id="{70E38204-24A2-51F6-9008-1CAD6727006D}"/>
+              </a:ext>
+            </a:extLst>
+          </p:cNvPr>
+          <p:cNvSpPr txBox="1"/>
+          <p:nvPr/>
+        </p:nvSpPr>
+        <p:spPr>
+          <a:xfrm>
+            <a:off x="1120736" y="4085557"/>
+            <a:ext cx="7091385" cy="738664"/>
+          </a:xfrm>
+          <a:prstGeom prst="rect">
+            <a:avLst/>
+          </a:prstGeom>
+        </p:spPr>
+        <p:style>
+          <a:lnRef idx="1">
+            <a:schemeClr val="accent2"/>
+          </a:lnRef>
+          <a:fillRef idx="2">
+            <a:schemeClr val="accent2"/>
+          </a:fillRef>
+          <a:effectRef idx="1">
+            <a:schemeClr val="accent2"/>
+          </a:effectRef>
+          <a:fontRef idx="minor">
+            <a:schemeClr val="dk1"/>
+          </a:fontRef>
+        </p:style>
+        <p:txBody>
+          <a:bodyPr wrap="square" rtlCol="0">
+            <a:spAutoFit/>
+          </a:bodyPr>
+          <a:lstStyle/>
+          <a:p>
+            <a:pPr latinLnBrk="1"/>
+            <a:r>
+              <a:rPr lang="en-US" dirty="0"/>
+              <a:t> Dataset  </a:t>
+            </a:r>
+            <a:r>
+              <a:rPr lang="en-US" dirty="0" err="1"/>
+              <a:t>Error_rate</a:t>
+            </a:r>
+            <a:r>
+              <a:rPr lang="en-US" dirty="0"/>
+              <a:t>   Accuracy    Precision    </a:t>
+            </a:r>
+            <a:r>
+              <a:rPr lang="en-US" dirty="0" err="1"/>
+              <a:t>Recall_Sensitivity</a:t>
+            </a:r>
+            <a:r>
+              <a:rPr lang="en-US" dirty="0"/>
+              <a:t> Specificity   F1_Score</a:t>
+            </a:r>
+          </a:p>
+          <a:p>
+            <a:pPr latinLnBrk="1"/>
+            <a:r>
+              <a:rPr lang="en-US" dirty="0"/>
+              <a:t>1  Train2  0.2775510  0.7224490  0.3984632          0.7333333    0.7196931  0.5163585</a:t>
+            </a:r>
+          </a:p>
+          <a:p>
+            <a:pPr latinLnBrk="1"/>
+            <a:r>
+              <a:rPr lang="en-US" dirty="0"/>
+              <a:t>2   Test2  0.2914286  0.7085714  0.4025641          0.6826087    0.7158537  0.5064516</a:t>
+            </a:r>
+          </a:p>
+        </p:txBody>
+      </p:sp>
+    </p:spTree>
+  </p:cSld>
+  <p:clrMapOvr>
+    <a:masterClrMapping/>
+  </p:clrMapOvr>
+  <p:timing>
+    <p:tnLst>
+      <p:par>
+        <p:cTn id="1" dur="indefinite" restart="never" nodeType="tmRoot">
+          <p:childTnLst>
+            <p:seq concurrent="1" nextAc="seek">
+              <p:cTn id="2" dur="indefinite" nodeType="mainSeq">
+                <p:childTnLst>
+                  <p:par>
+                    <p:cTn id="3" fill="hold">
+                      <p:stCondLst>
+                        <p:cond delay="indefinite"/>
+                        <p:cond evt="onBegin" delay="0">
+                          <p:tn val="2"/>
+                        </p:cond>
+                      </p:stCondLst>
+                      <p:childTnLst>
+                        <p:par>
+                          <p:cTn id="4" fill="hold">
+                            <p:stCondLst>
+                              <p:cond delay="0"/>
+                            </p:stCondLst>
+                            <p:childTnLst>
+                              <p:par>
+                                <p:cTn id="5" presetID="42" presetClass="entr" presetSubtype="0" fill="hold" grpId="0" nodeType="withEffect">
+                                  <p:stCondLst>
+                                    <p:cond delay="0"/>
+                                  </p:stCondLst>
+                                  <p:childTnLst>
+                                    <p:set>
+                                      <p:cBhvr>
+                                        <p:cTn id="6" dur="1" fill="hold">
+                                          <p:stCondLst>
+                                            <p:cond delay="0"/>
+                                          </p:stCondLst>
+                                        </p:cTn>
+                                        <p:tgtEl>
+                                          <p:spTgt spid="7"/>
+                                        </p:tgtEl>
+                                        <p:attrNameLst>
+                                          <p:attrName>style.visibility</p:attrName>
+                                        </p:attrNameLst>
+                                      </p:cBhvr>
+                                      <p:to>
+                                        <p:strVal val="visible"/>
+                                      </p:to>
+                                    </p:set>
+                                    <p:animEffect transition="in" filter="fade">
+                                      <p:cBhvr>
+                                        <p:cTn id="7" dur="1000"/>
+                                        <p:tgtEl>
+                                          <p:spTgt spid="7"/>
+                                        </p:tgtEl>
+                                      </p:cBhvr>
+                                    </p:animEffect>
+                                    <p:anim calcmode="lin" valueType="num">
+                                      <p:cBhvr>
+                                        <p:cTn id="8" dur="1000" fill="hold"/>
+                                        <p:tgtEl>
+                                          <p:spTgt spid="7"/>
+                                        </p:tgtEl>
+                                        <p:attrNameLst>
+                                          <p:attrName>ppt_x</p:attrName>
+                                        </p:attrNameLst>
+                                      </p:cBhvr>
+                                      <p:tavLst>
+                                        <p:tav tm="0">
+                                          <p:val>
+                                            <p:strVal val="#ppt_x"/>
+                                          </p:val>
+                                        </p:tav>
+                                        <p:tav tm="100000">
+                                          <p:val>
+                                            <p:strVal val="#ppt_x"/>
+                                          </p:val>
+                                        </p:tav>
+                                      </p:tavLst>
+                                    </p:anim>
+                                    <p:anim calcmode="lin" valueType="num">
+                                      <p:cBhvr>
+                                        <p:cTn id="9" dur="1000" fill="hold"/>
+                                        <p:tgtEl>
+                                          <p:spTgt spid="7"/>
+                                        </p:tgtEl>
+                                        <p:attrNameLst>
+                                          <p:attrName>ppt_y</p:attrName>
+                                        </p:attrNameLst>
+                                      </p:cBhvr>
+                                      <p:tavLst>
+                                        <p:tav tm="0">
+                                          <p:val>
+                                            <p:strVal val="#ppt_y+.1"/>
+                                          </p:val>
+                                        </p:tav>
+                                        <p:tav tm="100000">
+                                          <p:val>
+                                            <p:strVal val="#ppt_y"/>
+                                          </p:val>
+                                        </p:tav>
+                                      </p:tavLst>
+                                    </p:anim>
+                                  </p:childTnLst>
+                                </p:cTn>
+                              </p:par>
+                              <p:par>
+                                <p:cTn id="10" presetID="42" presetClass="entr" presetSubtype="0" fill="hold" grpId="0" nodeType="withEffect">
+                                  <p:stCondLst>
+                                    <p:cond delay="0"/>
+                                  </p:stCondLst>
+                                  <p:childTnLst>
+                                    <p:set>
+                                      <p:cBhvr>
+                                        <p:cTn id="11" dur="1" fill="hold">
+                                          <p:stCondLst>
+                                            <p:cond delay="0"/>
+                                          </p:stCondLst>
+                                        </p:cTn>
+                                        <p:tgtEl>
+                                          <p:spTgt spid="3"/>
+                                        </p:tgtEl>
+                                        <p:attrNameLst>
+                                          <p:attrName>style.visibility</p:attrName>
+                                        </p:attrNameLst>
+                                      </p:cBhvr>
+                                      <p:to>
+                                        <p:strVal val="visible"/>
+                                      </p:to>
+                                    </p:set>
+                                    <p:animEffect transition="in" filter="fade">
+                                      <p:cBhvr>
+                                        <p:cTn id="12" dur="1000"/>
+                                        <p:tgtEl>
+                                          <p:spTgt spid="3"/>
+                                        </p:tgtEl>
+                                      </p:cBhvr>
+                                    </p:animEffect>
+                                    <p:anim calcmode="lin" valueType="num">
+                                      <p:cBhvr>
+                                        <p:cTn id="13" dur="1000" fill="hold"/>
+                                        <p:tgtEl>
+                                          <p:spTgt spid="3"/>
+                                        </p:tgtEl>
+                                        <p:attrNameLst>
+                                          <p:attrName>ppt_x</p:attrName>
+                                        </p:attrNameLst>
+                                      </p:cBhvr>
+                                      <p:tavLst>
+                                        <p:tav tm="0">
+                                          <p:val>
+                                            <p:strVal val="#ppt_x"/>
+                                          </p:val>
+                                        </p:tav>
+                                        <p:tav tm="100000">
+                                          <p:val>
+                                            <p:strVal val="#ppt_x"/>
+                                          </p:val>
+                                        </p:tav>
+                                      </p:tavLst>
+                                    </p:anim>
+                                    <p:anim calcmode="lin" valueType="num">
+                                      <p:cBhvr>
+                                        <p:cTn id="14" dur="1000" fill="hold"/>
+                                        <p:tgtEl>
+                                          <p:spTgt spid="3"/>
+                                        </p:tgtEl>
+                                        <p:attrNameLst>
+                                          <p:attrName>ppt_y</p:attrName>
+                                        </p:attrNameLst>
+                                      </p:cBhvr>
+                                      <p:tavLst>
+                                        <p:tav tm="0">
+                                          <p:val>
+                                            <p:strVal val="#ppt_y+.1"/>
+                                          </p:val>
+                                        </p:tav>
+                                        <p:tav tm="100000">
+                                          <p:val>
+                                            <p:strVal val="#ppt_y"/>
+                                          </p:val>
+                                        </p:tav>
+                                      </p:tavLst>
+                                    </p:anim>
+                                  </p:childTnLst>
+                                </p:cTn>
+                              </p:par>
+                            </p:childTnLst>
+                          </p:cTn>
+                        </p:par>
+                      </p:childTnLst>
+                    </p:cTn>
+                  </p:par>
+                </p:childTnLst>
+              </p:cTn>
+              <p:prevCondLst>
+                <p:cond evt="onPrev" delay="0">
+                  <p:tgtEl>
+                    <p:sldTgt/>
+                  </p:tgtEl>
+                </p:cond>
+              </p:prevCondLst>
+              <p:nextCondLst>
+                <p:cond evt="onNext" delay="0">
+                  <p:tgtEl>
+                    <p:sldTgt/>
+                  </p:tgtEl>
+                </p:cond>
+              </p:nextCondLst>
+            </p:seq>
+          </p:childTnLst>
+        </p:cTn>
+      </p:par>
+    </p:tnLst>
+    <p:bldLst>
+      <p:bldP spid="7" grpId="0"/>
+      <p:bldP spid="3" grpId="0" animBg="1"/>
+    </p:bldLst>
+  </p:timing>
+</p:sld>
+</file>
+
+<file path=ppt/slides/slide11.xml><?xml version="1.0" encoding="utf-8"?>
+<p:sld xmlns:a="http://schemas.openxmlformats.org/drawingml/2006/main" xmlns:r="http://schemas.openxmlformats.org/officeDocument/2006/relationships" xmlns:p="http://schemas.openxmlformats.org/presentationml/2006/main">
+  <p:cSld>
+    <p:spTree>
+      <p:nvGrpSpPr>
+        <p:cNvPr id="1" name=""/>
+        <p:cNvGrpSpPr/>
+        <p:nvPr/>
+      </p:nvGrpSpPr>
+      <p:grpSpPr>
+        <a:xfrm>
+          <a:off x="0" y="0"/>
+          <a:ext cx="0" cy="0"/>
+          <a:chOff x="0" y="0"/>
+          <a:chExt cx="0" cy="0"/>
+        </a:xfrm>
+      </p:grpSpPr>
+      <p:sp>
+        <p:nvSpPr>
+          <p:cNvPr id="2" name="Título 1"/>
+          <p:cNvSpPr>
+            <a:spLocks noGrp="1"/>
+          </p:cNvSpPr>
+          <p:nvPr>
+            <p:ph type="title"/>
+          </p:nvPr>
+        </p:nvSpPr>
+        <p:spPr/>
+        <p:txBody>
+          <a:bodyPr/>
+          <a:lstStyle/>
+          <a:p>
+            <a:r>
               <a:rPr lang="es-ES" dirty="0"/>
               <a:t>GLM</a:t>
             </a:r>
@@ -14223,7 +19676,7 @@
 </p:sld>
 </file>
 
-<file path=ppt/slides/slide11.xml><?xml version="1.0" encoding="utf-8"?>
+<file path=ppt/slides/slide12.xml><?xml version="1.0" encoding="utf-8"?>
 <p:sld xmlns:a="http://schemas.openxmlformats.org/drawingml/2006/main" xmlns:r="http://schemas.openxmlformats.org/officeDocument/2006/relationships" xmlns:p="http://schemas.openxmlformats.org/presentationml/2006/main">
   <p:cSld>
     <p:spTree>
@@ -14715,7 +20168,7 @@
 </p:sld>
 </file>
 
-<file path=ppt/slides/slide12.xml><?xml version="1.0" encoding="utf-8"?>
+<file path=ppt/slides/slide13.xml><?xml version="1.0" encoding="utf-8"?>
 <p:sld xmlns:a="http://schemas.openxmlformats.org/drawingml/2006/main" xmlns:r="http://schemas.openxmlformats.org/officeDocument/2006/relationships" xmlns:p="http://schemas.openxmlformats.org/presentationml/2006/main">
   <p:cSld>
     <p:spTree>
@@ -15415,7 +20868,7 @@
 </p:sld>
 </file>
 
-<file path=ppt/slides/slide13.xml><?xml version="1.0" encoding="utf-8"?>
+<file path=ppt/slides/slide14.xml><?xml version="1.0" encoding="utf-8"?>
 <p:sld xmlns:a="http://schemas.openxmlformats.org/drawingml/2006/main" xmlns:r="http://schemas.openxmlformats.org/officeDocument/2006/relationships" xmlns:p="http://schemas.openxmlformats.org/presentationml/2006/main">
   <p:cSld>
     <p:spTree>
@@ -18040,7 +23493,7 @@
 </p:sld>
 </file>
 
-<file path=ppt/slides/slide14.xml><?xml version="1.0" encoding="utf-8"?>
+<file path=ppt/slides/slide15.xml><?xml version="1.0" encoding="utf-8"?>
 <p:sld xmlns:a="http://schemas.openxmlformats.org/drawingml/2006/main" xmlns:r="http://schemas.openxmlformats.org/officeDocument/2006/relationships" xmlns:p="http://schemas.openxmlformats.org/presentationml/2006/main">
   <p:cSld>
     <p:spTree>
@@ -22190,6 +27643,1604 @@
   <p:cSld>
     <p:spTree>
       <p:nvGrpSpPr>
+        <p:cNvPr id="1" name="Shape 620"/>
+        <p:cNvGrpSpPr/>
+        <p:nvPr/>
+      </p:nvGrpSpPr>
+      <p:grpSpPr>
+        <a:xfrm>
+          <a:off x="0" y="0"/>
+          <a:ext cx="0" cy="0"/>
+          <a:chOff x="0" y="0"/>
+          <a:chExt cx="0" cy="0"/>
+        </a:xfrm>
+      </p:grpSpPr>
+      <p:sp>
+        <p:nvSpPr>
+          <p:cNvPr id="633" name="Google Shape;633;p34"/>
+          <p:cNvSpPr txBox="1">
+            <a:spLocks noGrp="1"/>
+          </p:cNvSpPr>
+          <p:nvPr>
+            <p:ph type="title"/>
+          </p:nvPr>
+        </p:nvSpPr>
+        <p:spPr>
+          <a:xfrm>
+            <a:off x="290457" y="539500"/>
+            <a:ext cx="8638390" cy="572700"/>
+          </a:xfrm>
+          <a:prstGeom prst="rect">
+            <a:avLst/>
+          </a:prstGeom>
+        </p:spPr>
+        <p:txBody>
+          <a:bodyPr spcFirstLastPara="1" wrap="square" lIns="91425" tIns="91425" rIns="91425" bIns="91425" anchor="t" anchorCtr="0">
+            <a:noAutofit/>
+          </a:bodyPr>
+          <a:lstStyle/>
+          <a:p>
+            <a:pPr lvl="0"/>
+            <a:r>
+              <a:rPr lang="es-ES" dirty="0"/>
+              <a:t>PRIMEROS MODELOS</a:t>
+            </a:r>
+            <a:endParaRPr dirty="0"/>
+          </a:p>
+        </p:txBody>
+      </p:sp>
+      <p:graphicFrame>
+        <p:nvGraphicFramePr>
+          <p:cNvPr id="4" name="Tabla 3"/>
+          <p:cNvGraphicFramePr>
+            <a:graphicFrameLocks noGrp="1"/>
+          </p:cNvGraphicFramePr>
+          <p:nvPr/>
+        </p:nvGraphicFramePr>
+        <p:xfrm>
+          <a:off x="2462406" y="2051066"/>
+          <a:ext cx="4374692" cy="520684"/>
+        </p:xfrm>
+        <a:graphic>
+          <a:graphicData uri="http://schemas.openxmlformats.org/drawingml/2006/table">
+            <a:tbl>
+              <a:tblPr/>
+              <a:tblGrid>
+                <a:gridCol w="611319">
+                  <a:extLst>
+                    <a:ext uri="{9D8B030D-6E8A-4147-A177-3AD203B41FA5}">
+                      <a16:colId xmlns:a16="http://schemas.microsoft.com/office/drawing/2014/main" val="20001"/>
+                    </a:ext>
+                  </a:extLst>
+                </a:gridCol>
+                <a:gridCol w="736805">
+                  <a:extLst>
+                    <a:ext uri="{9D8B030D-6E8A-4147-A177-3AD203B41FA5}">
+                      <a16:colId xmlns:a16="http://schemas.microsoft.com/office/drawing/2014/main" val="20002"/>
+                    </a:ext>
+                  </a:extLst>
+                </a:gridCol>
+                <a:gridCol w="736805">
+                  <a:extLst>
+                    <a:ext uri="{9D8B030D-6E8A-4147-A177-3AD203B41FA5}">
+                      <a16:colId xmlns:a16="http://schemas.microsoft.com/office/drawing/2014/main" val="20003"/>
+                    </a:ext>
+                  </a:extLst>
+                </a:gridCol>
+                <a:gridCol w="816153">
+                  <a:extLst>
+                    <a:ext uri="{9D8B030D-6E8A-4147-A177-3AD203B41FA5}">
+                      <a16:colId xmlns:a16="http://schemas.microsoft.com/office/drawing/2014/main" val="20004"/>
+                    </a:ext>
+                  </a:extLst>
+                </a:gridCol>
+                <a:gridCol w="736805">
+                  <a:extLst>
+                    <a:ext uri="{9D8B030D-6E8A-4147-A177-3AD203B41FA5}">
+                      <a16:colId xmlns:a16="http://schemas.microsoft.com/office/drawing/2014/main" val="20005"/>
+                    </a:ext>
+                  </a:extLst>
+                </a:gridCol>
+                <a:gridCol w="736805">
+                  <a:extLst>
+                    <a:ext uri="{9D8B030D-6E8A-4147-A177-3AD203B41FA5}">
+                      <a16:colId xmlns:a16="http://schemas.microsoft.com/office/drawing/2014/main" val="20006"/>
+                    </a:ext>
+                  </a:extLst>
+                </a:gridCol>
+              </a:tblGrid>
+              <a:tr h="260342">
+                <a:tc>
+                  <a:txBody>
+                    <a:bodyPr/>
+                    <a:lstStyle/>
+                    <a:p>
+                      <a:pPr algn="l" fontAlgn="ctr">
+                        <a:buNone/>
+                      </a:pPr>
+                      <a:r>
+                        <a:rPr lang="es-ES" sz="1100" b="1" i="0" u="none" strike="noStrike" dirty="0">
+                          <a:solidFill>
+                            <a:srgbClr val="000000"/>
+                          </a:solidFill>
+                          <a:effectLst/>
+                          <a:latin typeface="+mj-lt"/>
+                        </a:rPr>
+                        <a:t>TRAIN</a:t>
+                      </a:r>
+                    </a:p>
+                  </a:txBody>
+                  <a:tcPr marL="7620" marR="7620" marT="7620" marB="0" anchor="ctr"/>
+                </a:tc>
+                <a:tc>
+                  <a:txBody>
+                    <a:bodyPr/>
+                    <a:lstStyle/>
+                    <a:p>
+                      <a:pPr algn="l" fontAlgn="ctr">
+                        <a:buNone/>
+                      </a:pPr>
+                      <a:r>
+                        <a:rPr lang="es-ES" sz="1100" b="1" u="none" strike="noStrike" dirty="0">
+                          <a:effectLst/>
+                          <a:latin typeface="+mj-lt"/>
+                        </a:rPr>
+                        <a:t>0.7477551</a:t>
+                      </a:r>
+                      <a:endParaRPr lang="es-ES" sz="1100" b="1" i="0" u="none" strike="noStrike" dirty="0">
+                        <a:solidFill>
+                          <a:srgbClr val="000000"/>
+                        </a:solidFill>
+                        <a:effectLst/>
+                        <a:latin typeface="+mj-lt"/>
+                      </a:endParaRPr>
+                    </a:p>
+                  </a:txBody>
+                  <a:tcPr marL="7620" marR="7620" marT="7620" marB="0" anchor="ctr"/>
+                </a:tc>
+                <a:tc>
+                  <a:txBody>
+                    <a:bodyPr/>
+                    <a:lstStyle/>
+                    <a:p>
+                      <a:pPr algn="l" fontAlgn="ctr">
+                        <a:buNone/>
+                      </a:pPr>
+                      <a:r>
+                        <a:rPr lang="es-ES" sz="1100" b="1" u="none" strike="noStrike" dirty="0">
+                          <a:effectLst/>
+                          <a:latin typeface="+mj-lt"/>
+                        </a:rPr>
+                        <a:t>0.4010743</a:t>
+                      </a:r>
+                      <a:endParaRPr lang="es-ES" sz="1100" b="1" i="0" u="none" strike="noStrike" dirty="0">
+                        <a:solidFill>
+                          <a:srgbClr val="000000"/>
+                        </a:solidFill>
+                        <a:effectLst/>
+                        <a:latin typeface="+mj-lt"/>
+                      </a:endParaRPr>
+                    </a:p>
+                  </a:txBody>
+                  <a:tcPr marL="7620" marR="7620" marT="7620" marB="0" anchor="ctr"/>
+                </a:tc>
+                <a:tc>
+                  <a:txBody>
+                    <a:bodyPr/>
+                    <a:lstStyle/>
+                    <a:p>
+                      <a:pPr algn="l" fontAlgn="ctr">
+                        <a:buNone/>
+                      </a:pPr>
+                      <a:r>
+                        <a:rPr lang="es-ES" sz="1100" b="1" u="none" strike="noStrike">
+                          <a:effectLst/>
+                          <a:latin typeface="+mj-lt"/>
+                        </a:rPr>
+                        <a:t>0.4413793</a:t>
+                      </a:r>
+                      <a:endParaRPr lang="es-ES" sz="1100" b="1" i="0" u="none" strike="noStrike">
+                        <a:solidFill>
+                          <a:srgbClr val="000000"/>
+                        </a:solidFill>
+                        <a:effectLst/>
+                        <a:latin typeface="+mj-lt"/>
+                      </a:endParaRPr>
+                    </a:p>
+                  </a:txBody>
+                  <a:tcPr marL="7620" marR="7620" marT="7620" marB="0" anchor="ctr"/>
+                </a:tc>
+                <a:tc>
+                  <a:txBody>
+                    <a:bodyPr/>
+                    <a:lstStyle/>
+                    <a:p>
+                      <a:pPr algn="l" fontAlgn="ctr">
+                        <a:buNone/>
+                      </a:pPr>
+                      <a:r>
+                        <a:rPr lang="es-ES" sz="1100" b="1" u="none" strike="noStrike" dirty="0">
+                          <a:effectLst/>
+                          <a:latin typeface="+mj-lt"/>
+                        </a:rPr>
+                        <a:t>0.8277992</a:t>
+                      </a:r>
+                      <a:endParaRPr lang="es-ES" sz="1100" b="1" i="0" u="none" strike="noStrike" dirty="0">
+                        <a:solidFill>
+                          <a:srgbClr val="000000"/>
+                        </a:solidFill>
+                        <a:effectLst/>
+                        <a:latin typeface="+mj-lt"/>
+                      </a:endParaRPr>
+                    </a:p>
+                  </a:txBody>
+                  <a:tcPr marL="7620" marR="7620" marT="7620" marB="0" anchor="ctr"/>
+                </a:tc>
+                <a:tc>
+                  <a:txBody>
+                    <a:bodyPr/>
+                    <a:lstStyle/>
+                    <a:p>
+                      <a:pPr algn="l" fontAlgn="ctr">
+                        <a:buNone/>
+                      </a:pPr>
+                      <a:r>
+                        <a:rPr lang="es-ES" sz="1100" b="1" u="none" strike="noStrike" dirty="0">
+                          <a:effectLst/>
+                          <a:latin typeface="+mj-lt"/>
+                        </a:rPr>
+                        <a:t>0.4202627</a:t>
+                      </a:r>
+                      <a:endParaRPr lang="es-ES" sz="1100" b="1" i="0" u="none" strike="noStrike" dirty="0">
+                        <a:solidFill>
+                          <a:srgbClr val="000000"/>
+                        </a:solidFill>
+                        <a:effectLst/>
+                        <a:latin typeface="+mj-lt"/>
+                      </a:endParaRPr>
+                    </a:p>
+                  </a:txBody>
+                  <a:tcPr marL="7620" marR="7620" marT="7620" marB="0" anchor="ctr"/>
+                </a:tc>
+                <a:extLst>
+                  <a:ext uri="{0D108BD9-81ED-4DB2-BD59-A6C34878D82A}">
+                    <a16:rowId xmlns:a16="http://schemas.microsoft.com/office/drawing/2014/main" val="10001"/>
+                  </a:ext>
+                </a:extLst>
+              </a:tr>
+              <a:tr h="260342">
+                <a:tc>
+                  <a:txBody>
+                    <a:bodyPr/>
+                    <a:lstStyle/>
+                    <a:p>
+                      <a:pPr algn="l" fontAlgn="ctr">
+                        <a:buNone/>
+                      </a:pPr>
+                      <a:r>
+                        <a:rPr lang="es-ES" sz="1100" b="1" i="0" u="none" strike="noStrike" dirty="0">
+                          <a:solidFill>
+                            <a:srgbClr val="000000"/>
+                          </a:solidFill>
+                          <a:effectLst/>
+                          <a:latin typeface="+mj-lt"/>
+                        </a:rPr>
+                        <a:t>TEST</a:t>
+                      </a:r>
+                    </a:p>
+                  </a:txBody>
+                  <a:tcPr marL="7620" marR="7620" marT="7620" marB="0" anchor="ctr"/>
+                </a:tc>
+                <a:tc>
+                  <a:txBody>
+                    <a:bodyPr/>
+                    <a:lstStyle/>
+                    <a:p>
+                      <a:pPr algn="l" fontAlgn="ctr">
+                        <a:buNone/>
+                      </a:pPr>
+                      <a:r>
+                        <a:rPr lang="es-ES" sz="1100" b="1" u="none" strike="noStrike" dirty="0">
+                          <a:effectLst/>
+                          <a:latin typeface="+mj-lt"/>
+                        </a:rPr>
+                        <a:t>0.7595238</a:t>
+                      </a:r>
+                      <a:endParaRPr lang="es-ES" sz="1100" b="1" i="0" u="none" strike="noStrike" dirty="0">
+                        <a:solidFill>
+                          <a:srgbClr val="000000"/>
+                        </a:solidFill>
+                        <a:effectLst/>
+                        <a:latin typeface="+mj-lt"/>
+                      </a:endParaRPr>
+                    </a:p>
+                  </a:txBody>
+                  <a:tcPr marL="7620" marR="7620" marT="7620" marB="0" anchor="ctr"/>
+                </a:tc>
+                <a:tc>
+                  <a:txBody>
+                    <a:bodyPr/>
+                    <a:lstStyle/>
+                    <a:p>
+                      <a:pPr algn="l" fontAlgn="ctr">
+                        <a:buNone/>
+                      </a:pPr>
+                      <a:r>
+                        <a:rPr lang="es-ES" sz="1100" b="1" u="none" strike="noStrike" dirty="0">
+                          <a:effectLst/>
+                          <a:latin typeface="+mj-lt"/>
+                        </a:rPr>
+                        <a:t>0.4264706</a:t>
+                      </a:r>
+                      <a:endParaRPr lang="es-ES" sz="1100" b="1" i="0" u="none" strike="noStrike" dirty="0">
+                        <a:solidFill>
+                          <a:srgbClr val="000000"/>
+                        </a:solidFill>
+                        <a:effectLst/>
+                        <a:latin typeface="+mj-lt"/>
+                      </a:endParaRPr>
+                    </a:p>
+                  </a:txBody>
+                  <a:tcPr marL="7620" marR="7620" marT="7620" marB="0" anchor="ctr"/>
+                </a:tc>
+                <a:tc>
+                  <a:txBody>
+                    <a:bodyPr/>
+                    <a:lstStyle/>
+                    <a:p>
+                      <a:pPr algn="l" fontAlgn="ctr">
+                        <a:buNone/>
+                      </a:pPr>
+                      <a:r>
+                        <a:rPr lang="es-ES" sz="1100" b="1" u="none" strike="noStrike" dirty="0">
+                          <a:effectLst/>
+                          <a:latin typeface="+mj-lt"/>
+                        </a:rPr>
+                        <a:t>0.4666667</a:t>
+                      </a:r>
+                      <a:endParaRPr lang="es-ES" sz="1100" b="1" i="0" u="none" strike="noStrike" dirty="0">
+                        <a:solidFill>
+                          <a:srgbClr val="000000"/>
+                        </a:solidFill>
+                        <a:effectLst/>
+                        <a:latin typeface="+mj-lt"/>
+                      </a:endParaRPr>
+                    </a:p>
+                  </a:txBody>
+                  <a:tcPr marL="7620" marR="7620" marT="7620" marB="0" anchor="ctr"/>
+                </a:tc>
+                <a:tc>
+                  <a:txBody>
+                    <a:bodyPr/>
+                    <a:lstStyle/>
+                    <a:p>
+                      <a:pPr algn="l" fontAlgn="ctr">
+                        <a:buNone/>
+                      </a:pPr>
+                      <a:r>
+                        <a:rPr lang="es-ES" sz="1100" b="1" u="none" strike="noStrike" dirty="0">
+                          <a:effectLst/>
+                          <a:latin typeface="+mj-lt"/>
+                        </a:rPr>
+                        <a:t>0.8360360</a:t>
+                      </a:r>
+                      <a:endParaRPr lang="es-ES" sz="1100" b="1" i="0" u="none" strike="noStrike" dirty="0">
+                        <a:solidFill>
+                          <a:srgbClr val="000000"/>
+                        </a:solidFill>
+                        <a:effectLst/>
+                        <a:latin typeface="+mj-lt"/>
+                      </a:endParaRPr>
+                    </a:p>
+                  </a:txBody>
+                  <a:tcPr marL="7620" marR="7620" marT="7620" marB="0" anchor="ctr"/>
+                </a:tc>
+                <a:tc>
+                  <a:txBody>
+                    <a:bodyPr/>
+                    <a:lstStyle/>
+                    <a:p>
+                      <a:pPr algn="l" fontAlgn="ctr">
+                        <a:buNone/>
+                      </a:pPr>
+                      <a:r>
+                        <a:rPr lang="es-ES" sz="1100" b="1" u="none" strike="noStrike" dirty="0">
+                          <a:effectLst/>
+                          <a:latin typeface="+mj-lt"/>
+                        </a:rPr>
+                        <a:t>0.4456641</a:t>
+                      </a:r>
+                      <a:endParaRPr lang="es-ES" sz="1100" b="1" i="0" u="none" strike="noStrike" dirty="0">
+                        <a:solidFill>
+                          <a:srgbClr val="000000"/>
+                        </a:solidFill>
+                        <a:effectLst/>
+                        <a:latin typeface="+mj-lt"/>
+                      </a:endParaRPr>
+                    </a:p>
+                  </a:txBody>
+                  <a:tcPr marL="7620" marR="7620" marT="7620" marB="0" anchor="ctr"/>
+                </a:tc>
+                <a:extLst>
+                  <a:ext uri="{0D108BD9-81ED-4DB2-BD59-A6C34878D82A}">
+                    <a16:rowId xmlns:a16="http://schemas.microsoft.com/office/drawing/2014/main" val="10002"/>
+                  </a:ext>
+                </a:extLst>
+              </a:tr>
+            </a:tbl>
+          </a:graphicData>
+        </a:graphic>
+      </p:graphicFrame>
+      <p:graphicFrame>
+        <p:nvGraphicFramePr>
+          <p:cNvPr id="5" name="Tabla 4"/>
+          <p:cNvGraphicFramePr>
+            <a:graphicFrameLocks noGrp="1"/>
+          </p:cNvGraphicFramePr>
+          <p:nvPr/>
+        </p:nvGraphicFramePr>
+        <p:xfrm>
+          <a:off x="2455224" y="1148854"/>
+          <a:ext cx="4381876" cy="778842"/>
+        </p:xfrm>
+        <a:graphic>
+          <a:graphicData uri="http://schemas.openxmlformats.org/drawingml/2006/table">
+            <a:tbl>
+              <a:tblPr/>
+              <a:tblGrid>
+                <a:gridCol w="641276">
+                  <a:extLst>
+                    <a:ext uri="{9D8B030D-6E8A-4147-A177-3AD203B41FA5}">
+                      <a16:colId xmlns:a16="http://schemas.microsoft.com/office/drawing/2014/main" val="20001"/>
+                    </a:ext>
+                  </a:extLst>
+                </a:gridCol>
+                <a:gridCol w="709607">
+                  <a:extLst>
+                    <a:ext uri="{9D8B030D-6E8A-4147-A177-3AD203B41FA5}">
+                      <a16:colId xmlns:a16="http://schemas.microsoft.com/office/drawing/2014/main" val="20002"/>
+                    </a:ext>
+                  </a:extLst>
+                </a:gridCol>
+                <a:gridCol w="730054">
+                  <a:extLst>
+                    <a:ext uri="{9D8B030D-6E8A-4147-A177-3AD203B41FA5}">
+                      <a16:colId xmlns:a16="http://schemas.microsoft.com/office/drawing/2014/main" val="20003"/>
+                    </a:ext>
+                  </a:extLst>
+                </a:gridCol>
+                <a:gridCol w="839275">
+                  <a:extLst>
+                    <a:ext uri="{9D8B030D-6E8A-4147-A177-3AD203B41FA5}">
+                      <a16:colId xmlns:a16="http://schemas.microsoft.com/office/drawing/2014/main" val="20004"/>
+                    </a:ext>
+                  </a:extLst>
+                </a:gridCol>
+                <a:gridCol w="713544">
+                  <a:extLst>
+                    <a:ext uri="{9D8B030D-6E8A-4147-A177-3AD203B41FA5}">
+                      <a16:colId xmlns:a16="http://schemas.microsoft.com/office/drawing/2014/main" val="20005"/>
+                    </a:ext>
+                  </a:extLst>
+                </a:gridCol>
+                <a:gridCol w="748120">
+                  <a:extLst>
+                    <a:ext uri="{9D8B030D-6E8A-4147-A177-3AD203B41FA5}">
+                      <a16:colId xmlns:a16="http://schemas.microsoft.com/office/drawing/2014/main" val="20006"/>
+                    </a:ext>
+                  </a:extLst>
+                </a:gridCol>
+              </a:tblGrid>
+              <a:tr h="329827">
+                <a:tc>
+                  <a:txBody>
+                    <a:bodyPr/>
+                    <a:lstStyle/>
+                    <a:p>
+                      <a:pPr algn="l" fontAlgn="ctr">
+                        <a:buNone/>
+                      </a:pPr>
+                      <a:r>
+                        <a:rPr lang="en-US" altLang="es-ES" sz="1100" b="1" i="0" u="none" strike="noStrike" dirty="0">
+                          <a:solidFill>
+                            <a:srgbClr val="7030A0"/>
+                          </a:solidFill>
+                          <a:effectLst/>
+                          <a:latin typeface="+mj-lt"/>
+                        </a:rPr>
+                        <a:t>Split</a:t>
+                      </a:r>
+                    </a:p>
+                  </a:txBody>
+                  <a:tcPr marL="7620" marR="7620" marT="7620" marB="0" anchor="ctr"/>
+                </a:tc>
+                <a:tc>
+                  <a:txBody>
+                    <a:bodyPr/>
+                    <a:lstStyle/>
+                    <a:p>
+                      <a:pPr algn="l" fontAlgn="ctr">
+                        <a:buNone/>
+                      </a:pPr>
+                      <a:r>
+                        <a:rPr lang="en-US" altLang="es-ES" sz="1100" b="1" dirty="0">
+                          <a:solidFill>
+                            <a:srgbClr val="7030A0"/>
+                          </a:solidFill>
+                          <a:effectLst/>
+                          <a:latin typeface="+mj-lt"/>
+                          <a:sym typeface="+mn-ea"/>
+                        </a:rPr>
+                        <a:t>Accuracy</a:t>
+                      </a:r>
+                      <a:endParaRPr lang="en-US" altLang="es-ES" sz="1100" b="1" i="0" u="none" strike="noStrike" dirty="0">
+                        <a:solidFill>
+                          <a:srgbClr val="7030A0"/>
+                        </a:solidFill>
+                        <a:effectLst/>
+                        <a:latin typeface="+mj-lt"/>
+                        <a:sym typeface="+mn-ea"/>
+                      </a:endParaRPr>
+                    </a:p>
+                  </a:txBody>
+                  <a:tcPr marL="7620" marR="7620" marT="7620" marB="0" anchor="ctr"/>
+                </a:tc>
+                <a:tc>
+                  <a:txBody>
+                    <a:bodyPr/>
+                    <a:lstStyle/>
+                    <a:p>
+                      <a:pPr algn="l" fontAlgn="ctr">
+                        <a:buNone/>
+                      </a:pPr>
+                      <a:r>
+                        <a:rPr lang="en-US" altLang="zh-CN" sz="1100" b="1" i="0" u="none" strike="noStrike" dirty="0">
+                          <a:solidFill>
+                            <a:srgbClr val="7030A0"/>
+                          </a:solidFill>
+                          <a:effectLst/>
+                          <a:latin typeface="+mj-lt"/>
+                        </a:rPr>
+                        <a:t>Precision</a:t>
+                      </a:r>
+                    </a:p>
+                  </a:txBody>
+                  <a:tcPr marL="7620" marR="7620" marT="7620" marB="0" anchor="ctr"/>
+                </a:tc>
+                <a:tc>
+                  <a:txBody>
+                    <a:bodyPr/>
+                    <a:lstStyle/>
+                    <a:p>
+                      <a:pPr algn="l" fontAlgn="ctr">
+                        <a:buNone/>
+                      </a:pPr>
+                      <a:r>
+                        <a:rPr lang="en-US" altLang="es-ES" sz="1100" b="1" dirty="0">
+                          <a:solidFill>
+                            <a:srgbClr val="7030A0"/>
+                          </a:solidFill>
+                          <a:effectLst/>
+                          <a:latin typeface="+mj-lt"/>
+                          <a:sym typeface="+mn-ea"/>
+                        </a:rPr>
+                        <a:t>Recall</a:t>
+                      </a:r>
+                      <a:endParaRPr lang="en-US" altLang="es-ES" sz="1100" b="1" i="0" u="none" strike="noStrike" dirty="0">
+                        <a:solidFill>
+                          <a:srgbClr val="7030A0"/>
+                        </a:solidFill>
+                        <a:effectLst/>
+                        <a:latin typeface="+mj-lt"/>
+                        <a:sym typeface="+mn-ea"/>
+                      </a:endParaRPr>
+                    </a:p>
+                  </a:txBody>
+                  <a:tcPr marL="7620" marR="7620" marT="7620" marB="0" anchor="ctr"/>
+                </a:tc>
+                <a:tc>
+                  <a:txBody>
+                    <a:bodyPr/>
+                    <a:lstStyle/>
+                    <a:p>
+                      <a:pPr algn="l" fontAlgn="ctr">
+                        <a:buNone/>
+                      </a:pPr>
+                      <a:r>
+                        <a:rPr lang="en-US" altLang="es-ES" sz="1100" b="1" i="0" u="none" strike="noStrike" dirty="0">
+                          <a:solidFill>
+                            <a:srgbClr val="7030A0"/>
+                          </a:solidFill>
+                          <a:effectLst/>
+                          <a:latin typeface="+mj-lt"/>
+                        </a:rPr>
+                        <a:t>Specificity</a:t>
+                      </a:r>
+                    </a:p>
+                  </a:txBody>
+                  <a:tcPr marL="7620" marR="7620" marT="7620" marB="0" anchor="ctr"/>
+                </a:tc>
+                <a:tc>
+                  <a:txBody>
+                    <a:bodyPr/>
+                    <a:lstStyle/>
+                    <a:p>
+                      <a:pPr algn="l" fontAlgn="ctr">
+                        <a:buNone/>
+                      </a:pPr>
+                      <a:r>
+                        <a:rPr lang="en-US" altLang="es-ES" sz="1100" b="1" i="0" u="none" strike="noStrike" dirty="0">
+                          <a:solidFill>
+                            <a:srgbClr val="7030A0"/>
+                          </a:solidFill>
+                          <a:effectLst/>
+                          <a:latin typeface="+mj-lt"/>
+                        </a:rPr>
+                        <a:t>F1-Score</a:t>
+                      </a:r>
+                    </a:p>
+                  </a:txBody>
+                  <a:tcPr marL="7620" marR="7620" marT="7620" marB="0" anchor="ctr"/>
+                </a:tc>
+                <a:extLst>
+                  <a:ext uri="{0D108BD9-81ED-4DB2-BD59-A6C34878D82A}">
+                    <a16:rowId xmlns:a16="http://schemas.microsoft.com/office/drawing/2014/main" val="3840787724"/>
+                  </a:ext>
+                </a:extLst>
+              </a:tr>
+              <a:tr h="244469">
+                <a:tc>
+                  <a:txBody>
+                    <a:bodyPr/>
+                    <a:lstStyle/>
+                    <a:p>
+                      <a:pPr algn="l" fontAlgn="ctr">
+                        <a:buNone/>
+                      </a:pPr>
+                      <a:r>
+                        <a:rPr lang="es-ES" sz="1100" b="1" i="0" u="none" strike="noStrike" dirty="0">
+                          <a:solidFill>
+                            <a:srgbClr val="000000"/>
+                          </a:solidFill>
+                          <a:effectLst/>
+                        </a:rPr>
+                        <a:t>TRAIN</a:t>
+                      </a:r>
+                    </a:p>
+                  </a:txBody>
+                  <a:tcPr marL="7620" marR="7620" marT="7620" marB="0" anchor="ctr"/>
+                </a:tc>
+                <a:tc>
+                  <a:txBody>
+                    <a:bodyPr/>
+                    <a:lstStyle/>
+                    <a:p>
+                      <a:pPr algn="l" fontAlgn="ctr"/>
+                      <a:r>
+                        <a:rPr lang="es-ES" sz="1100" b="1" i="0" dirty="0">
+                          <a:solidFill>
+                            <a:srgbClr val="000000"/>
+                          </a:solidFill>
+                          <a:effectLst/>
+                        </a:rPr>
+                        <a:t>0.7708163</a:t>
+                      </a:r>
+                    </a:p>
+                  </a:txBody>
+                  <a:tcPr marL="9842" marR="9842" marT="9842" marB="0" anchor="ctr"/>
+                </a:tc>
+                <a:tc>
+                  <a:txBody>
+                    <a:bodyPr/>
+                    <a:lstStyle/>
+                    <a:p>
+                      <a:pPr algn="l" fontAlgn="ctr">
+                        <a:buNone/>
+                      </a:pPr>
+                      <a:r>
+                        <a:rPr lang="es-ES" sz="1100" b="1" u="none" strike="noStrike" dirty="0">
+                          <a:effectLst/>
+                        </a:rPr>
+                        <a:t>0.4686241</a:t>
+                      </a:r>
+                    </a:p>
+                  </a:txBody>
+                  <a:tcPr marL="7620" marR="7620" marT="7620" marB="0" anchor="ctr"/>
+                </a:tc>
+                <a:tc>
+                  <a:txBody>
+                    <a:bodyPr/>
+                    <a:lstStyle/>
+                    <a:p>
+                      <a:pPr algn="l" fontAlgn="ctr"/>
+                      <a:r>
+                        <a:rPr lang="es-ES" sz="1100" b="1" i="0" dirty="0">
+                          <a:solidFill>
+                            <a:srgbClr val="000000"/>
+                          </a:solidFill>
+                          <a:effectLst/>
+                        </a:rPr>
+                        <a:t>0.8027613</a:t>
+                      </a:r>
+                    </a:p>
+                  </a:txBody>
+                  <a:tcPr marL="9842" marR="9842" marT="9842" marB="0" anchor="ctr"/>
+                </a:tc>
+                <a:tc>
+                  <a:txBody>
+                    <a:bodyPr/>
+                    <a:lstStyle/>
+                    <a:p>
+                      <a:pPr algn="l" fontAlgn="ctr"/>
+                      <a:r>
+                        <a:rPr lang="es-ES" sz="1100" b="1" i="0" dirty="0">
+                          <a:solidFill>
+                            <a:srgbClr val="000000"/>
+                          </a:solidFill>
+                          <a:effectLst/>
+                        </a:rPr>
+                        <a:t>0.7624807</a:t>
+                      </a:r>
+                    </a:p>
+                  </a:txBody>
+                  <a:tcPr marL="9842" marR="9842" marT="9842" marB="0" anchor="ctr"/>
+                </a:tc>
+                <a:tc>
+                  <a:txBody>
+                    <a:bodyPr/>
+                    <a:lstStyle/>
+                    <a:p>
+                      <a:pPr algn="l" fontAlgn="ctr"/>
+                      <a:r>
+                        <a:rPr lang="es-ES" sz="1100" b="1" i="0" dirty="0">
+                          <a:solidFill>
+                            <a:srgbClr val="000000"/>
+                          </a:solidFill>
+                          <a:effectLst/>
+                        </a:rPr>
+                        <a:t>0.5917848</a:t>
+                      </a:r>
+                    </a:p>
+                  </a:txBody>
+                  <a:tcPr marL="9842" marR="9842" marT="9842" marB="0" anchor="ctr"/>
+                </a:tc>
+                <a:extLst>
+                  <a:ext uri="{0D108BD9-81ED-4DB2-BD59-A6C34878D82A}">
+                    <a16:rowId xmlns:a16="http://schemas.microsoft.com/office/drawing/2014/main" val="10000"/>
+                  </a:ext>
+                </a:extLst>
+              </a:tr>
+              <a:tr h="204546">
+                <a:tc>
+                  <a:txBody>
+                    <a:bodyPr/>
+                    <a:lstStyle/>
+                    <a:p>
+                      <a:pPr algn="l" fontAlgn="ctr">
+                        <a:buNone/>
+                      </a:pPr>
+                      <a:r>
+                        <a:rPr lang="es-ES" sz="1100" b="1" i="0" u="none" strike="noStrike" dirty="0">
+                          <a:solidFill>
+                            <a:srgbClr val="000000"/>
+                          </a:solidFill>
+                          <a:effectLst/>
+                        </a:rPr>
+                        <a:t>TEST</a:t>
+                      </a:r>
+                    </a:p>
+                  </a:txBody>
+                  <a:tcPr marL="7620" marR="7620" marT="7620" marB="0" anchor="ctr"/>
+                </a:tc>
+                <a:tc>
+                  <a:txBody>
+                    <a:bodyPr/>
+                    <a:lstStyle/>
+                    <a:p>
+                      <a:pPr algn="l" fontAlgn="b"/>
+                      <a:r>
+                        <a:rPr lang="es-ES" sz="1100" b="1" i="0" dirty="0">
+                          <a:solidFill>
+                            <a:srgbClr val="000000"/>
+                          </a:solidFill>
+                          <a:effectLst/>
+                        </a:rPr>
+                        <a:t>0.6790476</a:t>
+                      </a:r>
+                    </a:p>
+                  </a:txBody>
+                  <a:tcPr marL="9842" marR="9842" marT="9842" marB="0" anchor="b"/>
+                </a:tc>
+                <a:tc>
+                  <a:txBody>
+                    <a:bodyPr/>
+                    <a:lstStyle/>
+                    <a:p>
+                      <a:pPr algn="l" fontAlgn="b"/>
+                      <a:r>
+                        <a:rPr lang="es-ES" sz="1100" b="1" i="0" dirty="0">
+                          <a:solidFill>
+                            <a:srgbClr val="000000"/>
+                          </a:solidFill>
+                          <a:effectLst/>
+                        </a:rPr>
+                        <a:t>0.3342618</a:t>
+                      </a:r>
+                    </a:p>
+                  </a:txBody>
+                  <a:tcPr marL="9842" marR="9842" marT="9842" marB="0" anchor="b"/>
+                </a:tc>
+                <a:tc>
+                  <a:txBody>
+                    <a:bodyPr/>
+                    <a:lstStyle/>
+                    <a:p>
+                      <a:pPr algn="l" fontAlgn="b"/>
+                      <a:r>
+                        <a:rPr lang="es-ES" sz="1100" b="1" i="0" dirty="0">
+                          <a:solidFill>
+                            <a:srgbClr val="000000"/>
+                          </a:solidFill>
+                          <a:effectLst/>
+                        </a:rPr>
+                        <a:t>0.5504587</a:t>
+                      </a:r>
+                    </a:p>
+                  </a:txBody>
+                  <a:tcPr marL="9842" marR="9842" marT="9842" marB="0" anchor="b"/>
+                </a:tc>
+                <a:tc>
+                  <a:txBody>
+                    <a:bodyPr/>
+                    <a:lstStyle/>
+                    <a:p>
+                      <a:pPr algn="l" fontAlgn="b"/>
+                      <a:r>
+                        <a:rPr lang="es-ES" sz="1100" b="1" i="0" dirty="0">
+                          <a:solidFill>
+                            <a:srgbClr val="000000"/>
+                          </a:solidFill>
+                          <a:effectLst/>
+                        </a:rPr>
+                        <a:t>0.7127404</a:t>
+                      </a:r>
+                    </a:p>
+                  </a:txBody>
+                  <a:tcPr marL="9842" marR="9842" marT="9842" marB="0" anchor="b"/>
+                </a:tc>
+                <a:tc>
+                  <a:txBody>
+                    <a:bodyPr/>
+                    <a:lstStyle/>
+                    <a:p>
+                      <a:pPr algn="l" fontAlgn="b"/>
+                      <a:r>
+                        <a:rPr lang="es-ES" sz="1100" b="1" i="0" dirty="0">
+                          <a:solidFill>
+                            <a:srgbClr val="000000"/>
+                          </a:solidFill>
+                          <a:effectLst/>
+                        </a:rPr>
+                        <a:t>0.4159445</a:t>
+                      </a:r>
+                    </a:p>
+                  </a:txBody>
+                  <a:tcPr marL="9842" marR="9842" marT="9842" marB="0" anchor="b"/>
+                </a:tc>
+                <a:extLst>
+                  <a:ext uri="{0D108BD9-81ED-4DB2-BD59-A6C34878D82A}">
+                    <a16:rowId xmlns:a16="http://schemas.microsoft.com/office/drawing/2014/main" val="10001"/>
+                  </a:ext>
+                </a:extLst>
+              </a:tr>
+            </a:tbl>
+          </a:graphicData>
+        </a:graphic>
+      </p:graphicFrame>
+      <p:sp>
+        <p:nvSpPr>
+          <p:cNvPr id="7" name="CuadroTexto 6"/>
+          <p:cNvSpPr txBox="1"/>
+          <p:nvPr/>
+        </p:nvSpPr>
+        <p:spPr>
+          <a:xfrm>
+            <a:off x="534539" y="2607967"/>
+            <a:ext cx="8609461" cy="2262158"/>
+          </a:xfrm>
+          <a:prstGeom prst="rect">
+            <a:avLst/>
+          </a:prstGeom>
+          <a:noFill/>
+        </p:spPr>
+        <p:txBody>
+          <a:bodyPr wrap="square">
+            <a:spAutoFit/>
+          </a:bodyPr>
+          <a:lstStyle/>
+          <a:p>
+            <a:r>
+              <a:rPr lang="en-GB" sz="1300" b="1" dirty="0"/>
+              <a:t>Naive Bayes:</a:t>
+            </a:r>
+            <a:r>
+              <a:rPr lang="en-GB" sz="1300" dirty="0"/>
+              <a:t> </a:t>
+            </a:r>
+          </a:p>
+          <a:p>
+            <a:pPr marL="285750" indent="-285750">
+              <a:buFont typeface="Arial" panose="020B0604020202020204" pitchFamily="34" charset="0"/>
+              <a:buChar char="•"/>
+            </a:pPr>
+            <a:r>
+              <a:rPr lang="en-GB" sz="1300" dirty="0"/>
+              <a:t>Se </a:t>
+            </a:r>
+            <a:r>
+              <a:rPr lang="en-GB" sz="1300" dirty="0" err="1"/>
+              <a:t>aplicó</a:t>
+            </a:r>
+            <a:r>
+              <a:rPr lang="en-GB" sz="1300" dirty="0"/>
+              <a:t> </a:t>
+            </a:r>
+            <a:r>
+              <a:rPr lang="en-GB" sz="1300" dirty="0" err="1"/>
+              <a:t>el</a:t>
+            </a:r>
+            <a:r>
+              <a:rPr lang="en-GB" sz="1300" dirty="0"/>
+              <a:t> </a:t>
+            </a:r>
+            <a:r>
+              <a:rPr lang="en-GB" sz="1300" dirty="0">
+                <a:solidFill>
+                  <a:srgbClr val="FF0000"/>
+                </a:solidFill>
+              </a:rPr>
+              <a:t>FAMD</a:t>
+            </a:r>
+            <a:r>
+              <a:rPr lang="en-GB" sz="1300" dirty="0"/>
+              <a:t>, </a:t>
+            </a:r>
+            <a:r>
+              <a:rPr lang="en-GB" sz="1300" dirty="0" err="1"/>
+              <a:t>obteniendo</a:t>
+            </a:r>
+            <a:r>
+              <a:rPr lang="en-GB" sz="1300" dirty="0"/>
+              <a:t> </a:t>
+            </a:r>
+            <a:r>
+              <a:rPr lang="en-GB" sz="1300" dirty="0" err="1"/>
+              <a:t>una</a:t>
+            </a:r>
+            <a:r>
+              <a:rPr lang="en-GB" sz="1300" dirty="0"/>
+              <a:t> </a:t>
+            </a:r>
+            <a:r>
+              <a:rPr lang="en-GB" sz="1300" dirty="0" err="1"/>
+              <a:t>leve</a:t>
+            </a:r>
+            <a:r>
+              <a:rPr lang="en-GB" sz="1300" dirty="0"/>
+              <a:t> </a:t>
+            </a:r>
+            <a:r>
+              <a:rPr lang="en-GB" sz="1300" dirty="0" err="1"/>
+              <a:t>mejora</a:t>
+            </a:r>
+            <a:r>
+              <a:rPr lang="en-GB" sz="1300" dirty="0"/>
+              <a:t> general </a:t>
+            </a:r>
+            <a:r>
+              <a:rPr lang="en-GB" sz="1300" dirty="0" err="1"/>
+              <a:t>en</a:t>
+            </a:r>
+            <a:r>
+              <a:rPr lang="en-GB" sz="1300" dirty="0"/>
+              <a:t> las </a:t>
+            </a:r>
+            <a:r>
+              <a:rPr lang="en-GB" sz="1300" dirty="0" err="1"/>
+              <a:t>métricas</a:t>
+            </a:r>
+            <a:endParaRPr lang="en-GB" sz="1300" dirty="0"/>
+          </a:p>
+          <a:p>
+            <a:pPr marL="285750" indent="-285750">
+              <a:buFont typeface="Arial" panose="020B0604020202020204" pitchFamily="34" charset="0"/>
+              <a:buChar char="•"/>
+            </a:pPr>
+            <a:r>
+              <a:rPr lang="en-GB" sz="1300" dirty="0"/>
+              <a:t>No se ha </a:t>
+            </a:r>
+            <a:r>
+              <a:rPr lang="en-GB" sz="1300" dirty="0" err="1"/>
+              <a:t>detectado</a:t>
+            </a:r>
+            <a:r>
+              <a:rPr lang="en-GB" sz="1300" dirty="0"/>
+              <a:t> </a:t>
+            </a:r>
+            <a:r>
+              <a:rPr lang="en-GB" sz="1300" dirty="0" err="1"/>
+              <a:t>sobreajuste</a:t>
+            </a:r>
+            <a:endParaRPr lang="en-GB" sz="1300" dirty="0"/>
+          </a:p>
+          <a:p>
+            <a:pPr marL="285750" indent="-285750">
+              <a:buFont typeface="Arial" panose="020B0604020202020204" pitchFamily="34" charset="0"/>
+              <a:buChar char="•"/>
+            </a:pPr>
+            <a:r>
+              <a:rPr lang="en-GB" sz="1300" dirty="0"/>
+              <a:t>No hay </a:t>
+            </a:r>
+            <a:r>
+              <a:rPr lang="en-GB" sz="1300" dirty="0" err="1"/>
+              <a:t>diferencia</a:t>
+            </a:r>
+            <a:r>
+              <a:rPr lang="en-GB" sz="1300" dirty="0"/>
+              <a:t> entre </a:t>
+            </a:r>
+            <a:r>
+              <a:rPr lang="en-GB" sz="1300" dirty="0" err="1"/>
+              <a:t>métodos</a:t>
+            </a:r>
+            <a:r>
+              <a:rPr lang="en-GB" sz="1300" dirty="0"/>
+              <a:t> de </a:t>
+            </a:r>
+            <a:r>
+              <a:rPr lang="en-GB" sz="1300" dirty="0" err="1"/>
+              <a:t>balanceo</a:t>
+            </a:r>
+            <a:endParaRPr lang="en-GB" sz="1300" dirty="0"/>
+          </a:p>
+          <a:p>
+            <a:r>
+              <a:rPr lang="en-GB" sz="1300" b="1" dirty="0"/>
+              <a:t>KNN (9NN)</a:t>
+            </a:r>
+          </a:p>
+          <a:p>
+            <a:pPr marL="285750" indent="-285750">
+              <a:buFont typeface="Arial" panose="020B0604020202020204" pitchFamily="34" charset="0"/>
+              <a:buChar char="•"/>
+            </a:pPr>
+            <a:r>
+              <a:rPr lang="en-GB" sz="1300" dirty="0"/>
+              <a:t>Entre </a:t>
+            </a:r>
+            <a:r>
+              <a:rPr lang="en-GB" sz="1300" dirty="0" err="1"/>
+              <a:t>los</a:t>
+            </a:r>
+            <a:r>
+              <a:rPr lang="en-GB" sz="1300" dirty="0"/>
+              <a:t> </a:t>
+            </a:r>
+            <a:r>
+              <a:rPr lang="en-GB" sz="1300" dirty="0" err="1"/>
+              <a:t>métodos</a:t>
+            </a:r>
+            <a:r>
+              <a:rPr lang="en-GB" sz="1300" dirty="0"/>
+              <a:t> de </a:t>
+            </a:r>
+            <a:r>
+              <a:rPr lang="en-GB" sz="1300" dirty="0" err="1"/>
+              <a:t>balanceo</a:t>
+            </a:r>
+            <a:r>
+              <a:rPr lang="en-GB" sz="1300" dirty="0"/>
+              <a:t>, </a:t>
+            </a:r>
+            <a:r>
+              <a:rPr lang="en-GB" sz="1300" i="1" dirty="0">
+                <a:solidFill>
+                  <a:srgbClr val="7030A0"/>
+                </a:solidFill>
+              </a:rPr>
+              <a:t>SMOTE</a:t>
+            </a:r>
+            <a:r>
+              <a:rPr lang="en-GB" sz="1300" i="1" dirty="0"/>
+              <a:t>, (</a:t>
+            </a:r>
+            <a:r>
+              <a:rPr lang="en-GB" sz="1300" dirty="0" err="1"/>
+              <a:t>ofreció</a:t>
+            </a:r>
+            <a:r>
+              <a:rPr lang="en-GB" sz="1300" dirty="0"/>
+              <a:t> </a:t>
+            </a:r>
+            <a:r>
+              <a:rPr lang="en-GB" sz="1300" dirty="0" err="1"/>
+              <a:t>los</a:t>
+            </a:r>
+            <a:r>
+              <a:rPr lang="en-GB" sz="1300" dirty="0"/>
+              <a:t> </a:t>
+            </a:r>
+            <a:r>
+              <a:rPr lang="en-GB" sz="1300" dirty="0" err="1"/>
+              <a:t>mejoros</a:t>
+            </a:r>
+            <a:r>
+              <a:rPr lang="en-GB" sz="1300" dirty="0"/>
+              <a:t> </a:t>
+            </a:r>
+            <a:r>
+              <a:rPr lang="en-GB" sz="1300" dirty="0" err="1"/>
+              <a:t>resultados</a:t>
+            </a:r>
+            <a:r>
+              <a:rPr lang="en-GB" sz="1300" dirty="0"/>
+              <a:t> via </a:t>
+            </a:r>
+            <a:r>
+              <a:rPr lang="en-GB" sz="1300" dirty="0" err="1"/>
+              <a:t>poca</a:t>
+            </a:r>
+            <a:r>
+              <a:rPr lang="en-GB" sz="1300" dirty="0"/>
+              <a:t> </a:t>
+            </a:r>
+            <a:r>
+              <a:rPr lang="en-GB" sz="1300" dirty="0" err="1"/>
+              <a:t>diferencia</a:t>
+            </a:r>
+            <a:r>
+              <a:rPr lang="en-GB" sz="1300" dirty="0"/>
+              <a:t>)</a:t>
+            </a:r>
+          </a:p>
+          <a:p>
+            <a:pPr marL="285750" indent="-285750">
+              <a:buFont typeface="Arial" panose="020B0604020202020204" pitchFamily="34" charset="0"/>
+              <a:buChar char="•"/>
+            </a:pPr>
+            <a:r>
+              <a:rPr lang="en-GB" sz="1300" dirty="0" err="1"/>
+              <a:t>Detección</a:t>
+            </a:r>
+            <a:r>
+              <a:rPr lang="en-GB" sz="1300" dirty="0"/>
+              <a:t> de </a:t>
+            </a:r>
+            <a:r>
+              <a:rPr lang="en-GB" sz="1300" i="1" dirty="0">
+                <a:solidFill>
+                  <a:srgbClr val="7030A0"/>
+                </a:solidFill>
+              </a:rPr>
+              <a:t>ligero </a:t>
+            </a:r>
+            <a:r>
+              <a:rPr lang="en-GB" sz="1300" i="1" dirty="0" err="1">
+                <a:solidFill>
+                  <a:srgbClr val="7030A0"/>
+                </a:solidFill>
+              </a:rPr>
+              <a:t>sobreajuste</a:t>
+            </a:r>
+            <a:endParaRPr lang="en-GB" sz="1300" i="1" dirty="0">
+              <a:solidFill>
+                <a:srgbClr val="7030A0"/>
+              </a:solidFill>
+            </a:endParaRPr>
+          </a:p>
+          <a:p>
+            <a:endParaRPr lang="en-GB" i="1" dirty="0"/>
+          </a:p>
+          <a:p>
+            <a:r>
+              <a:rPr lang="en-GB" sz="1200" i="1" dirty="0"/>
+              <a:t>En ambos temenos </a:t>
+            </a:r>
+            <a:r>
+              <a:rPr lang="en-GB" sz="1200" i="1" dirty="0" err="1"/>
+              <a:t>una</a:t>
+            </a:r>
+            <a:r>
+              <a:rPr lang="en-GB" sz="1200" i="1" dirty="0"/>
+              <a:t> </a:t>
+            </a:r>
+            <a:r>
+              <a:rPr lang="en-GB" sz="1200" i="1" dirty="0" err="1"/>
+              <a:t>alta</a:t>
+            </a:r>
+            <a:r>
+              <a:rPr lang="en-GB" sz="1200" i="1" dirty="0"/>
+              <a:t> </a:t>
+            </a:r>
+            <a:r>
+              <a:rPr lang="en-GB" sz="1200" i="1" dirty="0" err="1"/>
+              <a:t>especificidad</a:t>
+            </a:r>
+            <a:r>
+              <a:rPr lang="en-GB" sz="1200" i="1" dirty="0"/>
+              <a:t>, </a:t>
+            </a:r>
+            <a:r>
+              <a:rPr lang="en-GB" sz="1200" i="1" dirty="0" err="1"/>
+              <a:t>por</a:t>
+            </a:r>
+            <a:r>
+              <a:rPr lang="en-GB" sz="1200" i="1" dirty="0"/>
+              <a:t> lo tanto, </a:t>
+            </a:r>
+            <a:r>
+              <a:rPr lang="en-GB" sz="1200" i="1" dirty="0" err="1"/>
+              <a:t>correcto</a:t>
+            </a:r>
+            <a:r>
+              <a:rPr lang="en-GB" sz="1200" i="1" dirty="0"/>
+              <a:t> para detector </a:t>
+            </a:r>
+            <a:r>
+              <a:rPr lang="en-GB" sz="1200" i="1" dirty="0" err="1"/>
+              <a:t>los</a:t>
+            </a:r>
+            <a:r>
+              <a:rPr lang="en-GB" sz="1200" i="1" dirty="0"/>
+              <a:t> </a:t>
+            </a:r>
+            <a:r>
+              <a:rPr lang="en-GB" sz="1200" i="1" dirty="0" err="1"/>
+              <a:t>casos</a:t>
+            </a:r>
+            <a:r>
+              <a:rPr lang="en-GB" sz="1200" i="1" dirty="0"/>
+              <a:t> </a:t>
+            </a:r>
+            <a:r>
+              <a:rPr lang="en-GB" sz="1200" i="1" dirty="0" err="1"/>
+              <a:t>negativos</a:t>
+            </a:r>
+            <a:r>
+              <a:rPr lang="en-GB" sz="1200" i="1" dirty="0"/>
+              <a:t> </a:t>
+            </a:r>
+            <a:r>
+              <a:rPr lang="en-GB" sz="1200" i="1" dirty="0" err="1"/>
+              <a:t>pero</a:t>
+            </a:r>
+            <a:r>
+              <a:rPr lang="en-GB" sz="1200" i="1" dirty="0"/>
+              <a:t> </a:t>
+            </a:r>
+            <a:r>
+              <a:rPr lang="en-GB" sz="1200" i="1" dirty="0" err="1"/>
+              <a:t>en</a:t>
+            </a:r>
+            <a:r>
+              <a:rPr lang="en-GB" sz="1200" i="1" dirty="0"/>
+              <a:t> </a:t>
+            </a:r>
+            <a:r>
+              <a:rPr lang="en-GB" sz="1200" i="1" dirty="0" err="1"/>
+              <a:t>nuestro</a:t>
+            </a:r>
+            <a:r>
+              <a:rPr lang="en-GB" sz="1200" i="1" dirty="0"/>
+              <a:t> </a:t>
+            </a:r>
+            <a:r>
+              <a:rPr lang="en-GB" sz="1200" i="1" dirty="0" err="1"/>
+              <a:t>estudio</a:t>
+            </a:r>
+            <a:r>
+              <a:rPr lang="en-GB" sz="1200" i="1" dirty="0"/>
+              <a:t> </a:t>
+            </a:r>
+            <a:r>
+              <a:rPr lang="en-GB" sz="1200" i="1" dirty="0" err="1"/>
+              <a:t>nos</a:t>
+            </a:r>
+            <a:r>
+              <a:rPr lang="en-GB" sz="1200" i="1" dirty="0"/>
+              <a:t> </a:t>
+            </a:r>
+            <a:r>
+              <a:rPr lang="en-GB" sz="1200" i="1" dirty="0" err="1"/>
+              <a:t>interesa</a:t>
+            </a:r>
+            <a:r>
+              <a:rPr lang="en-GB" sz="1200" i="1" dirty="0"/>
+              <a:t> la </a:t>
+            </a:r>
+            <a:r>
+              <a:rPr lang="en-GB" sz="1200" i="1" dirty="0" err="1"/>
+              <a:t>clase</a:t>
+            </a:r>
+            <a:r>
+              <a:rPr lang="en-GB" sz="1200" i="1" dirty="0"/>
+              <a:t> positive, </a:t>
+            </a:r>
+            <a:r>
+              <a:rPr lang="en-GB" sz="1200" i="1" dirty="0" err="1"/>
+              <a:t>indicando</a:t>
+            </a:r>
+            <a:r>
+              <a:rPr lang="en-GB" sz="1200" i="1" dirty="0"/>
+              <a:t> </a:t>
+            </a:r>
+            <a:r>
+              <a:rPr lang="en-GB" sz="1200" i="1" dirty="0" err="1"/>
+              <a:t>que</a:t>
+            </a:r>
+            <a:r>
+              <a:rPr lang="en-GB" sz="1200" i="1" dirty="0"/>
+              <a:t> para </a:t>
+            </a:r>
+            <a:r>
+              <a:rPr lang="en-GB" sz="1200" i="1" dirty="0" err="1"/>
+              <a:t>nuestro</a:t>
+            </a:r>
+            <a:r>
+              <a:rPr lang="en-GB" sz="1200" i="1" dirty="0"/>
+              <a:t> </a:t>
+            </a:r>
+            <a:r>
+              <a:rPr lang="en-GB" sz="1200" i="1" dirty="0" err="1"/>
+              <a:t>trabajo</a:t>
+            </a:r>
+            <a:r>
+              <a:rPr lang="en-GB" sz="1200" i="1" dirty="0"/>
+              <a:t> no es tan </a:t>
+            </a:r>
+            <a:r>
+              <a:rPr lang="en-GB" sz="1200" i="1" dirty="0" err="1"/>
+              <a:t>útil</a:t>
+            </a:r>
+            <a:r>
+              <a:rPr lang="en-GB" sz="1200" i="1" dirty="0"/>
+              <a:t>. </a:t>
+            </a:r>
+          </a:p>
+          <a:p>
+            <a:r>
+              <a:rPr lang="en-GB" sz="1200" i="1" dirty="0"/>
+              <a:t>Al ser </a:t>
+            </a:r>
+            <a:r>
+              <a:rPr lang="en-GB" sz="1200" i="1" dirty="0" err="1"/>
+              <a:t>datos</a:t>
+            </a:r>
+            <a:r>
+              <a:rPr lang="en-GB" sz="1200" i="1" dirty="0"/>
+              <a:t> </a:t>
+            </a:r>
+            <a:r>
+              <a:rPr lang="en-GB" sz="1200" i="1" dirty="0" err="1"/>
+              <a:t>desbalancedos</a:t>
+            </a:r>
+            <a:r>
+              <a:rPr lang="en-GB" sz="1200" i="1" dirty="0"/>
+              <a:t>. El accuracy no da </a:t>
+            </a:r>
+            <a:r>
+              <a:rPr lang="en-GB" sz="1200" i="1" dirty="0" err="1"/>
+              <a:t>una</a:t>
+            </a:r>
+            <a:r>
+              <a:rPr lang="en-GB" sz="1200" i="1" dirty="0"/>
+              <a:t> </a:t>
+            </a:r>
+            <a:r>
+              <a:rPr lang="en-GB" sz="1200" i="1" dirty="0" err="1"/>
+              <a:t>métrica</a:t>
+            </a:r>
+            <a:r>
+              <a:rPr lang="en-GB" sz="1200" i="1" dirty="0"/>
+              <a:t> </a:t>
+            </a:r>
+            <a:r>
+              <a:rPr lang="en-GB" sz="1200" i="1" dirty="0" err="1"/>
+              <a:t>correcta</a:t>
+            </a:r>
+            <a:r>
+              <a:rPr lang="en-GB" sz="1200" i="1" dirty="0"/>
+              <a:t> o </a:t>
+            </a:r>
+            <a:r>
+              <a:rPr lang="en-GB" sz="1200" i="1" dirty="0" err="1"/>
+              <a:t>creïble</a:t>
+            </a:r>
+            <a:r>
+              <a:rPr lang="en-GB" sz="1200" i="1" dirty="0"/>
+              <a:t>. </a:t>
+            </a:r>
+          </a:p>
+        </p:txBody>
+      </p:sp>
+      <p:sp>
+        <p:nvSpPr>
+          <p:cNvPr id="10" name="Flecha: hacia la izquierda 9"/>
+          <p:cNvSpPr/>
+          <p:nvPr/>
+        </p:nvSpPr>
+        <p:spPr>
+          <a:xfrm>
+            <a:off x="7050491" y="1944838"/>
+            <a:ext cx="1840101" cy="673582"/>
+          </a:xfrm>
+          <a:prstGeom prst="leftArrow">
+            <a:avLst/>
+          </a:prstGeom>
+        </p:spPr>
+        <p:style>
+          <a:lnRef idx="1">
+            <a:schemeClr val="accent2"/>
+          </a:lnRef>
+          <a:fillRef idx="3">
+            <a:schemeClr val="accent2"/>
+          </a:fillRef>
+          <a:effectRef idx="2">
+            <a:schemeClr val="accent2"/>
+          </a:effectRef>
+          <a:fontRef idx="minor">
+            <a:schemeClr val="lt1"/>
+          </a:fontRef>
+        </p:style>
+        <p:txBody>
+          <a:bodyPr rtlCol="0" anchor="ctr"/>
+          <a:lstStyle/>
+          <a:p>
+            <a:pPr algn="ctr"/>
+            <a:r>
+              <a:rPr lang="ca-ES" sz="1200" dirty="0" err="1">
+                <a:solidFill>
+                  <a:srgbClr val="FF0000"/>
+                </a:solidFill>
+              </a:rPr>
+              <a:t>Insufficient</a:t>
+            </a:r>
+            <a:r>
+              <a:rPr lang="ca-ES" sz="1200" dirty="0">
+                <a:solidFill>
+                  <a:srgbClr val="FF0000"/>
+                </a:solidFill>
+              </a:rPr>
+              <a:t> </a:t>
+            </a:r>
+            <a:r>
+              <a:rPr lang="ca-ES" sz="1200" dirty="0" err="1">
+                <a:solidFill>
+                  <a:srgbClr val="FF0000"/>
+                </a:solidFill>
+              </a:rPr>
+              <a:t>results</a:t>
+            </a:r>
+            <a:r>
+              <a:rPr lang="ca-ES" sz="1200" dirty="0">
+                <a:solidFill>
+                  <a:srgbClr val="FF0000"/>
+                </a:solidFill>
+              </a:rPr>
+              <a:t> F1&lt;0,5</a:t>
+            </a:r>
+          </a:p>
+        </p:txBody>
+      </p:sp>
+      <p:graphicFrame>
+        <p:nvGraphicFramePr>
+          <p:cNvPr id="15" name="Diagram 14">
+            <a:extLst>
+              <a:ext uri="{FF2B5EF4-FFF2-40B4-BE49-F238E27FC236}">
+                <a16:creationId xmlns:a16="http://schemas.microsoft.com/office/drawing/2014/main" id="{3C87FC02-D443-B500-1F46-D6A556E0E738}"/>
+              </a:ext>
+            </a:extLst>
+          </p:cNvPr>
+          <p:cNvGraphicFramePr/>
+          <p:nvPr/>
+        </p:nvGraphicFramePr>
+        <p:xfrm>
+          <a:off x="782760" y="1353106"/>
+          <a:ext cx="1617045" cy="572700"/>
+        </p:xfrm>
+        <a:graphic>
+          <a:graphicData uri="http://schemas.openxmlformats.org/drawingml/2006/diagram">
+            <dgm:relIds xmlns:dgm="http://schemas.openxmlformats.org/drawingml/2006/diagram" xmlns:r="http://schemas.openxmlformats.org/officeDocument/2006/relationships" r:dm="rId3" r:lo="rId4" r:qs="rId5" r:cs="rId6"/>
+          </a:graphicData>
+        </a:graphic>
+      </p:graphicFrame>
+      <p:graphicFrame>
+        <p:nvGraphicFramePr>
+          <p:cNvPr id="16" name="Diagram 15">
+            <a:extLst>
+              <a:ext uri="{FF2B5EF4-FFF2-40B4-BE49-F238E27FC236}">
+                <a16:creationId xmlns:a16="http://schemas.microsoft.com/office/drawing/2014/main" id="{FAAF9AA9-2E60-FD7F-66A3-2CAAAD442921}"/>
+              </a:ext>
+            </a:extLst>
+          </p:cNvPr>
+          <p:cNvGraphicFramePr/>
+          <p:nvPr/>
+        </p:nvGraphicFramePr>
+        <p:xfrm>
+          <a:off x="-51798" y="2004664"/>
+          <a:ext cx="2451603" cy="530870"/>
+        </p:xfrm>
+        <a:graphic>
+          <a:graphicData uri="http://schemas.openxmlformats.org/drawingml/2006/diagram">
+            <dgm:relIds xmlns:dgm="http://schemas.openxmlformats.org/drawingml/2006/diagram" xmlns:r="http://schemas.openxmlformats.org/officeDocument/2006/relationships" r:dm="rId8" r:lo="rId9" r:qs="rId10" r:cs="rId11"/>
+          </a:graphicData>
+        </a:graphic>
+      </p:graphicFrame>
+      <p:sp>
+        <p:nvSpPr>
+          <p:cNvPr id="2" name="Left Arrow 1">
+            <a:extLst>
+              <a:ext uri="{FF2B5EF4-FFF2-40B4-BE49-F238E27FC236}">
+                <a16:creationId xmlns:a16="http://schemas.microsoft.com/office/drawing/2014/main" id="{55941FCE-A230-D01C-1E66-60A61B21C5A3}"/>
+              </a:ext>
+            </a:extLst>
+          </p:cNvPr>
+          <p:cNvSpPr/>
+          <p:nvPr/>
+        </p:nvSpPr>
+        <p:spPr>
+          <a:xfrm>
+            <a:off x="7012237" y="1156497"/>
+            <a:ext cx="1916610" cy="453829"/>
+          </a:xfrm>
+          <a:prstGeom prst="leftArrow">
+            <a:avLst/>
+          </a:prstGeom>
+        </p:spPr>
+        <p:style>
+          <a:lnRef idx="2">
+            <a:schemeClr val="accent1">
+              <a:shade val="15000"/>
+            </a:schemeClr>
+          </a:lnRef>
+          <a:fillRef idx="1">
+            <a:schemeClr val="accent1"/>
+          </a:fillRef>
+          <a:effectRef idx="0">
+            <a:schemeClr val="accent1"/>
+          </a:effectRef>
+          <a:fontRef idx="minor">
+            <a:schemeClr val="lt1"/>
+          </a:fontRef>
+        </p:style>
+        <p:txBody>
+          <a:bodyPr rtlCol="0" anchor="ctr"/>
+          <a:lstStyle/>
+          <a:p>
+            <a:pPr algn="ctr"/>
+            <a:r>
+              <a:rPr lang="en-ES" dirty="0"/>
+              <a:t>Cross Validation</a:t>
+            </a:r>
+          </a:p>
+        </p:txBody>
+      </p:sp>
+    </p:spTree>
+  </p:cSld>
+  <p:clrMapOvr>
+    <a:masterClrMapping/>
+  </p:clrMapOvr>
+  <p:transition/>
+</p:sld>
+</file>
+
+<file path=ppt/slides/slide7.xml><?xml version="1.0" encoding="utf-8"?>
+<p:sld xmlns:a="http://schemas.openxmlformats.org/drawingml/2006/main" xmlns:r="http://schemas.openxmlformats.org/officeDocument/2006/relationships" xmlns:p="http://schemas.openxmlformats.org/presentationml/2006/main">
+  <p:cSld>
+    <p:spTree>
+      <p:nvGrpSpPr>
         <p:cNvPr id="1" name=""/>
         <p:cNvGrpSpPr/>
         <p:nvPr/>
@@ -22224,13 +29275,8 @@
           <a:p>
             <a:r>
               <a:rPr lang="es-ES" noProof="0" dirty="0"/>
-              <a:t>Árbol de </a:t>
-            </a:r>
-            <a:r>
-              <a:rPr lang="es-ES" noProof="0" dirty="0" err="1"/>
-              <a:t>desición</a:t>
-            </a:r>
-            <a:endParaRPr lang="es-ES" noProof="0" dirty="0"/>
+              <a:t>Árbol de decisión</a:t>
+            </a:r>
           </a:p>
         </p:txBody>
       </p:sp>
@@ -23123,7 +30169,7 @@
 </p:sld>
 </file>
 
-<file path=ppt/slides/slide7.xml><?xml version="1.0" encoding="utf-8"?>
+<file path=ppt/slides/slide8.xml><?xml version="1.0" encoding="utf-8"?>
 <p:sld xmlns:a="http://schemas.openxmlformats.org/drawingml/2006/main" xmlns:r="http://schemas.openxmlformats.org/officeDocument/2006/relationships" xmlns:p="http://schemas.openxmlformats.org/presentationml/2006/main">
   <p:cSld>
     <p:spTree>
@@ -23486,7 +30532,7 @@
 </p:sld>
 </file>
 
-<file path=ppt/slides/slide8.xml><?xml version="1.0" encoding="utf-8"?>
+<file path=ppt/slides/slide9.xml><?xml version="1.0" encoding="utf-8"?>
 <p:sld xmlns:a="http://schemas.openxmlformats.org/drawingml/2006/main" xmlns:r="http://schemas.openxmlformats.org/officeDocument/2006/relationships" xmlns:p="http://schemas.openxmlformats.org/presentationml/2006/main">
   <p:cSld>
     <p:spTree>
@@ -24041,842 +31087,6 @@
   <p:clrMapOvr>
     <a:masterClrMapping/>
   </p:clrMapOvr>
-</p:sld>
-</file>
-
-<file path=ppt/slides/slide9.xml><?xml version="1.0" encoding="utf-8"?>
-<p:sld xmlns:a="http://schemas.openxmlformats.org/drawingml/2006/main" xmlns:r="http://schemas.openxmlformats.org/officeDocument/2006/relationships" xmlns:p="http://schemas.openxmlformats.org/presentationml/2006/main">
-  <p:cSld>
-    <p:spTree>
-      <p:nvGrpSpPr>
-        <p:cNvPr id="1" name=""/>
-        <p:cNvGrpSpPr/>
-        <p:nvPr/>
-      </p:nvGrpSpPr>
-      <p:grpSpPr>
-        <a:xfrm>
-          <a:off x="0" y="0"/>
-          <a:ext cx="0" cy="0"/>
-          <a:chOff x="0" y="0"/>
-          <a:chExt cx="0" cy="0"/>
-        </a:xfrm>
-      </p:grpSpPr>
-      <p:sp>
-        <p:nvSpPr>
-          <p:cNvPr id="2" name="Título 1"/>
-          <p:cNvSpPr>
-            <a:spLocks noGrp="1"/>
-          </p:cNvSpPr>
-          <p:nvPr>
-            <p:ph type="title"/>
-          </p:nvPr>
-        </p:nvSpPr>
-        <p:spPr/>
-        <p:txBody>
-          <a:bodyPr/>
-          <a:lstStyle/>
-          <a:p>
-            <a:r>
-              <a:rPr lang="es-ES" dirty="0" err="1"/>
-              <a:t>XGBoost</a:t>
-            </a:r>
-            <a:endParaRPr lang="es-ES" dirty="0"/>
-          </a:p>
-        </p:txBody>
-      </p:sp>
-      <p:sp>
-        <p:nvSpPr>
-          <p:cNvPr id="6" name="CuadroTexto 5"/>
-          <p:cNvSpPr txBox="1"/>
-          <p:nvPr/>
-        </p:nvSpPr>
-        <p:spPr>
-          <a:xfrm>
-            <a:off x="875944" y="1112200"/>
-            <a:ext cx="7580971" cy="3139321"/>
-          </a:xfrm>
-          <a:prstGeom prst="rect">
-            <a:avLst/>
-          </a:prstGeom>
-          <a:noFill/>
-        </p:spPr>
-        <p:txBody>
-          <a:bodyPr wrap="square">
-            <a:spAutoFit/>
-          </a:bodyPr>
-          <a:lstStyle/>
-          <a:p>
-            <a:pPr marL="285750" lvl="3" indent="-285750">
-              <a:buClr>
-                <a:srgbClr val="FF0000"/>
-              </a:buClr>
-              <a:buSzPct val="150000"/>
-              <a:buFont typeface="Arial" panose="020B0604020202020204" pitchFamily="34" charset="0"/>
-              <a:buChar char="×"/>
-            </a:pPr>
-            <a:r>
-              <a:rPr lang="es-ES" dirty="0"/>
-              <a:t>Data completo.               </a:t>
-            </a:r>
-          </a:p>
-          <a:p>
-            <a:pPr marL="285750" lvl="3" indent="-285750">
-              <a:buClr>
-                <a:srgbClr val="FF0000"/>
-              </a:buClr>
-              <a:buSzPct val="150000"/>
-              <a:buFont typeface="Arial" panose="020B0604020202020204" pitchFamily="34" charset="0"/>
-              <a:buChar char="×"/>
-            </a:pPr>
-            <a:r>
-              <a:rPr lang="en-US" altLang="zh-CN" dirty="0" err="1">
-                <a:sym typeface="+mn-ea"/>
-              </a:rPr>
-              <a:t>Reducción</a:t>
-            </a:r>
-            <a:r>
-              <a:rPr lang="en-US" altLang="zh-CN" dirty="0">
-                <a:sym typeface="+mn-ea"/>
-              </a:rPr>
-              <a:t> 1: </a:t>
-            </a:r>
-            <a:r>
-              <a:rPr lang="en-US" altLang="zh-CN" dirty="0" err="1">
-                <a:sym typeface="+mn-ea"/>
-              </a:rPr>
-              <a:t>varImp</a:t>
-            </a:r>
-            <a:r>
-              <a:rPr lang="en-US" altLang="zh-CN" dirty="0">
-                <a:sym typeface="+mn-ea"/>
-              </a:rPr>
-              <a:t> + variables </a:t>
-            </a:r>
-            <a:r>
-              <a:rPr lang="en-US" altLang="zh-CN" dirty="0" err="1">
-                <a:sym typeface="+mn-ea"/>
-              </a:rPr>
-              <a:t>significativas</a:t>
-            </a:r>
-            <a:r>
-              <a:rPr lang="en-US" altLang="zh-CN" dirty="0">
-                <a:sym typeface="+mn-ea"/>
-              </a:rPr>
-              <a:t> (</a:t>
-            </a:r>
-            <a:r>
-              <a:rPr lang="en-US" altLang="zh-CN" dirty="0" err="1">
-                <a:sym typeface="+mn-ea"/>
-              </a:rPr>
-              <a:t>estadisticamente</a:t>
-            </a:r>
-            <a:r>
-              <a:rPr lang="en-US" altLang="zh-CN" dirty="0">
-                <a:sym typeface="+mn-ea"/>
-              </a:rPr>
-              <a:t>).            </a:t>
-            </a:r>
-          </a:p>
-          <a:p>
-            <a:pPr marL="285750" indent="-285750">
-              <a:buClr>
-                <a:srgbClr val="00B050"/>
-              </a:buClr>
-              <a:buSzPct val="150000"/>
-              <a:buFont typeface="Wingdings" panose="05000000000000000000" pitchFamily="2" charset="2"/>
-              <a:buChar char="ü"/>
-            </a:pPr>
-            <a:r>
-              <a:rPr lang="es-ES" dirty="0" err="1"/>
-              <a:t>Reduccción</a:t>
-            </a:r>
-            <a:r>
-              <a:rPr lang="es-ES" dirty="0"/>
-              <a:t> 2: </a:t>
-            </a:r>
-            <a:r>
-              <a:rPr lang="es-ES" dirty="0" err="1"/>
-              <a:t>Dataset</a:t>
-            </a:r>
-            <a:r>
-              <a:rPr lang="es-ES" dirty="0"/>
-              <a:t> reducido.</a:t>
-            </a:r>
-          </a:p>
-          <a:p>
-            <a:pPr marL="285750" indent="-285750">
-              <a:buClr>
-                <a:srgbClr val="00B050"/>
-              </a:buClr>
-              <a:buSzPct val="150000"/>
-              <a:buFont typeface="Wingdings" panose="05000000000000000000" pitchFamily="2" charset="2"/>
-              <a:buChar char="ü"/>
-            </a:pPr>
-            <a:r>
-              <a:rPr lang="es-ES" dirty="0"/>
-              <a:t>Variable </a:t>
-            </a:r>
-            <a:r>
-              <a:rPr lang="es-ES" dirty="0" err="1"/>
-              <a:t>HasBalance</a:t>
-            </a:r>
-            <a:endParaRPr lang="es-ES" dirty="0"/>
-          </a:p>
-          <a:p>
-            <a:pPr marL="285750" indent="-285750">
-              <a:buClr>
-                <a:srgbClr val="FF0000"/>
-              </a:buClr>
-              <a:buSzPct val="150000"/>
-              <a:buFont typeface="Arial" panose="020B0604020202020204" pitchFamily="34" charset="0"/>
-              <a:buChar char="×"/>
-            </a:pPr>
-            <a:r>
-              <a:rPr lang="es-ES" dirty="0"/>
-              <a:t>Otras variables creadas como Age categorizada y diversas combinaciones de variables.</a:t>
-            </a:r>
-          </a:p>
-          <a:p>
-            <a:pPr marL="285750" indent="-285750">
-              <a:buClr>
-                <a:srgbClr val="00B050"/>
-              </a:buClr>
-              <a:buSzPct val="150000"/>
-              <a:buFont typeface="Wingdings" panose="05000000000000000000" pitchFamily="2" charset="2"/>
-              <a:buChar char="ü"/>
-            </a:pPr>
-            <a:r>
-              <a:rPr lang="es-ES" dirty="0" err="1"/>
-              <a:t>ClassWeights</a:t>
-            </a:r>
-            <a:r>
-              <a:rPr lang="es-ES" dirty="0"/>
-              <a:t> 1:4</a:t>
-            </a:r>
-          </a:p>
-          <a:p>
-            <a:endParaRPr lang="es-ES" dirty="0"/>
-          </a:p>
-          <a:p>
-            <a:r>
-              <a:rPr lang="es-ES" sz="1600" b="1" dirty="0" err="1"/>
-              <a:t>Caracteristicas</a:t>
-            </a:r>
-            <a:r>
-              <a:rPr lang="es-ES" sz="1600" b="1" dirty="0"/>
-              <a:t>: </a:t>
-            </a:r>
-          </a:p>
-          <a:p>
-            <a:endParaRPr lang="es-ES" dirty="0"/>
-          </a:p>
-          <a:p>
-            <a:pPr marL="285750" indent="-285750">
-              <a:buClr>
-                <a:srgbClr val="00B050"/>
-              </a:buClr>
-              <a:buSzPct val="150000"/>
-              <a:buFont typeface="Wingdings" panose="05000000000000000000" pitchFamily="2" charset="2"/>
-              <a:buChar char="ü"/>
-            </a:pPr>
-            <a:r>
-              <a:rPr lang="es-ES" dirty="0"/>
-              <a:t>No hay </a:t>
-            </a:r>
-            <a:r>
-              <a:rPr lang="es-ES" dirty="0" err="1"/>
-              <a:t>overfitting</a:t>
-            </a:r>
-            <a:r>
-              <a:rPr lang="es-ES" dirty="0"/>
-              <a:t> y es estable.</a:t>
-            </a:r>
-          </a:p>
-          <a:p>
-            <a:pPr marL="285750" indent="-285750">
-              <a:buClr>
-                <a:srgbClr val="00B050"/>
-              </a:buClr>
-              <a:buSzPct val="150000"/>
-              <a:buFont typeface="Wingdings" panose="05000000000000000000" pitchFamily="2" charset="2"/>
-              <a:buChar char="ü"/>
-            </a:pPr>
-            <a:r>
-              <a:rPr lang="es-ES" dirty="0" err="1"/>
-              <a:t>Dummy</a:t>
-            </a:r>
-            <a:r>
-              <a:rPr lang="es-ES" dirty="0"/>
-              <a:t> &amp; </a:t>
-            </a:r>
-            <a:r>
-              <a:rPr lang="es-ES" dirty="0" err="1"/>
-              <a:t>Scale</a:t>
-            </a:r>
-            <a:endParaRPr lang="es-ES" dirty="0"/>
-          </a:p>
-          <a:p>
-            <a:pPr marL="285750" indent="-285750">
-              <a:buClr>
-                <a:srgbClr val="00B050"/>
-              </a:buClr>
-              <a:buSzPct val="150000"/>
-              <a:buFont typeface="Wingdings" panose="05000000000000000000" pitchFamily="2" charset="2"/>
-              <a:buChar char="ü"/>
-            </a:pPr>
-            <a:r>
-              <a:rPr lang="es-ES" dirty="0" err="1"/>
-              <a:t>Tuning</a:t>
-            </a:r>
-            <a:r>
-              <a:rPr lang="es-ES" dirty="0"/>
-              <a:t> de </a:t>
-            </a:r>
-            <a:r>
-              <a:rPr lang="es-ES" dirty="0" err="1"/>
-              <a:t>hiperparémetros</a:t>
-            </a:r>
-            <a:r>
-              <a:rPr lang="es-ES" dirty="0"/>
-              <a:t>.</a:t>
-            </a:r>
-          </a:p>
-          <a:p>
-            <a:pPr marL="285750" indent="-285750">
-              <a:buClr>
-                <a:srgbClr val="00B050"/>
-              </a:buClr>
-              <a:buSzPct val="150000"/>
-              <a:buFont typeface="Wingdings" panose="05000000000000000000" pitchFamily="2" charset="2"/>
-              <a:buChar char="ü"/>
-            </a:pPr>
-            <a:r>
-              <a:rPr lang="es-ES" dirty="0"/>
-              <a:t>Métricas obtenidas con p=0.52.</a:t>
-            </a:r>
-          </a:p>
-          <a:p>
-            <a:pPr marL="285750" indent="-285750">
-              <a:buFont typeface="Wingdings" panose="05000000000000000000" pitchFamily="2" charset="2"/>
-              <a:buChar char="ü"/>
-            </a:pPr>
-            <a:endParaRPr lang="es-ES" dirty="0"/>
-          </a:p>
-        </p:txBody>
-      </p:sp>
-      <p:sp>
-        <p:nvSpPr>
-          <p:cNvPr id="4" name="Rectángulo: esquinas redondeadas 3">
-            <a:extLst>
-              <a:ext uri="{FF2B5EF4-FFF2-40B4-BE49-F238E27FC236}">
-                <a16:creationId xmlns:a16="http://schemas.microsoft.com/office/drawing/2014/main" id="{9FF60DD8-7BD7-E38D-944E-F6DEDB581C57}"/>
-              </a:ext>
-            </a:extLst>
-          </p:cNvPr>
-          <p:cNvSpPr/>
-          <p:nvPr/>
-        </p:nvSpPr>
-        <p:spPr>
-          <a:xfrm>
-            <a:off x="6467637" y="2550108"/>
-            <a:ext cx="2321943" cy="1360969"/>
-          </a:xfrm>
-          <a:prstGeom prst="roundRect">
-            <a:avLst/>
-          </a:prstGeom>
-        </p:spPr>
-        <p:style>
-          <a:lnRef idx="2">
-            <a:schemeClr val="accent1">
-              <a:shade val="15000"/>
-            </a:schemeClr>
-          </a:lnRef>
-          <a:fillRef idx="1">
-            <a:schemeClr val="accent1"/>
-          </a:fillRef>
-          <a:effectRef idx="0">
-            <a:schemeClr val="accent1"/>
-          </a:effectRef>
-          <a:fontRef idx="minor">
-            <a:schemeClr val="lt1"/>
-          </a:fontRef>
-        </p:style>
-        <p:txBody>
-          <a:bodyPr rtlCol="0" anchor="ctr"/>
-          <a:lstStyle/>
-          <a:p>
-            <a:pPr algn="ctr"/>
-            <a:r>
-              <a:rPr lang="es-ES" dirty="0"/>
-              <a:t>eta = 0.05</a:t>
-            </a:r>
-          </a:p>
-          <a:p>
-            <a:pPr algn="ctr"/>
-            <a:r>
-              <a:rPr lang="es-ES" dirty="0" err="1"/>
-              <a:t>max_depth</a:t>
-            </a:r>
-            <a:r>
-              <a:rPr lang="es-ES" dirty="0"/>
-              <a:t> = 4</a:t>
-            </a:r>
-          </a:p>
-          <a:p>
-            <a:pPr algn="ctr"/>
-            <a:r>
-              <a:rPr lang="es-ES" dirty="0"/>
-              <a:t> </a:t>
-            </a:r>
-            <a:r>
-              <a:rPr lang="es-ES" dirty="0" err="1"/>
-              <a:t>subsample</a:t>
-            </a:r>
-            <a:r>
-              <a:rPr lang="es-ES" dirty="0"/>
-              <a:t> = 0.7,</a:t>
-            </a:r>
-          </a:p>
-          <a:p>
-            <a:pPr algn="ctr"/>
-            <a:r>
-              <a:rPr lang="es-ES" dirty="0"/>
-              <a:t> </a:t>
-            </a:r>
-            <a:r>
-              <a:rPr lang="es-ES" dirty="0" err="1"/>
-              <a:t>colsample_bytree</a:t>
-            </a:r>
-            <a:r>
-              <a:rPr lang="es-ES" dirty="0"/>
-              <a:t> = 0.7 </a:t>
-            </a:r>
-            <a:r>
-              <a:rPr lang="es-ES" dirty="0" err="1"/>
-              <a:t>scale_pos_weight</a:t>
-            </a:r>
-            <a:r>
-              <a:rPr lang="es-ES" dirty="0"/>
-              <a:t> = 4 </a:t>
-            </a:r>
-          </a:p>
-        </p:txBody>
-      </p:sp>
-      <p:sp>
-        <p:nvSpPr>
-          <p:cNvPr id="5" name="CuadroTexto 4">
-            <a:extLst>
-              <a:ext uri="{FF2B5EF4-FFF2-40B4-BE49-F238E27FC236}">
-                <a16:creationId xmlns:a16="http://schemas.microsoft.com/office/drawing/2014/main" id="{4A5074BF-9E07-DBDF-60C6-F4DC50D14036}"/>
-              </a:ext>
-            </a:extLst>
-          </p:cNvPr>
-          <p:cNvSpPr txBox="1"/>
-          <p:nvPr/>
-        </p:nvSpPr>
-        <p:spPr>
-          <a:xfrm>
-            <a:off x="1120736" y="4085557"/>
-            <a:ext cx="7091385" cy="738664"/>
-          </a:xfrm>
-          <a:prstGeom prst="rect">
-            <a:avLst/>
-          </a:prstGeom>
-        </p:spPr>
-        <p:style>
-          <a:lnRef idx="1">
-            <a:schemeClr val="accent2"/>
-          </a:lnRef>
-          <a:fillRef idx="2">
-            <a:schemeClr val="accent2"/>
-          </a:fillRef>
-          <a:effectRef idx="1">
-            <a:schemeClr val="accent2"/>
-          </a:effectRef>
-          <a:fontRef idx="minor">
-            <a:schemeClr val="dk1"/>
-          </a:fontRef>
-        </p:style>
-        <p:txBody>
-          <a:bodyPr wrap="square" rtlCol="0">
-            <a:spAutoFit/>
-          </a:bodyPr>
-          <a:lstStyle/>
-          <a:p>
-            <a:pPr latinLnBrk="1"/>
-            <a:r>
-              <a:rPr lang="en-US" dirty="0"/>
-              <a:t>Dataset    </a:t>
-            </a:r>
-            <a:r>
-              <a:rPr lang="en-US" dirty="0" err="1"/>
-              <a:t>Error_rate</a:t>
-            </a:r>
-            <a:r>
-              <a:rPr lang="en-US" dirty="0"/>
-              <a:t>  Accuracy   Precision   </a:t>
-            </a:r>
-            <a:r>
-              <a:rPr lang="en-US" dirty="0" err="1"/>
-              <a:t>Recall_Sensitivity</a:t>
-            </a:r>
-            <a:r>
-              <a:rPr lang="en-US" dirty="0"/>
-              <a:t> Specificity   F1_Score</a:t>
-            </a:r>
-          </a:p>
-          <a:p>
-            <a:pPr latinLnBrk="1"/>
-            <a:r>
-              <a:rPr lang="en-US" dirty="0"/>
-              <a:t>1  Train2  0.2328571 0.7671429 0.4483231          0.6616162    0.7938619 0.5344757</a:t>
-            </a:r>
-          </a:p>
-          <a:p>
-            <a:pPr latinLnBrk="1"/>
-            <a:r>
-              <a:rPr lang="en-US" dirty="0"/>
-              <a:t>2   Test2  0.2428571 0.7571429 0.4606918          0.6369565    0.7908537 0.5346715</a:t>
-            </a:r>
-          </a:p>
-        </p:txBody>
-      </p:sp>
-      <p:sp>
-        <p:nvSpPr>
-          <p:cNvPr id="7" name="CuadroTexto 6">
-            <a:extLst>
-              <a:ext uri="{FF2B5EF4-FFF2-40B4-BE49-F238E27FC236}">
-                <a16:creationId xmlns:a16="http://schemas.microsoft.com/office/drawing/2014/main" id="{1A11E12C-10DE-3A1A-8458-5A6C0DE32879}"/>
-              </a:ext>
-            </a:extLst>
-          </p:cNvPr>
-          <p:cNvSpPr txBox="1"/>
-          <p:nvPr/>
-        </p:nvSpPr>
-        <p:spPr>
-          <a:xfrm>
-            <a:off x="333155" y="4349132"/>
-            <a:ext cx="765544" cy="307777"/>
-          </a:xfrm>
-          <a:prstGeom prst="rect">
-            <a:avLst/>
-          </a:prstGeom>
-          <a:noFill/>
-        </p:spPr>
-        <p:txBody>
-          <a:bodyPr wrap="square" rtlCol="0">
-            <a:spAutoFit/>
-          </a:bodyPr>
-          <a:lstStyle/>
-          <a:p>
-            <a:r>
-              <a:rPr lang="es-ES" dirty="0"/>
-              <a:t>p=0.47</a:t>
-            </a:r>
-          </a:p>
-        </p:txBody>
-      </p:sp>
-      <p:sp>
-        <p:nvSpPr>
-          <p:cNvPr id="3" name="CuadroTexto 2">
-            <a:extLst>
-              <a:ext uri="{FF2B5EF4-FFF2-40B4-BE49-F238E27FC236}">
-                <a16:creationId xmlns:a16="http://schemas.microsoft.com/office/drawing/2014/main" id="{70E38204-24A2-51F6-9008-1CAD6727006D}"/>
-              </a:ext>
-            </a:extLst>
-          </p:cNvPr>
-          <p:cNvSpPr txBox="1"/>
-          <p:nvPr/>
-        </p:nvSpPr>
-        <p:spPr>
-          <a:xfrm>
-            <a:off x="1120736" y="4085557"/>
-            <a:ext cx="7091385" cy="738664"/>
-          </a:xfrm>
-          <a:prstGeom prst="rect">
-            <a:avLst/>
-          </a:prstGeom>
-        </p:spPr>
-        <p:style>
-          <a:lnRef idx="1">
-            <a:schemeClr val="accent2"/>
-          </a:lnRef>
-          <a:fillRef idx="2">
-            <a:schemeClr val="accent2"/>
-          </a:fillRef>
-          <a:effectRef idx="1">
-            <a:schemeClr val="accent2"/>
-          </a:effectRef>
-          <a:fontRef idx="minor">
-            <a:schemeClr val="dk1"/>
-          </a:fontRef>
-        </p:style>
-        <p:txBody>
-          <a:bodyPr wrap="square" rtlCol="0">
-            <a:spAutoFit/>
-          </a:bodyPr>
-          <a:lstStyle/>
-          <a:p>
-            <a:pPr latinLnBrk="1"/>
-            <a:r>
-              <a:rPr lang="en-US" dirty="0"/>
-              <a:t> Dataset  </a:t>
-            </a:r>
-            <a:r>
-              <a:rPr lang="en-US" dirty="0" err="1"/>
-              <a:t>Error_rate</a:t>
-            </a:r>
-            <a:r>
-              <a:rPr lang="en-US" dirty="0"/>
-              <a:t>   Accuracy    Precision    </a:t>
-            </a:r>
-            <a:r>
-              <a:rPr lang="en-US" dirty="0" err="1"/>
-              <a:t>Recall_Sensitivity</a:t>
-            </a:r>
-            <a:r>
-              <a:rPr lang="en-US" dirty="0"/>
-              <a:t> Specificity   F1_Score</a:t>
-            </a:r>
-          </a:p>
-          <a:p>
-            <a:pPr latinLnBrk="1"/>
-            <a:r>
-              <a:rPr lang="en-US" dirty="0"/>
-              <a:t>1  Train2  0.2775510  0.7224490  0.3984632          0.7333333    0.7196931  0.5163585</a:t>
-            </a:r>
-          </a:p>
-          <a:p>
-            <a:pPr latinLnBrk="1"/>
-            <a:r>
-              <a:rPr lang="en-US" dirty="0"/>
-              <a:t>2   Test2  0.2914286  0.7085714  0.4025641          0.6826087    0.7158537  0.5064516</a:t>
-            </a:r>
-          </a:p>
-        </p:txBody>
-      </p:sp>
-    </p:spTree>
-  </p:cSld>
-  <p:clrMapOvr>
-    <a:masterClrMapping/>
-  </p:clrMapOvr>
-  <p:timing>
-    <p:tnLst>
-      <p:par>
-        <p:cTn id="1" dur="indefinite" restart="never" nodeType="tmRoot">
-          <p:childTnLst>
-            <p:seq concurrent="1" nextAc="seek">
-              <p:cTn id="2" dur="indefinite" nodeType="mainSeq">
-                <p:childTnLst>
-                  <p:par>
-                    <p:cTn id="3" fill="hold">
-                      <p:stCondLst>
-                        <p:cond delay="indefinite"/>
-                        <p:cond evt="onBegin" delay="0">
-                          <p:tn val="2"/>
-                        </p:cond>
-                      </p:stCondLst>
-                      <p:childTnLst>
-                        <p:par>
-                          <p:cTn id="4" fill="hold">
-                            <p:stCondLst>
-                              <p:cond delay="0"/>
-                            </p:stCondLst>
-                            <p:childTnLst>
-                              <p:par>
-                                <p:cTn id="5" presetID="42" presetClass="entr" presetSubtype="0" fill="hold" grpId="0" nodeType="withEffect">
-                                  <p:stCondLst>
-                                    <p:cond delay="0"/>
-                                  </p:stCondLst>
-                                  <p:childTnLst>
-                                    <p:set>
-                                      <p:cBhvr>
-                                        <p:cTn id="6" dur="1" fill="hold">
-                                          <p:stCondLst>
-                                            <p:cond delay="0"/>
-                                          </p:stCondLst>
-                                        </p:cTn>
-                                        <p:tgtEl>
-                                          <p:spTgt spid="7"/>
-                                        </p:tgtEl>
-                                        <p:attrNameLst>
-                                          <p:attrName>style.visibility</p:attrName>
-                                        </p:attrNameLst>
-                                      </p:cBhvr>
-                                      <p:to>
-                                        <p:strVal val="visible"/>
-                                      </p:to>
-                                    </p:set>
-                                    <p:animEffect transition="in" filter="fade">
-                                      <p:cBhvr>
-                                        <p:cTn id="7" dur="1000"/>
-                                        <p:tgtEl>
-                                          <p:spTgt spid="7"/>
-                                        </p:tgtEl>
-                                      </p:cBhvr>
-                                    </p:animEffect>
-                                    <p:anim calcmode="lin" valueType="num">
-                                      <p:cBhvr>
-                                        <p:cTn id="8" dur="1000" fill="hold"/>
-                                        <p:tgtEl>
-                                          <p:spTgt spid="7"/>
-                                        </p:tgtEl>
-                                        <p:attrNameLst>
-                                          <p:attrName>ppt_x</p:attrName>
-                                        </p:attrNameLst>
-                                      </p:cBhvr>
-                                      <p:tavLst>
-                                        <p:tav tm="0">
-                                          <p:val>
-                                            <p:strVal val="#ppt_x"/>
-                                          </p:val>
-                                        </p:tav>
-                                        <p:tav tm="100000">
-                                          <p:val>
-                                            <p:strVal val="#ppt_x"/>
-                                          </p:val>
-                                        </p:tav>
-                                      </p:tavLst>
-                                    </p:anim>
-                                    <p:anim calcmode="lin" valueType="num">
-                                      <p:cBhvr>
-                                        <p:cTn id="9" dur="1000" fill="hold"/>
-                                        <p:tgtEl>
-                                          <p:spTgt spid="7"/>
-                                        </p:tgtEl>
-                                        <p:attrNameLst>
-                                          <p:attrName>ppt_y</p:attrName>
-                                        </p:attrNameLst>
-                                      </p:cBhvr>
-                                      <p:tavLst>
-                                        <p:tav tm="0">
-                                          <p:val>
-                                            <p:strVal val="#ppt_y+.1"/>
-                                          </p:val>
-                                        </p:tav>
-                                        <p:tav tm="100000">
-                                          <p:val>
-                                            <p:strVal val="#ppt_y"/>
-                                          </p:val>
-                                        </p:tav>
-                                      </p:tavLst>
-                                    </p:anim>
-                                  </p:childTnLst>
-                                </p:cTn>
-                              </p:par>
-                              <p:par>
-                                <p:cTn id="10" presetID="42" presetClass="entr" presetSubtype="0" fill="hold" grpId="0" nodeType="withEffect">
-                                  <p:stCondLst>
-                                    <p:cond delay="0"/>
-                                  </p:stCondLst>
-                                  <p:childTnLst>
-                                    <p:set>
-                                      <p:cBhvr>
-                                        <p:cTn id="11" dur="1" fill="hold">
-                                          <p:stCondLst>
-                                            <p:cond delay="0"/>
-                                          </p:stCondLst>
-                                        </p:cTn>
-                                        <p:tgtEl>
-                                          <p:spTgt spid="3"/>
-                                        </p:tgtEl>
-                                        <p:attrNameLst>
-                                          <p:attrName>style.visibility</p:attrName>
-                                        </p:attrNameLst>
-                                      </p:cBhvr>
-                                      <p:to>
-                                        <p:strVal val="visible"/>
-                                      </p:to>
-                                    </p:set>
-                                    <p:animEffect transition="in" filter="fade">
-                                      <p:cBhvr>
-                                        <p:cTn id="12" dur="1000"/>
-                                        <p:tgtEl>
-                                          <p:spTgt spid="3"/>
-                                        </p:tgtEl>
-                                      </p:cBhvr>
-                                    </p:animEffect>
-                                    <p:anim calcmode="lin" valueType="num">
-                                      <p:cBhvr>
-                                        <p:cTn id="13" dur="1000" fill="hold"/>
-                                        <p:tgtEl>
-                                          <p:spTgt spid="3"/>
-                                        </p:tgtEl>
-                                        <p:attrNameLst>
-                                          <p:attrName>ppt_x</p:attrName>
-                                        </p:attrNameLst>
-                                      </p:cBhvr>
-                                      <p:tavLst>
-                                        <p:tav tm="0">
-                                          <p:val>
-                                            <p:strVal val="#ppt_x"/>
-                                          </p:val>
-                                        </p:tav>
-                                        <p:tav tm="100000">
-                                          <p:val>
-                                            <p:strVal val="#ppt_x"/>
-                                          </p:val>
-                                        </p:tav>
-                                      </p:tavLst>
-                                    </p:anim>
-                                    <p:anim calcmode="lin" valueType="num">
-                                      <p:cBhvr>
-                                        <p:cTn id="14" dur="1000" fill="hold"/>
-                                        <p:tgtEl>
-                                          <p:spTgt spid="3"/>
-                                        </p:tgtEl>
-                                        <p:attrNameLst>
-                                          <p:attrName>ppt_y</p:attrName>
-                                        </p:attrNameLst>
-                                      </p:cBhvr>
-                                      <p:tavLst>
-                                        <p:tav tm="0">
-                                          <p:val>
-                                            <p:strVal val="#ppt_y+.1"/>
-                                          </p:val>
-                                        </p:tav>
-                                        <p:tav tm="100000">
-                                          <p:val>
-                                            <p:strVal val="#ppt_y"/>
-                                          </p:val>
-                                        </p:tav>
-                                      </p:tavLst>
-                                    </p:anim>
-                                  </p:childTnLst>
-                                </p:cTn>
-                              </p:par>
-                            </p:childTnLst>
-                          </p:cTn>
-                        </p:par>
-                      </p:childTnLst>
-                    </p:cTn>
-                  </p:par>
-                </p:childTnLst>
-              </p:cTn>
-              <p:prevCondLst>
-                <p:cond evt="onPrev" delay="0">
-                  <p:tgtEl>
-                    <p:sldTgt/>
-                  </p:tgtEl>
-                </p:cond>
-              </p:prevCondLst>
-              <p:nextCondLst>
-                <p:cond evt="onNext" delay="0">
-                  <p:tgtEl>
-                    <p:sldTgt/>
-                  </p:tgtEl>
-                </p:cond>
-              </p:nextCondLst>
-            </p:seq>
-          </p:childTnLst>
-        </p:cTn>
-      </p:par>
-    </p:tnLst>
-    <p:bldLst>
-      <p:bldP spid="7" grpId="0"/>
-      <p:bldP spid="3" grpId="0" animBg="1"/>
-    </p:bldLst>
-  </p:timing>
 </p:sld>
 </file>
 
